--- a/Presentación Procolombia 20231222.pptx
+++ b/Presentación Procolombia 20231222.pptx
@@ -2,7 +2,7 @@
 <file path=ppt/presentation.xml><?xml version="1.0" encoding="utf-8"?>
 <p:presentation xmlns:a="http://schemas.openxmlformats.org/drawingml/2006/main" xmlns:r="http://schemas.openxmlformats.org/officeDocument/2006/relationships" xmlns:p="http://schemas.openxmlformats.org/presentationml/2006/main" saveSubsetFonts="1">
   <p:sldMasterIdLst>
-    <p:sldMasterId id="2147483648" r:id="rId1"/>
+    <p:sldMasterId id="2147483691" r:id="rId1"/>
   </p:sldMasterIdLst>
   <p:sldIdLst>
     <p:sldId id="256" r:id="rId2"/>
@@ -14,9 +14,9 @@
   <p:notesSz cx="6858000" cy="9144000"/>
   <p:defaultTextStyle>
     <a:defPPr>
-      <a:defRPr lang="es-CO"/>
+      <a:defRPr lang="en-US"/>
     </a:defPPr>
-    <a:lvl1pPr marL="0" algn="l" defTabSz="914400" rtl="0" eaLnBrk="1" latinLnBrk="0" hangingPunct="1">
+    <a:lvl1pPr marL="0" algn="l" defTabSz="457200" rtl="0" eaLnBrk="1" latinLnBrk="0" hangingPunct="1">
       <a:defRPr sz="1800" kern="1200">
         <a:solidFill>
           <a:schemeClr val="tx1"/>
@@ -26,7 +26,7 @@
         <a:cs typeface="+mn-cs"/>
       </a:defRPr>
     </a:lvl1pPr>
-    <a:lvl2pPr marL="457200" algn="l" defTabSz="914400" rtl="0" eaLnBrk="1" latinLnBrk="0" hangingPunct="1">
+    <a:lvl2pPr marL="457200" algn="l" defTabSz="457200" rtl="0" eaLnBrk="1" latinLnBrk="0" hangingPunct="1">
       <a:defRPr sz="1800" kern="1200">
         <a:solidFill>
           <a:schemeClr val="tx1"/>
@@ -36,7 +36,7 @@
         <a:cs typeface="+mn-cs"/>
       </a:defRPr>
     </a:lvl2pPr>
-    <a:lvl3pPr marL="914400" algn="l" defTabSz="914400" rtl="0" eaLnBrk="1" latinLnBrk="0" hangingPunct="1">
+    <a:lvl3pPr marL="914400" algn="l" defTabSz="457200" rtl="0" eaLnBrk="1" latinLnBrk="0" hangingPunct="1">
       <a:defRPr sz="1800" kern="1200">
         <a:solidFill>
           <a:schemeClr val="tx1"/>
@@ -46,7 +46,7 @@
         <a:cs typeface="+mn-cs"/>
       </a:defRPr>
     </a:lvl3pPr>
-    <a:lvl4pPr marL="1371600" algn="l" defTabSz="914400" rtl="0" eaLnBrk="1" latinLnBrk="0" hangingPunct="1">
+    <a:lvl4pPr marL="1371600" algn="l" defTabSz="457200" rtl="0" eaLnBrk="1" latinLnBrk="0" hangingPunct="1">
       <a:defRPr sz="1800" kern="1200">
         <a:solidFill>
           <a:schemeClr val="tx1"/>
@@ -56,7 +56,7 @@
         <a:cs typeface="+mn-cs"/>
       </a:defRPr>
     </a:lvl4pPr>
-    <a:lvl5pPr marL="1828800" algn="l" defTabSz="914400" rtl="0" eaLnBrk="1" latinLnBrk="0" hangingPunct="1">
+    <a:lvl5pPr marL="1828800" algn="l" defTabSz="457200" rtl="0" eaLnBrk="1" latinLnBrk="0" hangingPunct="1">
       <a:defRPr sz="1800" kern="1200">
         <a:solidFill>
           <a:schemeClr val="tx1"/>
@@ -66,7 +66,7 @@
         <a:cs typeface="+mn-cs"/>
       </a:defRPr>
     </a:lvl5pPr>
-    <a:lvl6pPr marL="2286000" algn="l" defTabSz="914400" rtl="0" eaLnBrk="1" latinLnBrk="0" hangingPunct="1">
+    <a:lvl6pPr marL="2286000" algn="l" defTabSz="457200" rtl="0" eaLnBrk="1" latinLnBrk="0" hangingPunct="1">
       <a:defRPr sz="1800" kern="1200">
         <a:solidFill>
           <a:schemeClr val="tx1"/>
@@ -76,7 +76,7 @@
         <a:cs typeface="+mn-cs"/>
       </a:defRPr>
     </a:lvl6pPr>
-    <a:lvl7pPr marL="2743200" algn="l" defTabSz="914400" rtl="0" eaLnBrk="1" latinLnBrk="0" hangingPunct="1">
+    <a:lvl7pPr marL="2743200" algn="l" defTabSz="457200" rtl="0" eaLnBrk="1" latinLnBrk="0" hangingPunct="1">
       <a:defRPr sz="1800" kern="1200">
         <a:solidFill>
           <a:schemeClr val="tx1"/>
@@ -86,7 +86,7 @@
         <a:cs typeface="+mn-cs"/>
       </a:defRPr>
     </a:lvl7pPr>
-    <a:lvl8pPr marL="3200400" algn="l" defTabSz="914400" rtl="0" eaLnBrk="1" latinLnBrk="0" hangingPunct="1">
+    <a:lvl8pPr marL="3200400" algn="l" defTabSz="457200" rtl="0" eaLnBrk="1" latinLnBrk="0" hangingPunct="1">
       <a:defRPr sz="1800" kern="1200">
         <a:solidFill>
           <a:schemeClr val="tx1"/>
@@ -96,7 +96,7 @@
         <a:cs typeface="+mn-cs"/>
       </a:defRPr>
     </a:lvl8pPr>
-    <a:lvl9pPr marL="3657600" algn="l" defTabSz="914400" rtl="0" eaLnBrk="1" latinLnBrk="0" hangingPunct="1">
+    <a:lvl9pPr marL="3657600" algn="l" defTabSz="457200" rtl="0" eaLnBrk="1" latinLnBrk="0" hangingPunct="1">
       <a:defRPr sz="1800" kern="1200">
         <a:solidFill>
           <a:schemeClr val="tx1"/>
@@ -111,7 +111,7 @@
 </file>
 
 <file path=ppt/slideLayouts/slideLayout1.xml><?xml version="1.0" encoding="utf-8"?>
-<p:sldLayout xmlns:a="http://schemas.openxmlformats.org/drawingml/2006/main" xmlns:r="http://schemas.openxmlformats.org/officeDocument/2006/relationships" xmlns:p="http://schemas.openxmlformats.org/presentationml/2006/main" type="title" preserve="1">
+<p:sldLayout xmlns:a="http://schemas.openxmlformats.org/drawingml/2006/main" xmlns:r="http://schemas.openxmlformats.org/officeDocument/2006/relationships" xmlns:p="http://schemas.openxmlformats.org/presentationml/2006/main" showMasterSp="0" type="title" preserve="1">
   <p:cSld name="Diapositiva de título">
     <p:spTree>
       <p:nvGrpSpPr>
@@ -127,33 +127,326 @@
           <a:chExt cx="0" cy="0"/>
         </a:xfrm>
       </p:grpSpPr>
-      <p:sp>
-        <p:nvSpPr>
-          <p:cNvPr id="2" name="Título 1">
+      <p:pic>
+        <p:nvPicPr>
+          <p:cNvPr id="7" name="Picture 6" descr="Brickwork-HD-R1a.jpg"/>
+          <p:cNvPicPr>
+            <a:picLocks noChangeAspect="1"/>
+          </p:cNvPicPr>
+          <p:nvPr/>
+        </p:nvPicPr>
+        <p:blipFill>
+          <a:blip r:embed="rId2">
             <a:extLst>
-              <a:ext uri="{FF2B5EF4-FFF2-40B4-BE49-F238E27FC236}">
-                <a16:creationId xmlns:a16="http://schemas.microsoft.com/office/drawing/2014/main" id="{A31CD547-3B00-5B03-92CE-7A7190CF1257}"/>
+              <a:ext uri="{28A0092B-C50C-407E-A947-70E740481C1C}">
+                <a14:useLocalDpi xmlns:a14="http://schemas.microsoft.com/office/drawing/2010/main" val="0"/>
               </a:ext>
             </a:extLst>
-          </p:cNvPr>
-          <p:cNvSpPr>
-            <a:spLocks noGrp="1"/>
-          </p:cNvSpPr>
-          <p:nvPr>
-            <p:ph type="ctrTitle"/>
-          </p:nvPr>
-        </p:nvSpPr>
+          </a:blip>
+          <a:stretch>
+            <a:fillRect/>
+          </a:stretch>
+        </p:blipFill>
         <p:spPr>
           <a:xfrm>
-            <a:off x="1524000" y="1122363"/>
-            <a:ext cx="9144000" cy="2387600"/>
-          </a:xfrm>
+            <a:off x="0" y="0"/>
+            <a:ext cx="12192000" cy="6858000"/>
+          </a:xfrm>
+          <a:prstGeom prst="rect">
+            <a:avLst/>
+          </a:prstGeom>
         </p:spPr>
-        <p:txBody>
-          <a:bodyPr anchor="b"/>
+      </p:pic>
+      <p:sp useBgFill="1">
+        <p:nvSpPr>
+          <p:cNvPr id="12" name="Freeform 11"/>
+          <p:cNvSpPr/>
+          <p:nvPr/>
+        </p:nvSpPr>
+        <p:spPr>
+          <a:xfrm>
+            <a:off x="-15875" y="0"/>
+            <a:ext cx="11683810" cy="6588125"/>
+          </a:xfrm>
+          <a:custGeom>
+            <a:avLst/>
+            <a:gdLst/>
+            <a:ahLst/>
+            <a:cxnLst/>
+            <a:rect l="l" t="t" r="r" b="b"/>
+            <a:pathLst>
+              <a:path w="11683810" h="6588125">
+                <a:moveTo>
+                  <a:pt x="0" y="0"/>
+                </a:moveTo>
+                <a:lnTo>
+                  <a:pt x="11318691" y="0"/>
+                </a:lnTo>
+                <a:lnTo>
+                  <a:pt x="11683810" y="5976938"/>
+                </a:lnTo>
+                <a:lnTo>
+                  <a:pt x="15875" y="6588125"/>
+                </a:lnTo>
+                <a:cubicBezTo>
+                  <a:pt x="10583" y="4386792"/>
+                  <a:pt x="5292" y="2185458"/>
+                  <a:pt x="0" y="0"/>
+                </a:cubicBezTo>
+                <a:close/>
+              </a:path>
+            </a:pathLst>
+          </a:custGeom>
+          <a:ln>
+            <a:noFill/>
+          </a:ln>
+          <a:effectLst>
+            <a:outerShdw blurRad="101600" dist="152400" dir="4380000" algn="tl" rotWithShape="0">
+              <a:srgbClr val="000000">
+                <a:alpha val="43000"/>
+              </a:srgbClr>
+            </a:outerShdw>
+          </a:effectLst>
+        </p:spPr>
+        <p:style>
+          <a:lnRef idx="1">
+            <a:schemeClr val="accent1"/>
+          </a:lnRef>
+          <a:fillRef idx="3">
+            <a:schemeClr val="accent1"/>
+          </a:fillRef>
+          <a:effectRef idx="2">
+            <a:schemeClr val="accent1"/>
+          </a:effectRef>
+          <a:fontRef idx="minor">
+            <a:schemeClr val="lt1"/>
+          </a:fontRef>
+        </p:style>
+      </p:sp>
+      <p:sp>
+        <p:nvSpPr>
+          <p:cNvPr id="14" name="Freeform 13"/>
+          <p:cNvSpPr/>
+          <p:nvPr/>
+        </p:nvSpPr>
+        <p:spPr>
+          <a:xfrm>
+            <a:off x="0" y="4282257"/>
+            <a:ext cx="11329257" cy="2028845"/>
+          </a:xfrm>
+          <a:custGeom>
+            <a:avLst/>
+            <a:gdLst/>
+            <a:ahLst/>
+            <a:cxnLst/>
+            <a:rect l="l" t="t" r="r" b="b"/>
+            <a:pathLst>
+              <a:path w="11329257" h="2028845">
+                <a:moveTo>
+                  <a:pt x="0" y="588520"/>
+                </a:moveTo>
+                <a:lnTo>
+                  <a:pt x="11244075" y="0"/>
+                </a:lnTo>
+                <a:lnTo>
+                  <a:pt x="11329257" y="1424838"/>
+                </a:lnTo>
+                <a:lnTo>
+                  <a:pt x="0" y="2028845"/>
+                </a:lnTo>
+                <a:lnTo>
+                  <a:pt x="0" y="588520"/>
+                </a:lnTo>
+                <a:close/>
+              </a:path>
+            </a:pathLst>
+          </a:custGeom>
+          <a:gradFill flip="none" rotWithShape="1">
+            <a:gsLst>
+              <a:gs pos="34000">
+                <a:schemeClr val="accent1"/>
+              </a:gs>
+              <a:gs pos="100000">
+                <a:schemeClr val="accent1">
+                  <a:lumMod val="50000"/>
+                </a:schemeClr>
+              </a:gs>
+            </a:gsLst>
+            <a:path path="circle">
+              <a:fillToRect l="50000" t="50000" r="50000" b="50000"/>
+            </a:path>
+            <a:tileRect/>
+          </a:gradFill>
+          <a:ln>
+            <a:noFill/>
+          </a:ln>
+        </p:spPr>
+        <p:style>
+          <a:lnRef idx="1">
+            <a:schemeClr val="accent1"/>
+          </a:lnRef>
+          <a:fillRef idx="3">
+            <a:schemeClr val="accent1"/>
+          </a:fillRef>
+          <a:effectRef idx="2">
+            <a:schemeClr val="accent1"/>
+          </a:effectRef>
+          <a:fontRef idx="minor">
+            <a:schemeClr val="lt1"/>
+          </a:fontRef>
+        </p:style>
+      </p:sp>
+      <p:sp>
+        <p:nvSpPr>
+          <p:cNvPr id="26" name="Freeform 25"/>
+          <p:cNvSpPr/>
+          <p:nvPr/>
+        </p:nvSpPr>
+        <p:spPr>
+          <a:xfrm>
+            <a:off x="0" y="0"/>
+            <a:ext cx="8719579" cy="456877"/>
+          </a:xfrm>
+          <a:custGeom>
+            <a:avLst/>
+            <a:gdLst/>
+            <a:ahLst/>
+            <a:cxnLst/>
+            <a:rect l="l" t="t" r="r" b="b"/>
+            <a:pathLst>
+              <a:path w="8719579" h="456877">
+                <a:moveTo>
+                  <a:pt x="0" y="0"/>
+                </a:moveTo>
+                <a:lnTo>
+                  <a:pt x="8719579" y="0"/>
+                </a:lnTo>
+                <a:lnTo>
+                  <a:pt x="0" y="456877"/>
+                </a:lnTo>
+                <a:lnTo>
+                  <a:pt x="0" y="0"/>
+                </a:lnTo>
+                <a:close/>
+              </a:path>
+            </a:pathLst>
+          </a:custGeom>
+          <a:gradFill flip="none" rotWithShape="1">
+            <a:gsLst>
+              <a:gs pos="34000">
+                <a:schemeClr val="accent1"/>
+              </a:gs>
+              <a:gs pos="100000">
+                <a:schemeClr val="accent1">
+                  <a:lumMod val="50000"/>
+                </a:schemeClr>
+              </a:gs>
+            </a:gsLst>
+            <a:path path="circle">
+              <a:fillToRect l="50000" t="50000" r="50000" b="50000"/>
+            </a:path>
+            <a:tileRect/>
+          </a:gradFill>
+          <a:ln>
+            <a:noFill/>
+          </a:ln>
+        </p:spPr>
+        <p:style>
+          <a:lnRef idx="1">
+            <a:schemeClr val="accent1"/>
+          </a:lnRef>
+          <a:fillRef idx="3">
+            <a:schemeClr val="accent1"/>
+          </a:fillRef>
+          <a:effectRef idx="2">
+            <a:schemeClr val="accent1"/>
+          </a:effectRef>
+          <a:fontRef idx="minor">
+            <a:schemeClr val="lt1"/>
+          </a:fontRef>
+        </p:style>
+      </p:sp>
+      <p:sp>
+        <p:nvSpPr>
+          <p:cNvPr id="15" name="Freeform 14"/>
+          <p:cNvSpPr/>
+          <p:nvPr/>
+        </p:nvSpPr>
+        <p:spPr>
+          <a:xfrm rot="21420000">
+            <a:off x="-161800" y="293317"/>
+            <a:ext cx="11367116" cy="5751804"/>
+          </a:xfrm>
+          <a:custGeom>
+            <a:avLst/>
+            <a:gdLst/>
+            <a:ahLst/>
+            <a:cxnLst/>
+            <a:rect l="l" t="t" r="r" b="b"/>
+            <a:pathLst>
+              <a:path w="11367116" h="5751804">
+                <a:moveTo>
+                  <a:pt x="11346705" y="0"/>
+                </a:moveTo>
+                <a:cubicBezTo>
+                  <a:pt x="11353509" y="1915114"/>
+                  <a:pt x="11360312" y="3830229"/>
+                  <a:pt x="11367116" y="5745343"/>
+                </a:cubicBezTo>
+                <a:lnTo>
+                  <a:pt x="0" y="5751804"/>
+                </a:lnTo>
+              </a:path>
+            </a:pathLst>
+          </a:custGeom>
+          <a:ln w="82550">
+            <a:solidFill>
+              <a:schemeClr val="tx1">
+                <a:lumMod val="50000"/>
+                <a:lumOff val="50000"/>
+              </a:schemeClr>
+            </a:solidFill>
+            <a:miter lim="800000"/>
+          </a:ln>
+        </p:spPr>
+        <p:style>
+          <a:lnRef idx="2">
+            <a:schemeClr val="accent1"/>
+          </a:lnRef>
+          <a:fillRef idx="0">
+            <a:schemeClr val="accent1"/>
+          </a:fillRef>
+          <a:effectRef idx="1">
+            <a:schemeClr val="accent1"/>
+          </a:effectRef>
+          <a:fontRef idx="minor">
+            <a:schemeClr val="tx1"/>
+          </a:fontRef>
+        </p:style>
+      </p:sp>
+      <p:sp>
+        <p:nvSpPr>
+          <p:cNvPr id="2" name="Title 1"/>
+          <p:cNvSpPr>
+            <a:spLocks noGrp="1"/>
+          </p:cNvSpPr>
+          <p:nvPr>
+            <p:ph type="ctrTitle"/>
+          </p:nvPr>
+        </p:nvSpPr>
+        <p:spPr>
+          <a:xfrm rot="21420000">
+            <a:off x="891201" y="662656"/>
+            <a:ext cx="9755187" cy="2766528"/>
+          </a:xfrm>
+        </p:spPr>
+        <p:txBody>
+          <a:bodyPr anchor="b">
+            <a:normAutofit/>
+          </a:bodyPr>
           <a:lstStyle>
-            <a:lvl1pPr algn="ctr">
-              <a:defRPr sz="6000"/>
+            <a:lvl1pPr algn="r">
+              <a:defRPr sz="8000"/>
             </a:lvl1pPr>
           </a:lstStyle>
           <a:p>
@@ -161,19 +454,13 @@
               <a:rPr lang="es-ES"/>
               <a:t>Haga clic para modificar el estilo de título del patrón</a:t>
             </a:r>
-            <a:endParaRPr lang="es-CO"/>
-          </a:p>
-        </p:txBody>
-      </p:sp>
-      <p:sp>
-        <p:nvSpPr>
-          <p:cNvPr id="3" name="Subtítulo 2">
-            <a:extLst>
-              <a:ext uri="{FF2B5EF4-FFF2-40B4-BE49-F238E27FC236}">
-                <a16:creationId xmlns:a16="http://schemas.microsoft.com/office/drawing/2014/main" id="{0CE5874D-37C3-1B8B-FABF-579FC747D8EF}"/>
-              </a:ext>
-            </a:extLst>
-          </p:cNvPr>
+            <a:endParaRPr lang="en-US" dirty="0"/>
+          </a:p>
+        </p:txBody>
+      </p:sp>
+      <p:sp>
+        <p:nvSpPr>
+          <p:cNvPr id="3" name="Subtitle 2"/>
           <p:cNvSpPr>
             <a:spLocks noGrp="1"/>
           </p:cNvSpPr>
@@ -182,17 +469,25 @@
           </p:nvPr>
         </p:nvSpPr>
         <p:spPr>
-          <a:xfrm>
-            <a:off x="1524000" y="3602038"/>
-            <a:ext cx="9144000" cy="1655762"/>
+          <a:xfrm rot="21420000">
+            <a:off x="983062" y="3505209"/>
+            <a:ext cx="9755187" cy="550333"/>
           </a:xfrm>
         </p:spPr>
         <p:txBody>
-          <a:bodyPr/>
+          <a:bodyPr anchor="t">
+            <a:noAutofit/>
+          </a:bodyPr>
           <a:lstStyle>
-            <a:lvl1pPr marL="0" indent="0" algn="ctr">
-              <a:buNone/>
-              <a:defRPr sz="2400"/>
+            <a:lvl1pPr marL="0" indent="0" algn="r">
+              <a:buNone/>
+              <a:defRPr sz="2800">
+                <a:solidFill>
+                  <a:schemeClr val="bg1">
+                    <a:lumMod val="50000"/>
+                  </a:schemeClr>
+                </a:solidFill>
+              </a:defRPr>
             </a:lvl1pPr>
             <a:lvl2pPr marL="457200" indent="0" algn="ctr">
               <a:buNone/>
@@ -232,19 +527,13 @@
               <a:rPr lang="es-ES"/>
               <a:t>Haga clic para modificar el estilo de subtítulo del patrón</a:t>
             </a:r>
-            <a:endParaRPr lang="es-CO"/>
-          </a:p>
-        </p:txBody>
-      </p:sp>
-      <p:sp>
-        <p:nvSpPr>
-          <p:cNvPr id="4" name="Marcador de fecha 3">
-            <a:extLst>
-              <a:ext uri="{FF2B5EF4-FFF2-40B4-BE49-F238E27FC236}">
-                <a16:creationId xmlns:a16="http://schemas.microsoft.com/office/drawing/2014/main" id="{9FF5D047-0255-E892-3F3D-4C4A8A63F7E6}"/>
-              </a:ext>
-            </a:extLst>
-          </p:cNvPr>
+            <a:endParaRPr lang="en-US" dirty="0"/>
+          </a:p>
+        </p:txBody>
+      </p:sp>
+      <p:sp>
+        <p:nvSpPr>
+          <p:cNvPr id="4" name="Date Placeholder 3"/>
           <p:cNvSpPr>
             <a:spLocks noGrp="1"/>
           </p:cNvSpPr>
@@ -252,10 +541,25 @@
             <p:ph type="dt" sz="half" idx="10"/>
           </p:nvPr>
         </p:nvSpPr>
-        <p:spPr/>
+        <p:spPr>
+          <a:xfrm rot="21420000">
+            <a:off x="4948541" y="4578463"/>
+            <a:ext cx="6143653" cy="1163112"/>
+          </a:xfrm>
+        </p:spPr>
         <p:txBody>
           <a:bodyPr/>
-          <a:lstStyle/>
+          <a:lstStyle>
+            <a:lvl1pPr algn="ctr">
+              <a:defRPr sz="5400">
+                <a:solidFill>
+                  <a:schemeClr val="accent1">
+                    <a:lumMod val="50000"/>
+                  </a:schemeClr>
+                </a:solidFill>
+              </a:defRPr>
+            </a:lvl1pPr>
+          </a:lstStyle>
           <a:p>
             <a:fld id="{0DC081DE-0243-4CBB-8430-D71D2E05EEF3}" type="datetimeFigureOut">
               <a:rPr lang="es-CO" smtClean="0"/>
@@ -267,13 +571,7 @@
       </p:sp>
       <p:sp>
         <p:nvSpPr>
-          <p:cNvPr id="5" name="Marcador de pie de página 4">
-            <a:extLst>
-              <a:ext uri="{FF2B5EF4-FFF2-40B4-BE49-F238E27FC236}">
-                <a16:creationId xmlns:a16="http://schemas.microsoft.com/office/drawing/2014/main" id="{BEF059F5-92C0-8FA9-BE01-AA2EC518B9A8}"/>
-              </a:ext>
-            </a:extLst>
-          </p:cNvPr>
+          <p:cNvPr id="5" name="Footer Placeholder 4"/>
           <p:cNvSpPr>
             <a:spLocks noGrp="1"/>
           </p:cNvSpPr>
@@ -281,35 +579,54 @@
             <p:ph type="ftr" sz="quarter" idx="11"/>
           </p:nvPr>
         </p:nvSpPr>
-        <p:spPr/>
+        <p:spPr>
+          <a:xfrm rot="21420000">
+            <a:off x="-5560" y="4883024"/>
+            <a:ext cx="4047239" cy="1195538"/>
+          </a:xfrm>
+        </p:spPr>
+        <p:txBody>
+          <a:bodyPr vert="horz" lIns="91440" tIns="45720" rIns="91440" bIns="45720" rtlCol="0" anchor="ctr"/>
+          <a:lstStyle>
+            <a:lvl1pPr algn="r">
+              <a:defRPr lang="en-US" sz="5400" dirty="0"/>
+            </a:lvl1pPr>
+          </a:lstStyle>
+          <a:p>
+            <a:endParaRPr lang="es-CO"/>
+          </a:p>
+        </p:txBody>
+      </p:sp>
+      <p:sp>
+        <p:nvSpPr>
+          <p:cNvPr id="6" name="Slide Number Placeholder 5"/>
+          <p:cNvSpPr>
+            <a:spLocks noGrp="1"/>
+          </p:cNvSpPr>
+          <p:nvPr>
+            <p:ph type="sldNum" sz="quarter" idx="12"/>
+          </p:nvPr>
+        </p:nvSpPr>
+        <p:spPr>
+          <a:xfrm rot="21420000">
+            <a:off x="9851758" y="3832648"/>
+            <a:ext cx="907186" cy="498470"/>
+          </a:xfrm>
+        </p:spPr>
         <p:txBody>
           <a:bodyPr/>
-          <a:lstStyle/>
-          <a:p>
-            <a:endParaRPr lang="es-CO"/>
-          </a:p>
-        </p:txBody>
-      </p:sp>
-      <p:sp>
-        <p:nvSpPr>
-          <p:cNvPr id="6" name="Marcador de número de diapositiva 5">
-            <a:extLst>
-              <a:ext uri="{FF2B5EF4-FFF2-40B4-BE49-F238E27FC236}">
-                <a16:creationId xmlns:a16="http://schemas.microsoft.com/office/drawing/2014/main" id="{6542EF92-3DD7-EDD4-E09A-D0356E7B477A}"/>
-              </a:ext>
-            </a:extLst>
-          </p:cNvPr>
-          <p:cNvSpPr>
-            <a:spLocks noGrp="1"/>
-          </p:cNvSpPr>
-          <p:nvPr>
-            <p:ph type="sldNum" sz="quarter" idx="12"/>
-          </p:nvPr>
-        </p:nvSpPr>
-        <p:spPr/>
-        <p:txBody>
-          <a:bodyPr/>
-          <a:lstStyle/>
+          <a:lstStyle>
+            <a:lvl1pPr>
+              <a:defRPr sz="2400">
+                <a:solidFill>
+                  <a:schemeClr val="tx1">
+                    <a:lumMod val="75000"/>
+                    <a:lumOff val="25000"/>
+                  </a:schemeClr>
+                </a:solidFill>
+              </a:defRPr>
+            </a:lvl1pPr>
+          </a:lstStyle>
           <a:p>
             <a:fld id="{D434776F-FCEA-416E-AB8E-13F73177017C}" type="slidenum">
               <a:rPr lang="es-CO" smtClean="0"/>
@@ -319,10 +636,52 @@
           </a:p>
         </p:txBody>
       </p:sp>
+      <p:sp>
+        <p:nvSpPr>
+          <p:cNvPr id="25" name="5-Point Star 24"/>
+          <p:cNvSpPr/>
+          <p:nvPr/>
+        </p:nvSpPr>
+        <p:spPr>
+          <a:xfrm rot="21420000">
+            <a:off x="4221385" y="5111356"/>
+            <a:ext cx="515386" cy="515386"/>
+          </a:xfrm>
+          <a:prstGeom prst="star5">
+            <a:avLst>
+              <a:gd name="adj" fmla="val 26693"/>
+              <a:gd name="hf" fmla="val 105146"/>
+              <a:gd name="vf" fmla="val 110557"/>
+            </a:avLst>
+          </a:prstGeom>
+          <a:solidFill>
+            <a:schemeClr val="tx1">
+              <a:alpha val="40000"/>
+            </a:schemeClr>
+          </a:solidFill>
+          <a:ln>
+            <a:noFill/>
+          </a:ln>
+        </p:spPr>
+        <p:style>
+          <a:lnRef idx="1">
+            <a:schemeClr val="accent1"/>
+          </a:lnRef>
+          <a:fillRef idx="3">
+            <a:schemeClr val="accent1"/>
+          </a:fillRef>
+          <a:effectRef idx="2">
+            <a:schemeClr val="accent1"/>
+          </a:effectRef>
+          <a:fontRef idx="minor">
+            <a:schemeClr val="lt1"/>
+          </a:fontRef>
+        </p:style>
+      </p:sp>
     </p:spTree>
     <p:extLst>
       <p:ext uri="{BB962C8B-B14F-4D97-AF65-F5344CB8AC3E}">
-        <p14:creationId xmlns:p14="http://schemas.microsoft.com/office/powerpoint/2010/main" val="1531412509"/>
+        <p14:creationId xmlns:p14="http://schemas.microsoft.com/office/powerpoint/2010/main" val="3382172442"/>
       </p:ext>
     </p:extLst>
   </p:cSld>
@@ -333,6 +692,2505 @@
 </file>
 
 <file path=ppt/slideLayouts/slideLayout10.xml><?xml version="1.0" encoding="utf-8"?>
+<p:sldLayout xmlns:a="http://schemas.openxmlformats.org/drawingml/2006/main" xmlns:r="http://schemas.openxmlformats.org/officeDocument/2006/relationships" xmlns:p="http://schemas.openxmlformats.org/presentationml/2006/main" preserve="1">
+  <p:cSld name="Imagen panorámica con descripción">
+    <p:spTree>
+      <p:nvGrpSpPr>
+        <p:cNvPr id="1" name=""/>
+        <p:cNvGrpSpPr/>
+        <p:nvPr/>
+      </p:nvGrpSpPr>
+      <p:grpSpPr>
+        <a:xfrm>
+          <a:off x="0" y="0"/>
+          <a:ext cx="0" cy="0"/>
+          <a:chOff x="0" y="0"/>
+          <a:chExt cx="0" cy="0"/>
+        </a:xfrm>
+      </p:grpSpPr>
+      <p:sp>
+        <p:nvSpPr>
+          <p:cNvPr id="2" name="Title 1"/>
+          <p:cNvSpPr>
+            <a:spLocks noGrp="1"/>
+          </p:cNvSpPr>
+          <p:nvPr>
+            <p:ph type="title"/>
+          </p:nvPr>
+        </p:nvSpPr>
+        <p:spPr>
+          <a:xfrm>
+            <a:off x="685800" y="4106333"/>
+            <a:ext cx="10394708" cy="588846"/>
+          </a:xfrm>
+        </p:spPr>
+        <p:txBody>
+          <a:bodyPr anchor="b"/>
+          <a:lstStyle>
+            <a:lvl1pPr>
+              <a:defRPr sz="3200"/>
+            </a:lvl1pPr>
+          </a:lstStyle>
+          <a:p>
+            <a:r>
+              <a:rPr lang="es-ES"/>
+              <a:t>Haga clic para modificar el estilo de título del patrón</a:t>
+            </a:r>
+            <a:endParaRPr lang="en-US" dirty="0"/>
+          </a:p>
+        </p:txBody>
+      </p:sp>
+      <p:sp>
+        <p:nvSpPr>
+          <p:cNvPr id="3" name="Picture Placeholder 2"/>
+          <p:cNvSpPr>
+            <a:spLocks noGrp="1" noChangeAspect="1"/>
+          </p:cNvSpPr>
+          <p:nvPr>
+            <p:ph type="pic" idx="1"/>
+          </p:nvPr>
+        </p:nvSpPr>
+        <p:spPr>
+          <a:xfrm>
+            <a:off x="685801" y="685799"/>
+            <a:ext cx="10392513" cy="3194903"/>
+          </a:xfrm>
+          <a:ln w="57150" cmpd="thinThick">
+            <a:solidFill>
+              <a:schemeClr val="bg1">
+                <a:lumMod val="50000"/>
+              </a:schemeClr>
+            </a:solidFill>
+            <a:miter lim="800000"/>
+          </a:ln>
+        </p:spPr>
+        <p:txBody>
+          <a:bodyPr anchor="t"/>
+          <a:lstStyle>
+            <a:lvl1pPr marL="0" indent="0" algn="ctr">
+              <a:buNone/>
+              <a:defRPr sz="3200"/>
+            </a:lvl1pPr>
+            <a:lvl2pPr marL="457200" indent="0">
+              <a:buNone/>
+              <a:defRPr sz="2800"/>
+            </a:lvl2pPr>
+            <a:lvl3pPr marL="914400" indent="0">
+              <a:buNone/>
+              <a:defRPr sz="2400"/>
+            </a:lvl3pPr>
+            <a:lvl4pPr marL="1371600" indent="0">
+              <a:buNone/>
+              <a:defRPr sz="2000"/>
+            </a:lvl4pPr>
+            <a:lvl5pPr marL="1828800" indent="0">
+              <a:buNone/>
+              <a:defRPr sz="2000"/>
+            </a:lvl5pPr>
+            <a:lvl6pPr marL="2286000" indent="0">
+              <a:buNone/>
+              <a:defRPr sz="2000"/>
+            </a:lvl6pPr>
+            <a:lvl7pPr marL="2743200" indent="0">
+              <a:buNone/>
+              <a:defRPr sz="2000"/>
+            </a:lvl7pPr>
+            <a:lvl8pPr marL="3200400" indent="0">
+              <a:buNone/>
+              <a:defRPr sz="2000"/>
+            </a:lvl8pPr>
+            <a:lvl9pPr marL="3657600" indent="0">
+              <a:buNone/>
+              <a:defRPr sz="2000"/>
+            </a:lvl9pPr>
+          </a:lstStyle>
+          <a:p>
+            <a:r>
+              <a:rPr lang="es-ES"/>
+              <a:t>Haga clic en el icono para agregar una imagen</a:t>
+            </a:r>
+            <a:endParaRPr lang="en-US" dirty="0"/>
+          </a:p>
+        </p:txBody>
+      </p:sp>
+      <p:sp>
+        <p:nvSpPr>
+          <p:cNvPr id="4" name="Text Placeholder 3"/>
+          <p:cNvSpPr>
+            <a:spLocks noGrp="1"/>
+          </p:cNvSpPr>
+          <p:nvPr>
+            <p:ph type="body" sz="half" idx="2"/>
+          </p:nvPr>
+        </p:nvSpPr>
+        <p:spPr>
+          <a:xfrm>
+            <a:off x="685780" y="4702923"/>
+            <a:ext cx="10394728" cy="682472"/>
+          </a:xfrm>
+        </p:spPr>
+        <p:txBody>
+          <a:bodyPr anchor="t"/>
+          <a:lstStyle>
+            <a:lvl1pPr marL="0" indent="0" algn="l">
+              <a:buNone/>
+              <a:defRPr sz="1600"/>
+            </a:lvl1pPr>
+            <a:lvl2pPr marL="457200" indent="0">
+              <a:buNone/>
+              <a:defRPr sz="1400"/>
+            </a:lvl2pPr>
+            <a:lvl3pPr marL="914400" indent="0">
+              <a:buNone/>
+              <a:defRPr sz="1200"/>
+            </a:lvl3pPr>
+            <a:lvl4pPr marL="1371600" indent="0">
+              <a:buNone/>
+              <a:defRPr sz="1000"/>
+            </a:lvl4pPr>
+            <a:lvl5pPr marL="1828800" indent="0">
+              <a:buNone/>
+              <a:defRPr sz="1000"/>
+            </a:lvl5pPr>
+            <a:lvl6pPr marL="2286000" indent="0">
+              <a:buNone/>
+              <a:defRPr sz="1000"/>
+            </a:lvl6pPr>
+            <a:lvl7pPr marL="2743200" indent="0">
+              <a:buNone/>
+              <a:defRPr sz="1000"/>
+            </a:lvl7pPr>
+            <a:lvl8pPr marL="3200400" indent="0">
+              <a:buNone/>
+              <a:defRPr sz="1000"/>
+            </a:lvl8pPr>
+            <a:lvl9pPr marL="3657600" indent="0">
+              <a:buNone/>
+              <a:defRPr sz="1000"/>
+            </a:lvl9pPr>
+          </a:lstStyle>
+          <a:p>
+            <a:pPr lvl="0"/>
+            <a:r>
+              <a:rPr lang="es-ES"/>
+              <a:t>Haga clic para modificar los estilos de texto del patrón</a:t>
+            </a:r>
+          </a:p>
+        </p:txBody>
+      </p:sp>
+      <p:sp>
+        <p:nvSpPr>
+          <p:cNvPr id="5" name="Date Placeholder 4"/>
+          <p:cNvSpPr>
+            <a:spLocks noGrp="1"/>
+          </p:cNvSpPr>
+          <p:nvPr>
+            <p:ph type="dt" sz="half" idx="10"/>
+          </p:nvPr>
+        </p:nvSpPr>
+        <p:spPr/>
+        <p:txBody>
+          <a:bodyPr/>
+          <a:lstStyle/>
+          <a:p>
+            <a:fld id="{0DC081DE-0243-4CBB-8430-D71D2E05EEF3}" type="datetimeFigureOut">
+              <a:rPr lang="es-CO" smtClean="0"/>
+              <a:t>22/12/2023</a:t>
+            </a:fld>
+            <a:endParaRPr lang="es-CO"/>
+          </a:p>
+        </p:txBody>
+      </p:sp>
+      <p:sp>
+        <p:nvSpPr>
+          <p:cNvPr id="6" name="Footer Placeholder 5"/>
+          <p:cNvSpPr>
+            <a:spLocks noGrp="1"/>
+          </p:cNvSpPr>
+          <p:nvPr>
+            <p:ph type="ftr" sz="quarter" idx="11"/>
+          </p:nvPr>
+        </p:nvSpPr>
+        <p:spPr/>
+        <p:txBody>
+          <a:bodyPr/>
+          <a:lstStyle/>
+          <a:p>
+            <a:endParaRPr lang="es-CO"/>
+          </a:p>
+        </p:txBody>
+      </p:sp>
+      <p:sp>
+        <p:nvSpPr>
+          <p:cNvPr id="7" name="Slide Number Placeholder 6"/>
+          <p:cNvSpPr>
+            <a:spLocks noGrp="1"/>
+          </p:cNvSpPr>
+          <p:nvPr>
+            <p:ph type="sldNum" sz="quarter" idx="12"/>
+          </p:nvPr>
+        </p:nvSpPr>
+        <p:spPr/>
+        <p:txBody>
+          <a:bodyPr/>
+          <a:lstStyle/>
+          <a:p>
+            <a:fld id="{D434776F-FCEA-416E-AB8E-13F73177017C}" type="slidenum">
+              <a:rPr lang="es-CO" smtClean="0"/>
+              <a:t>‹Nº›</a:t>
+            </a:fld>
+            <a:endParaRPr lang="es-CO"/>
+          </a:p>
+        </p:txBody>
+      </p:sp>
+    </p:spTree>
+    <p:extLst>
+      <p:ext uri="{BB962C8B-B14F-4D97-AF65-F5344CB8AC3E}">
+        <p14:creationId xmlns:p14="http://schemas.microsoft.com/office/powerpoint/2010/main" val="967250812"/>
+      </p:ext>
+    </p:extLst>
+  </p:cSld>
+  <p:clrMapOvr>
+    <a:masterClrMapping/>
+  </p:clrMapOvr>
+</p:sldLayout>
+</file>
+
+<file path=ppt/slideLayouts/slideLayout11.xml><?xml version="1.0" encoding="utf-8"?>
+<p:sldLayout xmlns:a="http://schemas.openxmlformats.org/drawingml/2006/main" xmlns:r="http://schemas.openxmlformats.org/officeDocument/2006/relationships" xmlns:p="http://schemas.openxmlformats.org/presentationml/2006/main" preserve="1">
+  <p:cSld name="Título y descripción">
+    <p:spTree>
+      <p:nvGrpSpPr>
+        <p:cNvPr id="1" name=""/>
+        <p:cNvGrpSpPr/>
+        <p:nvPr/>
+      </p:nvGrpSpPr>
+      <p:grpSpPr>
+        <a:xfrm>
+          <a:off x="0" y="0"/>
+          <a:ext cx="0" cy="0"/>
+          <a:chOff x="0" y="0"/>
+          <a:chExt cx="0" cy="0"/>
+        </a:xfrm>
+      </p:grpSpPr>
+      <p:sp>
+        <p:nvSpPr>
+          <p:cNvPr id="2" name="Title 1"/>
+          <p:cNvSpPr>
+            <a:spLocks noGrp="1"/>
+          </p:cNvSpPr>
+          <p:nvPr>
+            <p:ph type="title"/>
+          </p:nvPr>
+        </p:nvSpPr>
+        <p:spPr>
+          <a:xfrm>
+            <a:off x="685801" y="685800"/>
+            <a:ext cx="10396902" cy="3194903"/>
+          </a:xfrm>
+        </p:spPr>
+        <p:txBody>
+          <a:bodyPr anchor="ctr">
+            <a:normAutofit/>
+          </a:bodyPr>
+          <a:lstStyle>
+            <a:lvl1pPr algn="ctr">
+              <a:defRPr sz="4800"/>
+            </a:lvl1pPr>
+          </a:lstStyle>
+          <a:p>
+            <a:r>
+              <a:rPr lang="es-ES"/>
+              <a:t>Haga clic para modificar el estilo de título del patrón</a:t>
+            </a:r>
+            <a:endParaRPr lang="en-US" dirty="0"/>
+          </a:p>
+        </p:txBody>
+      </p:sp>
+      <p:sp>
+        <p:nvSpPr>
+          <p:cNvPr id="4" name="Text Placeholder 3"/>
+          <p:cNvSpPr>
+            <a:spLocks noGrp="1"/>
+          </p:cNvSpPr>
+          <p:nvPr>
+            <p:ph type="body" sz="half" idx="2"/>
+          </p:nvPr>
+        </p:nvSpPr>
+        <p:spPr>
+          <a:xfrm>
+            <a:off x="685779" y="4106333"/>
+            <a:ext cx="10394729" cy="1273606"/>
+          </a:xfrm>
+        </p:spPr>
+        <p:txBody>
+          <a:bodyPr anchor="ctr">
+            <a:normAutofit/>
+          </a:bodyPr>
+          <a:lstStyle>
+            <a:lvl1pPr marL="0" indent="0" algn="ctr">
+              <a:buNone/>
+              <a:defRPr sz="1800"/>
+            </a:lvl1pPr>
+            <a:lvl2pPr marL="457200" indent="0">
+              <a:buNone/>
+              <a:defRPr sz="1400"/>
+            </a:lvl2pPr>
+            <a:lvl3pPr marL="914400" indent="0">
+              <a:buNone/>
+              <a:defRPr sz="1200"/>
+            </a:lvl3pPr>
+            <a:lvl4pPr marL="1371600" indent="0">
+              <a:buNone/>
+              <a:defRPr sz="1000"/>
+            </a:lvl4pPr>
+            <a:lvl5pPr marL="1828800" indent="0">
+              <a:buNone/>
+              <a:defRPr sz="1000"/>
+            </a:lvl5pPr>
+            <a:lvl6pPr marL="2286000" indent="0">
+              <a:buNone/>
+              <a:defRPr sz="1000"/>
+            </a:lvl6pPr>
+            <a:lvl7pPr marL="2743200" indent="0">
+              <a:buNone/>
+              <a:defRPr sz="1000"/>
+            </a:lvl7pPr>
+            <a:lvl8pPr marL="3200400" indent="0">
+              <a:buNone/>
+              <a:defRPr sz="1000"/>
+            </a:lvl8pPr>
+            <a:lvl9pPr marL="3657600" indent="0">
+              <a:buNone/>
+              <a:defRPr sz="1000"/>
+            </a:lvl9pPr>
+          </a:lstStyle>
+          <a:p>
+            <a:pPr lvl="0"/>
+            <a:r>
+              <a:rPr lang="es-ES"/>
+              <a:t>Haga clic para modificar los estilos de texto del patrón</a:t>
+            </a:r>
+          </a:p>
+        </p:txBody>
+      </p:sp>
+      <p:sp>
+        <p:nvSpPr>
+          <p:cNvPr id="5" name="Date Placeholder 4"/>
+          <p:cNvSpPr>
+            <a:spLocks noGrp="1"/>
+          </p:cNvSpPr>
+          <p:nvPr>
+            <p:ph type="dt" sz="half" idx="10"/>
+          </p:nvPr>
+        </p:nvSpPr>
+        <p:spPr/>
+        <p:txBody>
+          <a:bodyPr/>
+          <a:lstStyle/>
+          <a:p>
+            <a:fld id="{0DC081DE-0243-4CBB-8430-D71D2E05EEF3}" type="datetimeFigureOut">
+              <a:rPr lang="es-CO" smtClean="0"/>
+              <a:t>22/12/2023</a:t>
+            </a:fld>
+            <a:endParaRPr lang="es-CO"/>
+          </a:p>
+        </p:txBody>
+      </p:sp>
+      <p:sp>
+        <p:nvSpPr>
+          <p:cNvPr id="6" name="Footer Placeholder 5"/>
+          <p:cNvSpPr>
+            <a:spLocks noGrp="1"/>
+          </p:cNvSpPr>
+          <p:nvPr>
+            <p:ph type="ftr" sz="quarter" idx="11"/>
+          </p:nvPr>
+        </p:nvSpPr>
+        <p:spPr/>
+        <p:txBody>
+          <a:bodyPr/>
+          <a:lstStyle/>
+          <a:p>
+            <a:endParaRPr lang="es-CO"/>
+          </a:p>
+        </p:txBody>
+      </p:sp>
+      <p:sp>
+        <p:nvSpPr>
+          <p:cNvPr id="7" name="Slide Number Placeholder 6"/>
+          <p:cNvSpPr>
+            <a:spLocks noGrp="1"/>
+          </p:cNvSpPr>
+          <p:nvPr>
+            <p:ph type="sldNum" sz="quarter" idx="12"/>
+          </p:nvPr>
+        </p:nvSpPr>
+        <p:spPr/>
+        <p:txBody>
+          <a:bodyPr/>
+          <a:lstStyle/>
+          <a:p>
+            <a:fld id="{D434776F-FCEA-416E-AB8E-13F73177017C}" type="slidenum">
+              <a:rPr lang="es-CO" smtClean="0"/>
+              <a:t>‹Nº›</a:t>
+            </a:fld>
+            <a:endParaRPr lang="es-CO"/>
+          </a:p>
+        </p:txBody>
+      </p:sp>
+    </p:spTree>
+    <p:extLst>
+      <p:ext uri="{BB962C8B-B14F-4D97-AF65-F5344CB8AC3E}">
+        <p14:creationId xmlns:p14="http://schemas.microsoft.com/office/powerpoint/2010/main" val="162686904"/>
+      </p:ext>
+    </p:extLst>
+  </p:cSld>
+  <p:clrMapOvr>
+    <a:masterClrMapping/>
+  </p:clrMapOvr>
+</p:sldLayout>
+</file>
+
+<file path=ppt/slideLayouts/slideLayout12.xml><?xml version="1.0" encoding="utf-8"?>
+<p:sldLayout xmlns:a="http://schemas.openxmlformats.org/drawingml/2006/main" xmlns:r="http://schemas.openxmlformats.org/officeDocument/2006/relationships" xmlns:p="http://schemas.openxmlformats.org/presentationml/2006/main" preserve="1">
+  <p:cSld name="Cita con descripción">
+    <p:spTree>
+      <p:nvGrpSpPr>
+        <p:cNvPr id="1" name=""/>
+        <p:cNvGrpSpPr/>
+        <p:nvPr/>
+      </p:nvGrpSpPr>
+      <p:grpSpPr>
+        <a:xfrm>
+          <a:off x="0" y="0"/>
+          <a:ext cx="0" cy="0"/>
+          <a:chOff x="0" y="0"/>
+          <a:chExt cx="0" cy="0"/>
+        </a:xfrm>
+      </p:grpSpPr>
+      <p:sp>
+        <p:nvSpPr>
+          <p:cNvPr id="2" name="Title 1"/>
+          <p:cNvSpPr>
+            <a:spLocks noGrp="1"/>
+          </p:cNvSpPr>
+          <p:nvPr>
+            <p:ph type="title"/>
+          </p:nvPr>
+        </p:nvSpPr>
+        <p:spPr>
+          <a:xfrm>
+            <a:off x="1121732" y="685800"/>
+            <a:ext cx="9525020" cy="2916704"/>
+          </a:xfrm>
+        </p:spPr>
+        <p:txBody>
+          <a:bodyPr anchor="ctr">
+            <a:normAutofit/>
+          </a:bodyPr>
+          <a:lstStyle>
+            <a:lvl1pPr algn="ctr">
+              <a:defRPr sz="4800"/>
+            </a:lvl1pPr>
+          </a:lstStyle>
+          <a:p>
+            <a:r>
+              <a:rPr lang="es-ES"/>
+              <a:t>Haga clic para modificar el estilo de título del patrón</a:t>
+            </a:r>
+            <a:endParaRPr lang="en-US" dirty="0"/>
+          </a:p>
+        </p:txBody>
+      </p:sp>
+      <p:sp>
+        <p:nvSpPr>
+          <p:cNvPr id="12" name="Text Placeholder 3"/>
+          <p:cNvSpPr>
+            <a:spLocks noGrp="1"/>
+          </p:cNvSpPr>
+          <p:nvPr>
+            <p:ph type="body" sz="half" idx="13"/>
+          </p:nvPr>
+        </p:nvSpPr>
+        <p:spPr>
+          <a:xfrm>
+            <a:off x="1550264" y="3610032"/>
+            <a:ext cx="8667956" cy="377768"/>
+          </a:xfrm>
+        </p:spPr>
+        <p:txBody>
+          <a:bodyPr anchor="t">
+            <a:normAutofit/>
+          </a:bodyPr>
+          <a:lstStyle>
+            <a:lvl1pPr marL="0" indent="0" algn="r">
+              <a:buNone/>
+              <a:defRPr sz="1400">
+                <a:solidFill>
+                  <a:schemeClr val="tx1">
+                    <a:lumMod val="50000"/>
+                    <a:lumOff val="50000"/>
+                  </a:schemeClr>
+                </a:solidFill>
+              </a:defRPr>
+            </a:lvl1pPr>
+            <a:lvl2pPr marL="457200" indent="0">
+              <a:buNone/>
+              <a:defRPr sz="1400"/>
+            </a:lvl2pPr>
+            <a:lvl3pPr marL="914400" indent="0">
+              <a:buNone/>
+              <a:defRPr sz="1200"/>
+            </a:lvl3pPr>
+            <a:lvl4pPr marL="1371600" indent="0">
+              <a:buNone/>
+              <a:defRPr sz="1000"/>
+            </a:lvl4pPr>
+            <a:lvl5pPr marL="1828800" indent="0">
+              <a:buNone/>
+              <a:defRPr sz="1000"/>
+            </a:lvl5pPr>
+            <a:lvl6pPr marL="2286000" indent="0">
+              <a:buNone/>
+              <a:defRPr sz="1000"/>
+            </a:lvl6pPr>
+            <a:lvl7pPr marL="2743200" indent="0">
+              <a:buNone/>
+              <a:defRPr sz="1000"/>
+            </a:lvl7pPr>
+            <a:lvl8pPr marL="3200400" indent="0">
+              <a:buNone/>
+              <a:defRPr sz="1000"/>
+            </a:lvl8pPr>
+            <a:lvl9pPr marL="3657600" indent="0">
+              <a:buNone/>
+              <a:defRPr sz="1000"/>
+            </a:lvl9pPr>
+          </a:lstStyle>
+          <a:p>
+            <a:pPr lvl="0"/>
+            <a:r>
+              <a:rPr lang="es-ES"/>
+              <a:t>Haga clic para modificar los estilos de texto del patrón</a:t>
+            </a:r>
+          </a:p>
+        </p:txBody>
+      </p:sp>
+      <p:sp>
+        <p:nvSpPr>
+          <p:cNvPr id="4" name="Text Placeholder 3"/>
+          <p:cNvSpPr>
+            <a:spLocks noGrp="1"/>
+          </p:cNvSpPr>
+          <p:nvPr>
+            <p:ph type="body" sz="half" idx="2"/>
+          </p:nvPr>
+        </p:nvSpPr>
+        <p:spPr>
+          <a:xfrm>
+            <a:off x="685801" y="4106334"/>
+            <a:ext cx="10396882" cy="1268252"/>
+          </a:xfrm>
+        </p:spPr>
+        <p:txBody>
+          <a:bodyPr anchor="ctr">
+            <a:normAutofit/>
+          </a:bodyPr>
+          <a:lstStyle>
+            <a:lvl1pPr marL="0" indent="0" algn="ctr">
+              <a:buNone/>
+              <a:defRPr sz="1800"/>
+            </a:lvl1pPr>
+            <a:lvl2pPr marL="457200" indent="0">
+              <a:buNone/>
+              <a:defRPr sz="1400"/>
+            </a:lvl2pPr>
+            <a:lvl3pPr marL="914400" indent="0">
+              <a:buNone/>
+              <a:defRPr sz="1200"/>
+            </a:lvl3pPr>
+            <a:lvl4pPr marL="1371600" indent="0">
+              <a:buNone/>
+              <a:defRPr sz="1000"/>
+            </a:lvl4pPr>
+            <a:lvl5pPr marL="1828800" indent="0">
+              <a:buNone/>
+              <a:defRPr sz="1000"/>
+            </a:lvl5pPr>
+            <a:lvl6pPr marL="2286000" indent="0">
+              <a:buNone/>
+              <a:defRPr sz="1000"/>
+            </a:lvl6pPr>
+            <a:lvl7pPr marL="2743200" indent="0">
+              <a:buNone/>
+              <a:defRPr sz="1000"/>
+            </a:lvl7pPr>
+            <a:lvl8pPr marL="3200400" indent="0">
+              <a:buNone/>
+              <a:defRPr sz="1000"/>
+            </a:lvl8pPr>
+            <a:lvl9pPr marL="3657600" indent="0">
+              <a:buNone/>
+              <a:defRPr sz="1000"/>
+            </a:lvl9pPr>
+          </a:lstStyle>
+          <a:p>
+            <a:pPr lvl="0"/>
+            <a:r>
+              <a:rPr lang="es-ES"/>
+              <a:t>Haga clic para modificar los estilos de texto del patrón</a:t>
+            </a:r>
+          </a:p>
+        </p:txBody>
+      </p:sp>
+      <p:sp>
+        <p:nvSpPr>
+          <p:cNvPr id="5" name="Date Placeholder 4"/>
+          <p:cNvSpPr>
+            <a:spLocks noGrp="1"/>
+          </p:cNvSpPr>
+          <p:nvPr>
+            <p:ph type="dt" sz="half" idx="10"/>
+          </p:nvPr>
+        </p:nvSpPr>
+        <p:spPr/>
+        <p:txBody>
+          <a:bodyPr/>
+          <a:lstStyle/>
+          <a:p>
+            <a:fld id="{0DC081DE-0243-4CBB-8430-D71D2E05EEF3}" type="datetimeFigureOut">
+              <a:rPr lang="es-CO" smtClean="0"/>
+              <a:t>22/12/2023</a:t>
+            </a:fld>
+            <a:endParaRPr lang="es-CO"/>
+          </a:p>
+        </p:txBody>
+      </p:sp>
+      <p:sp>
+        <p:nvSpPr>
+          <p:cNvPr id="6" name="Footer Placeholder 5"/>
+          <p:cNvSpPr>
+            <a:spLocks noGrp="1"/>
+          </p:cNvSpPr>
+          <p:nvPr>
+            <p:ph type="ftr" sz="quarter" idx="11"/>
+          </p:nvPr>
+        </p:nvSpPr>
+        <p:spPr/>
+        <p:txBody>
+          <a:bodyPr/>
+          <a:lstStyle/>
+          <a:p>
+            <a:endParaRPr lang="es-CO"/>
+          </a:p>
+        </p:txBody>
+      </p:sp>
+      <p:sp>
+        <p:nvSpPr>
+          <p:cNvPr id="7" name="Slide Number Placeholder 6"/>
+          <p:cNvSpPr>
+            <a:spLocks noGrp="1"/>
+          </p:cNvSpPr>
+          <p:nvPr>
+            <p:ph type="sldNum" sz="quarter" idx="12"/>
+          </p:nvPr>
+        </p:nvSpPr>
+        <p:spPr/>
+        <p:txBody>
+          <a:bodyPr/>
+          <a:lstStyle/>
+          <a:p>
+            <a:fld id="{D434776F-FCEA-416E-AB8E-13F73177017C}" type="slidenum">
+              <a:rPr lang="es-CO" smtClean="0"/>
+              <a:t>‹Nº›</a:t>
+            </a:fld>
+            <a:endParaRPr lang="es-CO"/>
+          </a:p>
+        </p:txBody>
+      </p:sp>
+      <p:sp>
+        <p:nvSpPr>
+          <p:cNvPr id="13" name="TextBox 12"/>
+          <p:cNvSpPr txBox="1"/>
+          <p:nvPr/>
+        </p:nvSpPr>
+        <p:spPr>
+          <a:xfrm>
+            <a:off x="685801" y="892628"/>
+            <a:ext cx="609600" cy="584776"/>
+          </a:xfrm>
+          <a:prstGeom prst="rect">
+            <a:avLst/>
+          </a:prstGeom>
+        </p:spPr>
+        <p:txBody>
+          <a:bodyPr vert="horz" lIns="91440" tIns="45720" rIns="91440" bIns="45720" rtlCol="0" anchor="ctr">
+            <a:noAutofit/>
+          </a:bodyPr>
+          <a:lstStyle>
+            <a:lvl1pPr>
+              <a:spcBef>
+                <a:spcPct val="0"/>
+              </a:spcBef>
+              <a:buNone/>
+              <a:defRPr sz="3200" b="0" cap="all">
+                <a:ln w="3175" cmpd="sng">
+                  <a:noFill/>
+                </a:ln>
+                <a:effectLst>
+                  <a:glow rad="38100">
+                    <a:schemeClr val="bg1">
+                      <a:lumMod val="65000"/>
+                      <a:lumOff val="35000"/>
+                      <a:alpha val="40000"/>
+                    </a:schemeClr>
+                  </a:glow>
+                  <a:outerShdw blurRad="28575" dist="38100" dir="14040000" algn="tl" rotWithShape="0">
+                    <a:srgbClr val="000000">
+                      <a:alpha val="25000"/>
+                    </a:srgbClr>
+                  </a:outerShdw>
+                </a:effectLst>
+              </a:defRPr>
+            </a:lvl1pPr>
+            <a:lvl2pPr>
+              <a:defRPr>
+                <a:solidFill>
+                  <a:schemeClr val="tx2"/>
+                </a:solidFill>
+              </a:defRPr>
+            </a:lvl2pPr>
+            <a:lvl3pPr>
+              <a:defRPr>
+                <a:solidFill>
+                  <a:schemeClr val="tx2"/>
+                </a:solidFill>
+              </a:defRPr>
+            </a:lvl3pPr>
+            <a:lvl4pPr>
+              <a:defRPr>
+                <a:solidFill>
+                  <a:schemeClr val="tx2"/>
+                </a:solidFill>
+              </a:defRPr>
+            </a:lvl4pPr>
+            <a:lvl5pPr>
+              <a:defRPr>
+                <a:solidFill>
+                  <a:schemeClr val="tx2"/>
+                </a:solidFill>
+              </a:defRPr>
+            </a:lvl5pPr>
+            <a:lvl6pPr>
+              <a:defRPr>
+                <a:solidFill>
+                  <a:schemeClr val="tx2"/>
+                </a:solidFill>
+              </a:defRPr>
+            </a:lvl6pPr>
+            <a:lvl7pPr>
+              <a:defRPr>
+                <a:solidFill>
+                  <a:schemeClr val="tx2"/>
+                </a:solidFill>
+              </a:defRPr>
+            </a:lvl7pPr>
+            <a:lvl8pPr>
+              <a:defRPr>
+                <a:solidFill>
+                  <a:schemeClr val="tx2"/>
+                </a:solidFill>
+              </a:defRPr>
+            </a:lvl8pPr>
+            <a:lvl9pPr>
+              <a:defRPr>
+                <a:solidFill>
+                  <a:schemeClr val="tx2"/>
+                </a:solidFill>
+              </a:defRPr>
+            </a:lvl9pPr>
+          </a:lstStyle>
+          <a:p>
+            <a:pPr lvl="0"/>
+            <a:r>
+              <a:rPr lang="en-US" sz="8000" dirty="0">
+                <a:solidFill>
+                  <a:schemeClr val="tx1"/>
+                </a:solidFill>
+                <a:effectLst/>
+              </a:rPr>
+              <a:t>“</a:t>
+            </a:r>
+          </a:p>
+        </p:txBody>
+      </p:sp>
+      <p:sp>
+        <p:nvSpPr>
+          <p:cNvPr id="14" name="TextBox 13"/>
+          <p:cNvSpPr txBox="1"/>
+          <p:nvPr/>
+        </p:nvSpPr>
+        <p:spPr>
+          <a:xfrm>
+            <a:off x="10473083" y="2922827"/>
+            <a:ext cx="609600" cy="584776"/>
+          </a:xfrm>
+          <a:prstGeom prst="rect">
+            <a:avLst/>
+          </a:prstGeom>
+        </p:spPr>
+        <p:txBody>
+          <a:bodyPr vert="horz" lIns="91440" tIns="45720" rIns="91440" bIns="45720" rtlCol="0" anchor="ctr">
+            <a:noAutofit/>
+          </a:bodyPr>
+          <a:lstStyle>
+            <a:lvl1pPr>
+              <a:spcBef>
+                <a:spcPct val="0"/>
+              </a:spcBef>
+              <a:buNone/>
+              <a:defRPr sz="3200" b="0" cap="all">
+                <a:ln w="3175" cmpd="sng">
+                  <a:noFill/>
+                </a:ln>
+                <a:effectLst>
+                  <a:glow rad="38100">
+                    <a:schemeClr val="bg1">
+                      <a:lumMod val="65000"/>
+                      <a:lumOff val="35000"/>
+                      <a:alpha val="40000"/>
+                    </a:schemeClr>
+                  </a:glow>
+                  <a:outerShdw blurRad="28575" dist="38100" dir="14040000" algn="tl" rotWithShape="0">
+                    <a:srgbClr val="000000">
+                      <a:alpha val="25000"/>
+                    </a:srgbClr>
+                  </a:outerShdw>
+                </a:effectLst>
+              </a:defRPr>
+            </a:lvl1pPr>
+            <a:lvl2pPr>
+              <a:defRPr>
+                <a:solidFill>
+                  <a:schemeClr val="tx2"/>
+                </a:solidFill>
+              </a:defRPr>
+            </a:lvl2pPr>
+            <a:lvl3pPr>
+              <a:defRPr>
+                <a:solidFill>
+                  <a:schemeClr val="tx2"/>
+                </a:solidFill>
+              </a:defRPr>
+            </a:lvl3pPr>
+            <a:lvl4pPr>
+              <a:defRPr>
+                <a:solidFill>
+                  <a:schemeClr val="tx2"/>
+                </a:solidFill>
+              </a:defRPr>
+            </a:lvl4pPr>
+            <a:lvl5pPr>
+              <a:defRPr>
+                <a:solidFill>
+                  <a:schemeClr val="tx2"/>
+                </a:solidFill>
+              </a:defRPr>
+            </a:lvl5pPr>
+            <a:lvl6pPr>
+              <a:defRPr>
+                <a:solidFill>
+                  <a:schemeClr val="tx2"/>
+                </a:solidFill>
+              </a:defRPr>
+            </a:lvl6pPr>
+            <a:lvl7pPr>
+              <a:defRPr>
+                <a:solidFill>
+                  <a:schemeClr val="tx2"/>
+                </a:solidFill>
+              </a:defRPr>
+            </a:lvl7pPr>
+            <a:lvl8pPr>
+              <a:defRPr>
+                <a:solidFill>
+                  <a:schemeClr val="tx2"/>
+                </a:solidFill>
+              </a:defRPr>
+            </a:lvl8pPr>
+            <a:lvl9pPr>
+              <a:defRPr>
+                <a:solidFill>
+                  <a:schemeClr val="tx2"/>
+                </a:solidFill>
+              </a:defRPr>
+            </a:lvl9pPr>
+          </a:lstStyle>
+          <a:p>
+            <a:pPr lvl="0" algn="r"/>
+            <a:r>
+              <a:rPr lang="en-US" sz="8000" dirty="0">
+                <a:solidFill>
+                  <a:schemeClr val="tx1"/>
+                </a:solidFill>
+                <a:effectLst/>
+              </a:rPr>
+              <a:t>”</a:t>
+            </a:r>
+          </a:p>
+        </p:txBody>
+      </p:sp>
+    </p:spTree>
+    <p:extLst>
+      <p:ext uri="{BB962C8B-B14F-4D97-AF65-F5344CB8AC3E}">
+        <p14:creationId xmlns:p14="http://schemas.microsoft.com/office/powerpoint/2010/main" val="4232984677"/>
+      </p:ext>
+    </p:extLst>
+  </p:cSld>
+  <p:clrMapOvr>
+    <a:masterClrMapping/>
+  </p:clrMapOvr>
+</p:sldLayout>
+</file>
+
+<file path=ppt/slideLayouts/slideLayout13.xml><?xml version="1.0" encoding="utf-8"?>
+<p:sldLayout xmlns:a="http://schemas.openxmlformats.org/drawingml/2006/main" xmlns:r="http://schemas.openxmlformats.org/officeDocument/2006/relationships" xmlns:p="http://schemas.openxmlformats.org/presentationml/2006/main" preserve="1">
+  <p:cSld name="Tarjeta de nombre">
+    <p:spTree>
+      <p:nvGrpSpPr>
+        <p:cNvPr id="1" name=""/>
+        <p:cNvGrpSpPr/>
+        <p:nvPr/>
+      </p:nvGrpSpPr>
+      <p:grpSpPr>
+        <a:xfrm>
+          <a:off x="0" y="0"/>
+          <a:ext cx="0" cy="0"/>
+          <a:chOff x="0" y="0"/>
+          <a:chExt cx="0" cy="0"/>
+        </a:xfrm>
+      </p:grpSpPr>
+      <p:sp>
+        <p:nvSpPr>
+          <p:cNvPr id="2" name="Title 1"/>
+          <p:cNvSpPr>
+            <a:spLocks noGrp="1"/>
+          </p:cNvSpPr>
+          <p:nvPr>
+            <p:ph type="title"/>
+          </p:nvPr>
+        </p:nvSpPr>
+        <p:spPr>
+          <a:xfrm>
+            <a:off x="685800" y="1723854"/>
+            <a:ext cx="10394707" cy="2511835"/>
+          </a:xfrm>
+        </p:spPr>
+        <p:txBody>
+          <a:bodyPr anchor="b">
+            <a:normAutofit/>
+          </a:bodyPr>
+          <a:lstStyle>
+            <a:lvl1pPr algn="l">
+              <a:defRPr sz="4800"/>
+            </a:lvl1pPr>
+          </a:lstStyle>
+          <a:p>
+            <a:r>
+              <a:rPr lang="es-ES"/>
+              <a:t>Haga clic para modificar el estilo de título del patrón</a:t>
+            </a:r>
+            <a:endParaRPr lang="en-US" dirty="0"/>
+          </a:p>
+        </p:txBody>
+      </p:sp>
+      <p:sp>
+        <p:nvSpPr>
+          <p:cNvPr id="4" name="Text Placeholder 3"/>
+          <p:cNvSpPr>
+            <a:spLocks noGrp="1"/>
+          </p:cNvSpPr>
+          <p:nvPr>
+            <p:ph type="body" sz="half" idx="2"/>
+          </p:nvPr>
+        </p:nvSpPr>
+        <p:spPr>
+          <a:xfrm>
+            <a:off x="685800" y="4247468"/>
+            <a:ext cx="10394707" cy="1140644"/>
+          </a:xfrm>
+        </p:spPr>
+        <p:txBody>
+          <a:bodyPr anchor="t">
+            <a:normAutofit/>
+          </a:bodyPr>
+          <a:lstStyle>
+            <a:lvl1pPr marL="0" indent="0" algn="l">
+              <a:buNone/>
+              <a:defRPr sz="1800"/>
+            </a:lvl1pPr>
+            <a:lvl2pPr marL="457200" indent="0">
+              <a:buNone/>
+              <a:defRPr sz="1400"/>
+            </a:lvl2pPr>
+            <a:lvl3pPr marL="914400" indent="0">
+              <a:buNone/>
+              <a:defRPr sz="1200"/>
+            </a:lvl3pPr>
+            <a:lvl4pPr marL="1371600" indent="0">
+              <a:buNone/>
+              <a:defRPr sz="1000"/>
+            </a:lvl4pPr>
+            <a:lvl5pPr marL="1828800" indent="0">
+              <a:buNone/>
+              <a:defRPr sz="1000"/>
+            </a:lvl5pPr>
+            <a:lvl6pPr marL="2286000" indent="0">
+              <a:buNone/>
+              <a:defRPr sz="1000"/>
+            </a:lvl6pPr>
+            <a:lvl7pPr marL="2743200" indent="0">
+              <a:buNone/>
+              <a:defRPr sz="1000"/>
+            </a:lvl7pPr>
+            <a:lvl8pPr marL="3200400" indent="0">
+              <a:buNone/>
+              <a:defRPr sz="1000"/>
+            </a:lvl8pPr>
+            <a:lvl9pPr marL="3657600" indent="0">
+              <a:buNone/>
+              <a:defRPr sz="1000"/>
+            </a:lvl9pPr>
+          </a:lstStyle>
+          <a:p>
+            <a:pPr lvl="0"/>
+            <a:r>
+              <a:rPr lang="es-ES"/>
+              <a:t>Haga clic para modificar los estilos de texto del patrón</a:t>
+            </a:r>
+          </a:p>
+        </p:txBody>
+      </p:sp>
+      <p:sp>
+        <p:nvSpPr>
+          <p:cNvPr id="5" name="Date Placeholder 4"/>
+          <p:cNvSpPr>
+            <a:spLocks noGrp="1"/>
+          </p:cNvSpPr>
+          <p:nvPr>
+            <p:ph type="dt" sz="half" idx="10"/>
+          </p:nvPr>
+        </p:nvSpPr>
+        <p:spPr/>
+        <p:txBody>
+          <a:bodyPr/>
+          <a:lstStyle/>
+          <a:p>
+            <a:fld id="{0DC081DE-0243-4CBB-8430-D71D2E05EEF3}" type="datetimeFigureOut">
+              <a:rPr lang="es-CO" smtClean="0"/>
+              <a:t>22/12/2023</a:t>
+            </a:fld>
+            <a:endParaRPr lang="es-CO"/>
+          </a:p>
+        </p:txBody>
+      </p:sp>
+      <p:sp>
+        <p:nvSpPr>
+          <p:cNvPr id="6" name="Footer Placeholder 5"/>
+          <p:cNvSpPr>
+            <a:spLocks noGrp="1"/>
+          </p:cNvSpPr>
+          <p:nvPr>
+            <p:ph type="ftr" sz="quarter" idx="11"/>
+          </p:nvPr>
+        </p:nvSpPr>
+        <p:spPr/>
+        <p:txBody>
+          <a:bodyPr/>
+          <a:lstStyle/>
+          <a:p>
+            <a:endParaRPr lang="es-CO"/>
+          </a:p>
+        </p:txBody>
+      </p:sp>
+      <p:sp>
+        <p:nvSpPr>
+          <p:cNvPr id="7" name="Slide Number Placeholder 6"/>
+          <p:cNvSpPr>
+            <a:spLocks noGrp="1"/>
+          </p:cNvSpPr>
+          <p:nvPr>
+            <p:ph type="sldNum" sz="quarter" idx="12"/>
+          </p:nvPr>
+        </p:nvSpPr>
+        <p:spPr/>
+        <p:txBody>
+          <a:bodyPr/>
+          <a:lstStyle/>
+          <a:p>
+            <a:fld id="{D434776F-FCEA-416E-AB8E-13F73177017C}" type="slidenum">
+              <a:rPr lang="es-CO" smtClean="0"/>
+              <a:t>‹Nº›</a:t>
+            </a:fld>
+            <a:endParaRPr lang="es-CO"/>
+          </a:p>
+        </p:txBody>
+      </p:sp>
+    </p:spTree>
+    <p:extLst>
+      <p:ext uri="{BB962C8B-B14F-4D97-AF65-F5344CB8AC3E}">
+        <p14:creationId xmlns:p14="http://schemas.microsoft.com/office/powerpoint/2010/main" val="1738216607"/>
+      </p:ext>
+    </p:extLst>
+  </p:cSld>
+  <p:clrMapOvr>
+    <a:masterClrMapping/>
+  </p:clrMapOvr>
+</p:sldLayout>
+</file>
+
+<file path=ppt/slideLayouts/slideLayout14.xml><?xml version="1.0" encoding="utf-8"?>
+<p:sldLayout xmlns:a="http://schemas.openxmlformats.org/drawingml/2006/main" xmlns:r="http://schemas.openxmlformats.org/officeDocument/2006/relationships" xmlns:p="http://schemas.openxmlformats.org/presentationml/2006/main" preserve="1">
+  <p:cSld name="Columna 3">
+    <p:spTree>
+      <p:nvGrpSpPr>
+        <p:cNvPr id="1" name=""/>
+        <p:cNvGrpSpPr/>
+        <p:nvPr/>
+      </p:nvGrpSpPr>
+      <p:grpSpPr>
+        <a:xfrm>
+          <a:off x="0" y="0"/>
+          <a:ext cx="0" cy="0"/>
+          <a:chOff x="0" y="0"/>
+          <a:chExt cx="0" cy="0"/>
+        </a:xfrm>
+      </p:grpSpPr>
+      <p:sp>
+        <p:nvSpPr>
+          <p:cNvPr id="15" name="Title 1"/>
+          <p:cNvSpPr>
+            <a:spLocks noGrp="1"/>
+          </p:cNvSpPr>
+          <p:nvPr>
+            <p:ph type="title"/>
+          </p:nvPr>
+        </p:nvSpPr>
+        <p:spPr>
+          <a:xfrm>
+            <a:off x="685802" y="685800"/>
+            <a:ext cx="10394706" cy="1151965"/>
+          </a:xfrm>
+        </p:spPr>
+        <p:txBody>
+          <a:bodyPr/>
+          <a:lstStyle>
+            <a:lvl1pPr algn="ctr">
+              <a:defRPr/>
+            </a:lvl1pPr>
+          </a:lstStyle>
+          <a:p>
+            <a:r>
+              <a:rPr lang="es-ES"/>
+              <a:t>Haga clic para modificar el estilo de título del patrón</a:t>
+            </a:r>
+            <a:endParaRPr lang="en-US" dirty="0"/>
+          </a:p>
+        </p:txBody>
+      </p:sp>
+      <p:sp>
+        <p:nvSpPr>
+          <p:cNvPr id="7" name="Text Placeholder 2"/>
+          <p:cNvSpPr>
+            <a:spLocks noGrp="1"/>
+          </p:cNvSpPr>
+          <p:nvPr>
+            <p:ph type="body" idx="1"/>
+          </p:nvPr>
+        </p:nvSpPr>
+        <p:spPr>
+          <a:xfrm>
+            <a:off x="685802" y="2063395"/>
+            <a:ext cx="3310128" cy="576262"/>
+          </a:xfrm>
+        </p:spPr>
+        <p:txBody>
+          <a:bodyPr anchor="b">
+            <a:noAutofit/>
+          </a:bodyPr>
+          <a:lstStyle>
+            <a:lvl1pPr marL="0" indent="0" algn="ctr">
+              <a:lnSpc>
+                <a:spcPct val="90000"/>
+              </a:lnSpc>
+              <a:buNone/>
+              <a:defRPr sz="2400" b="0">
+                <a:solidFill>
+                  <a:schemeClr val="accent1"/>
+                </a:solidFill>
+              </a:defRPr>
+            </a:lvl1pPr>
+            <a:lvl2pPr marL="457200" indent="0">
+              <a:buNone/>
+              <a:defRPr sz="2000" b="1"/>
+            </a:lvl2pPr>
+            <a:lvl3pPr marL="914400" indent="0">
+              <a:buNone/>
+              <a:defRPr sz="1800" b="1"/>
+            </a:lvl3pPr>
+            <a:lvl4pPr marL="1371600" indent="0">
+              <a:buNone/>
+              <a:defRPr sz="1600" b="1"/>
+            </a:lvl4pPr>
+            <a:lvl5pPr marL="1828800" indent="0">
+              <a:buNone/>
+              <a:defRPr sz="1600" b="1"/>
+            </a:lvl5pPr>
+            <a:lvl6pPr marL="2286000" indent="0">
+              <a:buNone/>
+              <a:defRPr sz="1600" b="1"/>
+            </a:lvl6pPr>
+            <a:lvl7pPr marL="2743200" indent="0">
+              <a:buNone/>
+              <a:defRPr sz="1600" b="1"/>
+            </a:lvl7pPr>
+            <a:lvl8pPr marL="3200400" indent="0">
+              <a:buNone/>
+              <a:defRPr sz="1600" b="1"/>
+            </a:lvl8pPr>
+            <a:lvl9pPr marL="3657600" indent="0">
+              <a:buNone/>
+              <a:defRPr sz="1600" b="1"/>
+            </a:lvl9pPr>
+          </a:lstStyle>
+          <a:p>
+            <a:pPr lvl="0"/>
+            <a:r>
+              <a:rPr lang="es-ES"/>
+              <a:t>Haga clic para modificar los estilos de texto del patrón</a:t>
+            </a:r>
+          </a:p>
+        </p:txBody>
+      </p:sp>
+      <p:sp>
+        <p:nvSpPr>
+          <p:cNvPr id="8" name="Text Placeholder 3"/>
+          <p:cNvSpPr>
+            <a:spLocks noGrp="1"/>
+          </p:cNvSpPr>
+          <p:nvPr>
+            <p:ph type="body" sz="half" idx="15"/>
+          </p:nvPr>
+        </p:nvSpPr>
+        <p:spPr>
+          <a:xfrm>
+            <a:off x="685802" y="2639658"/>
+            <a:ext cx="3310128" cy="2734928"/>
+          </a:xfrm>
+        </p:spPr>
+        <p:txBody>
+          <a:bodyPr anchor="t">
+            <a:normAutofit/>
+          </a:bodyPr>
+          <a:lstStyle>
+            <a:lvl1pPr marL="0" indent="0" algn="ctr">
+              <a:buNone/>
+              <a:defRPr sz="1400"/>
+            </a:lvl1pPr>
+            <a:lvl2pPr marL="457200" indent="0">
+              <a:buNone/>
+              <a:defRPr sz="1200"/>
+            </a:lvl2pPr>
+            <a:lvl3pPr marL="914400" indent="0">
+              <a:buNone/>
+              <a:defRPr sz="1000"/>
+            </a:lvl3pPr>
+            <a:lvl4pPr marL="1371600" indent="0">
+              <a:buNone/>
+              <a:defRPr sz="900"/>
+            </a:lvl4pPr>
+            <a:lvl5pPr marL="1828800" indent="0">
+              <a:buNone/>
+              <a:defRPr sz="900"/>
+            </a:lvl5pPr>
+            <a:lvl6pPr marL="2286000" indent="0">
+              <a:buNone/>
+              <a:defRPr sz="900"/>
+            </a:lvl6pPr>
+            <a:lvl7pPr marL="2743200" indent="0">
+              <a:buNone/>
+              <a:defRPr sz="900"/>
+            </a:lvl7pPr>
+            <a:lvl8pPr marL="3200400" indent="0">
+              <a:buNone/>
+              <a:defRPr sz="900"/>
+            </a:lvl8pPr>
+            <a:lvl9pPr marL="3657600" indent="0">
+              <a:buNone/>
+              <a:defRPr sz="900"/>
+            </a:lvl9pPr>
+          </a:lstStyle>
+          <a:p>
+            <a:pPr lvl="0"/>
+            <a:r>
+              <a:rPr lang="es-ES"/>
+              <a:t>Haga clic para modificar los estilos de texto del patrón</a:t>
+            </a:r>
+          </a:p>
+        </p:txBody>
+      </p:sp>
+      <p:sp>
+        <p:nvSpPr>
+          <p:cNvPr id="9" name="Text Placeholder 4"/>
+          <p:cNvSpPr>
+            <a:spLocks noGrp="1"/>
+          </p:cNvSpPr>
+          <p:nvPr>
+            <p:ph type="body" sz="quarter" idx="3"/>
+          </p:nvPr>
+        </p:nvSpPr>
+        <p:spPr>
+          <a:xfrm>
+            <a:off x="4234622" y="2063395"/>
+            <a:ext cx="3310128" cy="576262"/>
+          </a:xfrm>
+        </p:spPr>
+        <p:txBody>
+          <a:bodyPr anchor="b">
+            <a:noAutofit/>
+          </a:bodyPr>
+          <a:lstStyle>
+            <a:lvl1pPr marL="0" indent="0" algn="ctr">
+              <a:lnSpc>
+                <a:spcPct val="90000"/>
+              </a:lnSpc>
+              <a:buNone/>
+              <a:defRPr sz="2400" b="0">
+                <a:solidFill>
+                  <a:schemeClr val="accent1"/>
+                </a:solidFill>
+              </a:defRPr>
+            </a:lvl1pPr>
+            <a:lvl2pPr marL="457200" indent="0">
+              <a:buNone/>
+              <a:defRPr sz="2000" b="1"/>
+            </a:lvl2pPr>
+            <a:lvl3pPr marL="914400" indent="0">
+              <a:buNone/>
+              <a:defRPr sz="1800" b="1"/>
+            </a:lvl3pPr>
+            <a:lvl4pPr marL="1371600" indent="0">
+              <a:buNone/>
+              <a:defRPr sz="1600" b="1"/>
+            </a:lvl4pPr>
+            <a:lvl5pPr marL="1828800" indent="0">
+              <a:buNone/>
+              <a:defRPr sz="1600" b="1"/>
+            </a:lvl5pPr>
+            <a:lvl6pPr marL="2286000" indent="0">
+              <a:buNone/>
+              <a:defRPr sz="1600" b="1"/>
+            </a:lvl6pPr>
+            <a:lvl7pPr marL="2743200" indent="0">
+              <a:buNone/>
+              <a:defRPr sz="1600" b="1"/>
+            </a:lvl7pPr>
+            <a:lvl8pPr marL="3200400" indent="0">
+              <a:buNone/>
+              <a:defRPr sz="1600" b="1"/>
+            </a:lvl8pPr>
+            <a:lvl9pPr marL="3657600" indent="0">
+              <a:buNone/>
+              <a:defRPr sz="1600" b="1"/>
+            </a:lvl9pPr>
+          </a:lstStyle>
+          <a:p>
+            <a:pPr lvl="0"/>
+            <a:r>
+              <a:rPr lang="es-ES"/>
+              <a:t>Haga clic para modificar los estilos de texto del patrón</a:t>
+            </a:r>
+          </a:p>
+        </p:txBody>
+      </p:sp>
+      <p:sp>
+        <p:nvSpPr>
+          <p:cNvPr id="10" name="Text Placeholder 3"/>
+          <p:cNvSpPr>
+            <a:spLocks noGrp="1"/>
+          </p:cNvSpPr>
+          <p:nvPr>
+            <p:ph type="body" sz="half" idx="16"/>
+          </p:nvPr>
+        </p:nvSpPr>
+        <p:spPr>
+          <a:xfrm>
+            <a:off x="4234621" y="2639658"/>
+            <a:ext cx="3310128" cy="2734928"/>
+          </a:xfrm>
+        </p:spPr>
+        <p:txBody>
+          <a:bodyPr anchor="t">
+            <a:normAutofit/>
+          </a:bodyPr>
+          <a:lstStyle>
+            <a:lvl1pPr marL="0" indent="0" algn="ctr">
+              <a:buNone/>
+              <a:defRPr sz="1400"/>
+            </a:lvl1pPr>
+            <a:lvl2pPr marL="457200" indent="0">
+              <a:buNone/>
+              <a:defRPr sz="1200"/>
+            </a:lvl2pPr>
+            <a:lvl3pPr marL="914400" indent="0">
+              <a:buNone/>
+              <a:defRPr sz="1000"/>
+            </a:lvl3pPr>
+            <a:lvl4pPr marL="1371600" indent="0">
+              <a:buNone/>
+              <a:defRPr sz="900"/>
+            </a:lvl4pPr>
+            <a:lvl5pPr marL="1828800" indent="0">
+              <a:buNone/>
+              <a:defRPr sz="900"/>
+            </a:lvl5pPr>
+            <a:lvl6pPr marL="2286000" indent="0">
+              <a:buNone/>
+              <a:defRPr sz="900"/>
+            </a:lvl6pPr>
+            <a:lvl7pPr marL="2743200" indent="0">
+              <a:buNone/>
+              <a:defRPr sz="900"/>
+            </a:lvl7pPr>
+            <a:lvl8pPr marL="3200400" indent="0">
+              <a:buNone/>
+              <a:defRPr sz="900"/>
+            </a:lvl8pPr>
+            <a:lvl9pPr marL="3657600" indent="0">
+              <a:buNone/>
+              <a:defRPr sz="900"/>
+            </a:lvl9pPr>
+          </a:lstStyle>
+          <a:p>
+            <a:pPr lvl="0"/>
+            <a:r>
+              <a:rPr lang="es-ES"/>
+              <a:t>Haga clic para modificar los estilos de texto del patrón</a:t>
+            </a:r>
+          </a:p>
+        </p:txBody>
+      </p:sp>
+      <p:sp>
+        <p:nvSpPr>
+          <p:cNvPr id="11" name="Text Placeholder 4"/>
+          <p:cNvSpPr>
+            <a:spLocks noGrp="1"/>
+          </p:cNvSpPr>
+          <p:nvPr>
+            <p:ph type="body" sz="quarter" idx="13"/>
+          </p:nvPr>
+        </p:nvSpPr>
+        <p:spPr>
+          <a:xfrm>
+            <a:off x="7770380" y="2063395"/>
+            <a:ext cx="3310128" cy="576262"/>
+          </a:xfrm>
+        </p:spPr>
+        <p:txBody>
+          <a:bodyPr anchor="b">
+            <a:noAutofit/>
+          </a:bodyPr>
+          <a:lstStyle>
+            <a:lvl1pPr marL="0" indent="0" algn="ctr">
+              <a:lnSpc>
+                <a:spcPct val="90000"/>
+              </a:lnSpc>
+              <a:buNone/>
+              <a:defRPr sz="2400" b="0">
+                <a:solidFill>
+                  <a:schemeClr val="accent1"/>
+                </a:solidFill>
+              </a:defRPr>
+            </a:lvl1pPr>
+            <a:lvl2pPr marL="457200" indent="0">
+              <a:buNone/>
+              <a:defRPr sz="2000" b="1"/>
+            </a:lvl2pPr>
+            <a:lvl3pPr marL="914400" indent="0">
+              <a:buNone/>
+              <a:defRPr sz="1800" b="1"/>
+            </a:lvl3pPr>
+            <a:lvl4pPr marL="1371600" indent="0">
+              <a:buNone/>
+              <a:defRPr sz="1600" b="1"/>
+            </a:lvl4pPr>
+            <a:lvl5pPr marL="1828800" indent="0">
+              <a:buNone/>
+              <a:defRPr sz="1600" b="1"/>
+            </a:lvl5pPr>
+            <a:lvl6pPr marL="2286000" indent="0">
+              <a:buNone/>
+              <a:defRPr sz="1600" b="1"/>
+            </a:lvl6pPr>
+            <a:lvl7pPr marL="2743200" indent="0">
+              <a:buNone/>
+              <a:defRPr sz="1600" b="1"/>
+            </a:lvl7pPr>
+            <a:lvl8pPr marL="3200400" indent="0">
+              <a:buNone/>
+              <a:defRPr sz="1600" b="1"/>
+            </a:lvl8pPr>
+            <a:lvl9pPr marL="3657600" indent="0">
+              <a:buNone/>
+              <a:defRPr sz="1600" b="1"/>
+            </a:lvl9pPr>
+          </a:lstStyle>
+          <a:p>
+            <a:pPr lvl="0"/>
+            <a:r>
+              <a:rPr lang="es-ES"/>
+              <a:t>Haga clic para modificar los estilos de texto del patrón</a:t>
+            </a:r>
+          </a:p>
+        </p:txBody>
+      </p:sp>
+      <p:sp>
+        <p:nvSpPr>
+          <p:cNvPr id="12" name="Text Placeholder 3"/>
+          <p:cNvSpPr>
+            <a:spLocks noGrp="1"/>
+          </p:cNvSpPr>
+          <p:nvPr>
+            <p:ph type="body" sz="half" idx="17"/>
+          </p:nvPr>
+        </p:nvSpPr>
+        <p:spPr>
+          <a:xfrm>
+            <a:off x="7770380" y="2639658"/>
+            <a:ext cx="3310128" cy="2734928"/>
+          </a:xfrm>
+        </p:spPr>
+        <p:txBody>
+          <a:bodyPr anchor="t">
+            <a:normAutofit/>
+          </a:bodyPr>
+          <a:lstStyle>
+            <a:lvl1pPr marL="0" indent="0" algn="ctr">
+              <a:buNone/>
+              <a:defRPr sz="1400"/>
+            </a:lvl1pPr>
+            <a:lvl2pPr marL="457200" indent="0">
+              <a:buNone/>
+              <a:defRPr sz="1200"/>
+            </a:lvl2pPr>
+            <a:lvl3pPr marL="914400" indent="0">
+              <a:buNone/>
+              <a:defRPr sz="1000"/>
+            </a:lvl3pPr>
+            <a:lvl4pPr marL="1371600" indent="0">
+              <a:buNone/>
+              <a:defRPr sz="900"/>
+            </a:lvl4pPr>
+            <a:lvl5pPr marL="1828800" indent="0">
+              <a:buNone/>
+              <a:defRPr sz="900"/>
+            </a:lvl5pPr>
+            <a:lvl6pPr marL="2286000" indent="0">
+              <a:buNone/>
+              <a:defRPr sz="900"/>
+            </a:lvl6pPr>
+            <a:lvl7pPr marL="2743200" indent="0">
+              <a:buNone/>
+              <a:defRPr sz="900"/>
+            </a:lvl7pPr>
+            <a:lvl8pPr marL="3200400" indent="0">
+              <a:buNone/>
+              <a:defRPr sz="900"/>
+            </a:lvl8pPr>
+            <a:lvl9pPr marL="3657600" indent="0">
+              <a:buNone/>
+              <a:defRPr sz="900"/>
+            </a:lvl9pPr>
+          </a:lstStyle>
+          <a:p>
+            <a:pPr lvl="0"/>
+            <a:r>
+              <a:rPr lang="es-ES"/>
+              <a:t>Haga clic para modificar los estilos de texto del patrón</a:t>
+            </a:r>
+          </a:p>
+        </p:txBody>
+      </p:sp>
+      <p:sp>
+        <p:nvSpPr>
+          <p:cNvPr id="3" name="Date Placeholder 2"/>
+          <p:cNvSpPr>
+            <a:spLocks noGrp="1"/>
+          </p:cNvSpPr>
+          <p:nvPr>
+            <p:ph type="dt" sz="half" idx="10"/>
+          </p:nvPr>
+        </p:nvSpPr>
+        <p:spPr/>
+        <p:txBody>
+          <a:bodyPr/>
+          <a:lstStyle/>
+          <a:p>
+            <a:fld id="{0DC081DE-0243-4CBB-8430-D71D2E05EEF3}" type="datetimeFigureOut">
+              <a:rPr lang="es-CO" smtClean="0"/>
+              <a:t>22/12/2023</a:t>
+            </a:fld>
+            <a:endParaRPr lang="es-CO"/>
+          </a:p>
+        </p:txBody>
+      </p:sp>
+      <p:sp>
+        <p:nvSpPr>
+          <p:cNvPr id="4" name="Footer Placeholder 3"/>
+          <p:cNvSpPr>
+            <a:spLocks noGrp="1"/>
+          </p:cNvSpPr>
+          <p:nvPr>
+            <p:ph type="ftr" sz="quarter" idx="11"/>
+          </p:nvPr>
+        </p:nvSpPr>
+        <p:spPr/>
+        <p:txBody>
+          <a:bodyPr/>
+          <a:lstStyle/>
+          <a:p>
+            <a:endParaRPr lang="es-CO"/>
+          </a:p>
+        </p:txBody>
+      </p:sp>
+      <p:sp>
+        <p:nvSpPr>
+          <p:cNvPr id="5" name="Slide Number Placeholder 4"/>
+          <p:cNvSpPr>
+            <a:spLocks noGrp="1"/>
+          </p:cNvSpPr>
+          <p:nvPr>
+            <p:ph type="sldNum" sz="quarter" idx="12"/>
+          </p:nvPr>
+        </p:nvSpPr>
+        <p:spPr/>
+        <p:txBody>
+          <a:bodyPr/>
+          <a:lstStyle/>
+          <a:p>
+            <a:fld id="{D434776F-FCEA-416E-AB8E-13F73177017C}" type="slidenum">
+              <a:rPr lang="es-CO" smtClean="0"/>
+              <a:t>‹Nº›</a:t>
+            </a:fld>
+            <a:endParaRPr lang="es-CO"/>
+          </a:p>
+        </p:txBody>
+      </p:sp>
+    </p:spTree>
+    <p:extLst>
+      <p:ext uri="{BB962C8B-B14F-4D97-AF65-F5344CB8AC3E}">
+        <p14:creationId xmlns:p14="http://schemas.microsoft.com/office/powerpoint/2010/main" val="1392382851"/>
+      </p:ext>
+    </p:extLst>
+  </p:cSld>
+  <p:clrMapOvr>
+    <a:masterClrMapping/>
+  </p:clrMapOvr>
+</p:sldLayout>
+</file>
+
+<file path=ppt/slideLayouts/slideLayout15.xml><?xml version="1.0" encoding="utf-8"?>
+<p:sldLayout xmlns:a="http://schemas.openxmlformats.org/drawingml/2006/main" xmlns:r="http://schemas.openxmlformats.org/officeDocument/2006/relationships" xmlns:p="http://schemas.openxmlformats.org/presentationml/2006/main" preserve="1">
+  <p:cSld name="Columna de imagen 3">
+    <p:spTree>
+      <p:nvGrpSpPr>
+        <p:cNvPr id="1" name=""/>
+        <p:cNvGrpSpPr/>
+        <p:nvPr/>
+      </p:nvGrpSpPr>
+      <p:grpSpPr>
+        <a:xfrm>
+          <a:off x="0" y="0"/>
+          <a:ext cx="0" cy="0"/>
+          <a:chOff x="0" y="0"/>
+          <a:chExt cx="0" cy="0"/>
+        </a:xfrm>
+      </p:grpSpPr>
+      <p:sp>
+        <p:nvSpPr>
+          <p:cNvPr id="30" name="Title 1"/>
+          <p:cNvSpPr>
+            <a:spLocks noGrp="1"/>
+          </p:cNvSpPr>
+          <p:nvPr>
+            <p:ph type="title"/>
+          </p:nvPr>
+        </p:nvSpPr>
+        <p:spPr>
+          <a:xfrm>
+            <a:off x="685801" y="685800"/>
+            <a:ext cx="10396882" cy="1151965"/>
+          </a:xfrm>
+        </p:spPr>
+        <p:txBody>
+          <a:bodyPr/>
+          <a:lstStyle>
+            <a:lvl1pPr algn="ctr">
+              <a:defRPr/>
+            </a:lvl1pPr>
+          </a:lstStyle>
+          <a:p>
+            <a:r>
+              <a:rPr lang="es-ES"/>
+              <a:t>Haga clic para modificar el estilo de título del patrón</a:t>
+            </a:r>
+            <a:endParaRPr lang="en-US" dirty="0"/>
+          </a:p>
+        </p:txBody>
+      </p:sp>
+      <p:sp>
+        <p:nvSpPr>
+          <p:cNvPr id="19" name="Text Placeholder 2"/>
+          <p:cNvSpPr>
+            <a:spLocks noGrp="1"/>
+          </p:cNvSpPr>
+          <p:nvPr>
+            <p:ph type="body" idx="1"/>
+          </p:nvPr>
+        </p:nvSpPr>
+        <p:spPr>
+          <a:xfrm>
+            <a:off x="691840" y="3813025"/>
+            <a:ext cx="3310128" cy="576262"/>
+          </a:xfrm>
+        </p:spPr>
+        <p:txBody>
+          <a:bodyPr anchor="b">
+            <a:noAutofit/>
+          </a:bodyPr>
+          <a:lstStyle>
+            <a:lvl1pPr marL="0" indent="0" algn="ctr">
+              <a:lnSpc>
+                <a:spcPct val="90000"/>
+              </a:lnSpc>
+              <a:buNone/>
+              <a:defRPr sz="2200" b="0">
+                <a:solidFill>
+                  <a:schemeClr val="accent1"/>
+                </a:solidFill>
+              </a:defRPr>
+            </a:lvl1pPr>
+            <a:lvl2pPr marL="457200" indent="0">
+              <a:buNone/>
+              <a:defRPr sz="2000" b="1"/>
+            </a:lvl2pPr>
+            <a:lvl3pPr marL="914400" indent="0">
+              <a:buNone/>
+              <a:defRPr sz="1800" b="1"/>
+            </a:lvl3pPr>
+            <a:lvl4pPr marL="1371600" indent="0">
+              <a:buNone/>
+              <a:defRPr sz="1600" b="1"/>
+            </a:lvl4pPr>
+            <a:lvl5pPr marL="1828800" indent="0">
+              <a:buNone/>
+              <a:defRPr sz="1600" b="1"/>
+            </a:lvl5pPr>
+            <a:lvl6pPr marL="2286000" indent="0">
+              <a:buNone/>
+              <a:defRPr sz="1600" b="1"/>
+            </a:lvl6pPr>
+            <a:lvl7pPr marL="2743200" indent="0">
+              <a:buNone/>
+              <a:defRPr sz="1600" b="1"/>
+            </a:lvl7pPr>
+            <a:lvl8pPr marL="3200400" indent="0">
+              <a:buNone/>
+              <a:defRPr sz="1600" b="1"/>
+            </a:lvl8pPr>
+            <a:lvl9pPr marL="3657600" indent="0">
+              <a:buNone/>
+              <a:defRPr sz="1600" b="1"/>
+            </a:lvl9pPr>
+          </a:lstStyle>
+          <a:p>
+            <a:pPr lvl="0"/>
+            <a:r>
+              <a:rPr lang="es-ES"/>
+              <a:t>Haga clic para modificar los estilos de texto del patrón</a:t>
+            </a:r>
+          </a:p>
+        </p:txBody>
+      </p:sp>
+      <p:sp>
+        <p:nvSpPr>
+          <p:cNvPr id="20" name="Picture Placeholder 2"/>
+          <p:cNvSpPr>
+            <a:spLocks noGrp="1" noChangeAspect="1"/>
+          </p:cNvSpPr>
+          <p:nvPr>
+            <p:ph type="pic" idx="15"/>
+          </p:nvPr>
+        </p:nvSpPr>
+        <p:spPr>
+          <a:xfrm>
+            <a:off x="685780" y="2063395"/>
+            <a:ext cx="3310128" cy="1536725"/>
+          </a:xfrm>
+          <a:prstGeom prst="roundRect">
+            <a:avLst>
+              <a:gd name="adj" fmla="val 0"/>
+            </a:avLst>
+          </a:prstGeom>
+          <a:ln w="57150" cmpd="thinThick">
+            <a:solidFill>
+              <a:schemeClr val="bg1">
+                <a:lumMod val="50000"/>
+              </a:schemeClr>
+            </a:solidFill>
+            <a:miter lim="800000"/>
+          </a:ln>
+        </p:spPr>
+        <p:txBody>
+          <a:bodyPr anchor="t">
+            <a:normAutofit/>
+          </a:bodyPr>
+          <a:lstStyle>
+            <a:lvl1pPr marL="0" indent="0" algn="ctr">
+              <a:buNone/>
+              <a:defRPr sz="1600"/>
+            </a:lvl1pPr>
+            <a:lvl2pPr marL="457200" indent="0">
+              <a:buNone/>
+              <a:defRPr sz="1600"/>
+            </a:lvl2pPr>
+            <a:lvl3pPr marL="914400" indent="0">
+              <a:buNone/>
+              <a:defRPr sz="1600"/>
+            </a:lvl3pPr>
+            <a:lvl4pPr marL="1371600" indent="0">
+              <a:buNone/>
+              <a:defRPr sz="1600"/>
+            </a:lvl4pPr>
+            <a:lvl5pPr marL="1828800" indent="0">
+              <a:buNone/>
+              <a:defRPr sz="1600"/>
+            </a:lvl5pPr>
+            <a:lvl6pPr marL="2286000" indent="0">
+              <a:buNone/>
+              <a:defRPr sz="1600"/>
+            </a:lvl6pPr>
+            <a:lvl7pPr marL="2743200" indent="0">
+              <a:buNone/>
+              <a:defRPr sz="1600"/>
+            </a:lvl7pPr>
+            <a:lvl8pPr marL="3200400" indent="0">
+              <a:buNone/>
+              <a:defRPr sz="1600"/>
+            </a:lvl8pPr>
+            <a:lvl9pPr marL="3657600" indent="0">
+              <a:buNone/>
+              <a:defRPr sz="1600"/>
+            </a:lvl9pPr>
+          </a:lstStyle>
+          <a:p>
+            <a:r>
+              <a:rPr lang="es-ES"/>
+              <a:t>Haga clic en el icono para agregar una imagen</a:t>
+            </a:r>
+            <a:endParaRPr lang="en-US" dirty="0"/>
+          </a:p>
+        </p:txBody>
+      </p:sp>
+      <p:sp>
+        <p:nvSpPr>
+          <p:cNvPr id="21" name="Text Placeholder 3"/>
+          <p:cNvSpPr>
+            <a:spLocks noGrp="1"/>
+          </p:cNvSpPr>
+          <p:nvPr>
+            <p:ph type="body" sz="half" idx="18"/>
+          </p:nvPr>
+        </p:nvSpPr>
+        <p:spPr>
+          <a:xfrm>
+            <a:off x="691840" y="4389287"/>
+            <a:ext cx="3310128" cy="985299"/>
+          </a:xfrm>
+        </p:spPr>
+        <p:txBody>
+          <a:bodyPr anchor="t">
+            <a:normAutofit/>
+          </a:bodyPr>
+          <a:lstStyle>
+            <a:lvl1pPr marL="0" indent="0" algn="ctr">
+              <a:buNone/>
+              <a:defRPr sz="1400"/>
+            </a:lvl1pPr>
+            <a:lvl2pPr marL="457200" indent="0">
+              <a:buNone/>
+              <a:defRPr sz="1200"/>
+            </a:lvl2pPr>
+            <a:lvl3pPr marL="914400" indent="0">
+              <a:buNone/>
+              <a:defRPr sz="1000"/>
+            </a:lvl3pPr>
+            <a:lvl4pPr marL="1371600" indent="0">
+              <a:buNone/>
+              <a:defRPr sz="900"/>
+            </a:lvl4pPr>
+            <a:lvl5pPr marL="1828800" indent="0">
+              <a:buNone/>
+              <a:defRPr sz="900"/>
+            </a:lvl5pPr>
+            <a:lvl6pPr marL="2286000" indent="0">
+              <a:buNone/>
+              <a:defRPr sz="900"/>
+            </a:lvl6pPr>
+            <a:lvl7pPr marL="2743200" indent="0">
+              <a:buNone/>
+              <a:defRPr sz="900"/>
+            </a:lvl7pPr>
+            <a:lvl8pPr marL="3200400" indent="0">
+              <a:buNone/>
+              <a:defRPr sz="900"/>
+            </a:lvl8pPr>
+            <a:lvl9pPr marL="3657600" indent="0">
+              <a:buNone/>
+              <a:defRPr sz="900"/>
+            </a:lvl9pPr>
+          </a:lstStyle>
+          <a:p>
+            <a:pPr lvl="0"/>
+            <a:r>
+              <a:rPr lang="es-ES"/>
+              <a:t>Haga clic para modificar los estilos de texto del patrón</a:t>
+            </a:r>
+          </a:p>
+        </p:txBody>
+      </p:sp>
+      <p:sp>
+        <p:nvSpPr>
+          <p:cNvPr id="22" name="Text Placeholder 4"/>
+          <p:cNvSpPr>
+            <a:spLocks noGrp="1"/>
+          </p:cNvSpPr>
+          <p:nvPr>
+            <p:ph type="body" sz="quarter" idx="3"/>
+          </p:nvPr>
+        </p:nvSpPr>
+        <p:spPr>
+          <a:xfrm>
+            <a:off x="4237410" y="3813025"/>
+            <a:ext cx="3310128" cy="576262"/>
+          </a:xfrm>
+        </p:spPr>
+        <p:txBody>
+          <a:bodyPr anchor="b">
+            <a:noAutofit/>
+          </a:bodyPr>
+          <a:lstStyle>
+            <a:lvl1pPr marL="0" indent="0" algn="ctr">
+              <a:lnSpc>
+                <a:spcPct val="90000"/>
+              </a:lnSpc>
+              <a:buNone/>
+              <a:defRPr sz="2200" b="0">
+                <a:solidFill>
+                  <a:schemeClr val="accent1"/>
+                </a:solidFill>
+              </a:defRPr>
+            </a:lvl1pPr>
+            <a:lvl2pPr marL="457200" indent="0">
+              <a:buNone/>
+              <a:defRPr sz="2000" b="1"/>
+            </a:lvl2pPr>
+            <a:lvl3pPr marL="914400" indent="0">
+              <a:buNone/>
+              <a:defRPr sz="1800" b="1"/>
+            </a:lvl3pPr>
+            <a:lvl4pPr marL="1371600" indent="0">
+              <a:buNone/>
+              <a:defRPr sz="1600" b="1"/>
+            </a:lvl4pPr>
+            <a:lvl5pPr marL="1828800" indent="0">
+              <a:buNone/>
+              <a:defRPr sz="1600" b="1"/>
+            </a:lvl5pPr>
+            <a:lvl6pPr marL="2286000" indent="0">
+              <a:buNone/>
+              <a:defRPr sz="1600" b="1"/>
+            </a:lvl6pPr>
+            <a:lvl7pPr marL="2743200" indent="0">
+              <a:buNone/>
+              <a:defRPr sz="1600" b="1"/>
+            </a:lvl7pPr>
+            <a:lvl8pPr marL="3200400" indent="0">
+              <a:buNone/>
+              <a:defRPr sz="1600" b="1"/>
+            </a:lvl8pPr>
+            <a:lvl9pPr marL="3657600" indent="0">
+              <a:buNone/>
+              <a:defRPr sz="1600" b="1"/>
+            </a:lvl9pPr>
+          </a:lstStyle>
+          <a:p>
+            <a:pPr lvl="0"/>
+            <a:r>
+              <a:rPr lang="es-ES"/>
+              <a:t>Haga clic para modificar los estilos de texto del patrón</a:t>
+            </a:r>
+          </a:p>
+        </p:txBody>
+      </p:sp>
+      <p:sp>
+        <p:nvSpPr>
+          <p:cNvPr id="23" name="Picture Placeholder 2"/>
+          <p:cNvSpPr>
+            <a:spLocks noGrp="1" noChangeAspect="1"/>
+          </p:cNvSpPr>
+          <p:nvPr>
+            <p:ph type="pic" idx="21"/>
+          </p:nvPr>
+        </p:nvSpPr>
+        <p:spPr>
+          <a:xfrm>
+            <a:off x="4235999" y="2063395"/>
+            <a:ext cx="3310128" cy="1535237"/>
+          </a:xfrm>
+          <a:prstGeom prst="roundRect">
+            <a:avLst>
+              <a:gd name="adj" fmla="val 0"/>
+            </a:avLst>
+          </a:prstGeom>
+          <a:ln w="57150" cmpd="thinThick">
+            <a:solidFill>
+              <a:schemeClr val="bg1">
+                <a:lumMod val="50000"/>
+              </a:schemeClr>
+            </a:solidFill>
+            <a:miter lim="800000"/>
+          </a:ln>
+        </p:spPr>
+        <p:txBody>
+          <a:bodyPr anchor="t">
+            <a:normAutofit/>
+          </a:bodyPr>
+          <a:lstStyle>
+            <a:lvl1pPr marL="0" indent="0" algn="ctr">
+              <a:buNone/>
+              <a:defRPr sz="1600"/>
+            </a:lvl1pPr>
+            <a:lvl2pPr marL="457200" indent="0">
+              <a:buNone/>
+              <a:defRPr sz="1600"/>
+            </a:lvl2pPr>
+            <a:lvl3pPr marL="914400" indent="0">
+              <a:buNone/>
+              <a:defRPr sz="1600"/>
+            </a:lvl3pPr>
+            <a:lvl4pPr marL="1371600" indent="0">
+              <a:buNone/>
+              <a:defRPr sz="1600"/>
+            </a:lvl4pPr>
+            <a:lvl5pPr marL="1828800" indent="0">
+              <a:buNone/>
+              <a:defRPr sz="1600"/>
+            </a:lvl5pPr>
+            <a:lvl6pPr marL="2286000" indent="0">
+              <a:buNone/>
+              <a:defRPr sz="1600"/>
+            </a:lvl6pPr>
+            <a:lvl7pPr marL="2743200" indent="0">
+              <a:buNone/>
+              <a:defRPr sz="1600"/>
+            </a:lvl7pPr>
+            <a:lvl8pPr marL="3200400" indent="0">
+              <a:buNone/>
+              <a:defRPr sz="1600"/>
+            </a:lvl8pPr>
+            <a:lvl9pPr marL="3657600" indent="0">
+              <a:buNone/>
+              <a:defRPr sz="1600"/>
+            </a:lvl9pPr>
+          </a:lstStyle>
+          <a:p>
+            <a:r>
+              <a:rPr lang="es-ES"/>
+              <a:t>Haga clic en el icono para agregar una imagen</a:t>
+            </a:r>
+            <a:endParaRPr lang="en-US" dirty="0"/>
+          </a:p>
+        </p:txBody>
+      </p:sp>
+      <p:sp>
+        <p:nvSpPr>
+          <p:cNvPr id="24" name="Text Placeholder 3"/>
+          <p:cNvSpPr>
+            <a:spLocks noGrp="1"/>
+          </p:cNvSpPr>
+          <p:nvPr>
+            <p:ph type="body" sz="half" idx="19"/>
+          </p:nvPr>
+        </p:nvSpPr>
+        <p:spPr>
+          <a:xfrm>
+            <a:off x="4235999" y="4389286"/>
+            <a:ext cx="3310128" cy="985300"/>
+          </a:xfrm>
+        </p:spPr>
+        <p:txBody>
+          <a:bodyPr anchor="t">
+            <a:normAutofit/>
+          </a:bodyPr>
+          <a:lstStyle>
+            <a:lvl1pPr marL="0" indent="0" algn="ctr">
+              <a:buNone/>
+              <a:defRPr sz="1400"/>
+            </a:lvl1pPr>
+            <a:lvl2pPr marL="457200" indent="0">
+              <a:buNone/>
+              <a:defRPr sz="1200"/>
+            </a:lvl2pPr>
+            <a:lvl3pPr marL="914400" indent="0">
+              <a:buNone/>
+              <a:defRPr sz="1000"/>
+            </a:lvl3pPr>
+            <a:lvl4pPr marL="1371600" indent="0">
+              <a:buNone/>
+              <a:defRPr sz="900"/>
+            </a:lvl4pPr>
+            <a:lvl5pPr marL="1828800" indent="0">
+              <a:buNone/>
+              <a:defRPr sz="900"/>
+            </a:lvl5pPr>
+            <a:lvl6pPr marL="2286000" indent="0">
+              <a:buNone/>
+              <a:defRPr sz="900"/>
+            </a:lvl6pPr>
+            <a:lvl7pPr marL="2743200" indent="0">
+              <a:buNone/>
+              <a:defRPr sz="900"/>
+            </a:lvl7pPr>
+            <a:lvl8pPr marL="3200400" indent="0">
+              <a:buNone/>
+              <a:defRPr sz="900"/>
+            </a:lvl8pPr>
+            <a:lvl9pPr marL="3657600" indent="0">
+              <a:buNone/>
+              <a:defRPr sz="900"/>
+            </a:lvl9pPr>
+          </a:lstStyle>
+          <a:p>
+            <a:pPr lvl="0"/>
+            <a:r>
+              <a:rPr lang="es-ES"/>
+              <a:t>Haga clic para modificar los estilos de texto del patrón</a:t>
+            </a:r>
+          </a:p>
+        </p:txBody>
+      </p:sp>
+      <p:sp>
+        <p:nvSpPr>
+          <p:cNvPr id="25" name="Text Placeholder 4"/>
+          <p:cNvSpPr>
+            <a:spLocks noGrp="1"/>
+          </p:cNvSpPr>
+          <p:nvPr>
+            <p:ph type="body" sz="quarter" idx="13"/>
+          </p:nvPr>
+        </p:nvSpPr>
+        <p:spPr>
+          <a:xfrm>
+            <a:off x="7768944" y="3813025"/>
+            <a:ext cx="3310128" cy="576262"/>
+          </a:xfrm>
+        </p:spPr>
+        <p:txBody>
+          <a:bodyPr anchor="b">
+            <a:noAutofit/>
+          </a:bodyPr>
+          <a:lstStyle>
+            <a:lvl1pPr marL="0" indent="0" algn="ctr">
+              <a:lnSpc>
+                <a:spcPct val="90000"/>
+              </a:lnSpc>
+              <a:buNone/>
+              <a:defRPr sz="2200" b="0">
+                <a:solidFill>
+                  <a:schemeClr val="accent1"/>
+                </a:solidFill>
+              </a:defRPr>
+            </a:lvl1pPr>
+            <a:lvl2pPr marL="457200" indent="0">
+              <a:buNone/>
+              <a:defRPr sz="2000" b="1"/>
+            </a:lvl2pPr>
+            <a:lvl3pPr marL="914400" indent="0">
+              <a:buNone/>
+              <a:defRPr sz="1800" b="1"/>
+            </a:lvl3pPr>
+            <a:lvl4pPr marL="1371600" indent="0">
+              <a:buNone/>
+              <a:defRPr sz="1600" b="1"/>
+            </a:lvl4pPr>
+            <a:lvl5pPr marL="1828800" indent="0">
+              <a:buNone/>
+              <a:defRPr sz="1600" b="1"/>
+            </a:lvl5pPr>
+            <a:lvl6pPr marL="2286000" indent="0">
+              <a:buNone/>
+              <a:defRPr sz="1600" b="1"/>
+            </a:lvl6pPr>
+            <a:lvl7pPr marL="2743200" indent="0">
+              <a:buNone/>
+              <a:defRPr sz="1600" b="1"/>
+            </a:lvl7pPr>
+            <a:lvl8pPr marL="3200400" indent="0">
+              <a:buNone/>
+              <a:defRPr sz="1600" b="1"/>
+            </a:lvl8pPr>
+            <a:lvl9pPr marL="3657600" indent="0">
+              <a:buNone/>
+              <a:defRPr sz="1600" b="1"/>
+            </a:lvl9pPr>
+          </a:lstStyle>
+          <a:p>
+            <a:pPr lvl="0"/>
+            <a:r>
+              <a:rPr lang="es-ES"/>
+              <a:t>Haga clic para modificar los estilos de texto del patrón</a:t>
+            </a:r>
+          </a:p>
+        </p:txBody>
+      </p:sp>
+      <p:sp>
+        <p:nvSpPr>
+          <p:cNvPr id="26" name="Picture Placeholder 2"/>
+          <p:cNvSpPr>
+            <a:spLocks noGrp="1" noChangeAspect="1"/>
+          </p:cNvSpPr>
+          <p:nvPr>
+            <p:ph type="pic" idx="22"/>
+          </p:nvPr>
+        </p:nvSpPr>
+        <p:spPr>
+          <a:xfrm>
+            <a:off x="7768819" y="2063394"/>
+            <a:ext cx="3310128" cy="1537196"/>
+          </a:xfrm>
+          <a:prstGeom prst="roundRect">
+            <a:avLst>
+              <a:gd name="adj" fmla="val 0"/>
+            </a:avLst>
+          </a:prstGeom>
+          <a:ln w="57150" cmpd="thinThick">
+            <a:solidFill>
+              <a:schemeClr val="bg1">
+                <a:lumMod val="50000"/>
+              </a:schemeClr>
+            </a:solidFill>
+            <a:miter lim="800000"/>
+          </a:ln>
+        </p:spPr>
+        <p:txBody>
+          <a:bodyPr anchor="t">
+            <a:normAutofit/>
+          </a:bodyPr>
+          <a:lstStyle>
+            <a:lvl1pPr marL="0" indent="0" algn="ctr">
+              <a:buNone/>
+              <a:defRPr sz="1600"/>
+            </a:lvl1pPr>
+            <a:lvl2pPr marL="457200" indent="0">
+              <a:buNone/>
+              <a:defRPr sz="1600"/>
+            </a:lvl2pPr>
+            <a:lvl3pPr marL="914400" indent="0">
+              <a:buNone/>
+              <a:defRPr sz="1600"/>
+            </a:lvl3pPr>
+            <a:lvl4pPr marL="1371600" indent="0">
+              <a:buNone/>
+              <a:defRPr sz="1600"/>
+            </a:lvl4pPr>
+            <a:lvl5pPr marL="1828800" indent="0">
+              <a:buNone/>
+              <a:defRPr sz="1600"/>
+            </a:lvl5pPr>
+            <a:lvl6pPr marL="2286000" indent="0">
+              <a:buNone/>
+              <a:defRPr sz="1600"/>
+            </a:lvl6pPr>
+            <a:lvl7pPr marL="2743200" indent="0">
+              <a:buNone/>
+              <a:defRPr sz="1600"/>
+            </a:lvl7pPr>
+            <a:lvl8pPr marL="3200400" indent="0">
+              <a:buNone/>
+              <a:defRPr sz="1600"/>
+            </a:lvl8pPr>
+            <a:lvl9pPr marL="3657600" indent="0">
+              <a:buNone/>
+              <a:defRPr sz="1600"/>
+            </a:lvl9pPr>
+          </a:lstStyle>
+          <a:p>
+            <a:r>
+              <a:rPr lang="es-ES"/>
+              <a:t>Haga clic en el icono para agregar una imagen</a:t>
+            </a:r>
+            <a:endParaRPr lang="en-US" dirty="0"/>
+          </a:p>
+        </p:txBody>
+      </p:sp>
+      <p:sp>
+        <p:nvSpPr>
+          <p:cNvPr id="27" name="Text Placeholder 3"/>
+          <p:cNvSpPr>
+            <a:spLocks noGrp="1"/>
+          </p:cNvSpPr>
+          <p:nvPr>
+            <p:ph type="body" sz="half" idx="20"/>
+          </p:nvPr>
+        </p:nvSpPr>
+        <p:spPr>
+          <a:xfrm>
+            <a:off x="7768819" y="4389284"/>
+            <a:ext cx="3310128" cy="985302"/>
+          </a:xfrm>
+        </p:spPr>
+        <p:txBody>
+          <a:bodyPr anchor="t">
+            <a:normAutofit/>
+          </a:bodyPr>
+          <a:lstStyle>
+            <a:lvl1pPr marL="0" indent="0" algn="ctr">
+              <a:buNone/>
+              <a:defRPr sz="1400"/>
+            </a:lvl1pPr>
+            <a:lvl2pPr marL="457200" indent="0">
+              <a:buNone/>
+              <a:defRPr sz="1200"/>
+            </a:lvl2pPr>
+            <a:lvl3pPr marL="914400" indent="0">
+              <a:buNone/>
+              <a:defRPr sz="1000"/>
+            </a:lvl3pPr>
+            <a:lvl4pPr marL="1371600" indent="0">
+              <a:buNone/>
+              <a:defRPr sz="900"/>
+            </a:lvl4pPr>
+            <a:lvl5pPr marL="1828800" indent="0">
+              <a:buNone/>
+              <a:defRPr sz="900"/>
+            </a:lvl5pPr>
+            <a:lvl6pPr marL="2286000" indent="0">
+              <a:buNone/>
+              <a:defRPr sz="900"/>
+            </a:lvl6pPr>
+            <a:lvl7pPr marL="2743200" indent="0">
+              <a:buNone/>
+              <a:defRPr sz="900"/>
+            </a:lvl7pPr>
+            <a:lvl8pPr marL="3200400" indent="0">
+              <a:buNone/>
+              <a:defRPr sz="900"/>
+            </a:lvl8pPr>
+            <a:lvl9pPr marL="3657600" indent="0">
+              <a:buNone/>
+              <a:defRPr sz="900"/>
+            </a:lvl9pPr>
+          </a:lstStyle>
+          <a:p>
+            <a:pPr lvl="0"/>
+            <a:r>
+              <a:rPr lang="es-ES"/>
+              <a:t>Haga clic para modificar los estilos de texto del patrón</a:t>
+            </a:r>
+          </a:p>
+        </p:txBody>
+      </p:sp>
+      <p:sp>
+        <p:nvSpPr>
+          <p:cNvPr id="3" name="Date Placeholder 2"/>
+          <p:cNvSpPr>
+            <a:spLocks noGrp="1"/>
+          </p:cNvSpPr>
+          <p:nvPr>
+            <p:ph type="dt" sz="half" idx="10"/>
+          </p:nvPr>
+        </p:nvSpPr>
+        <p:spPr/>
+        <p:txBody>
+          <a:bodyPr/>
+          <a:lstStyle/>
+          <a:p>
+            <a:fld id="{0DC081DE-0243-4CBB-8430-D71D2E05EEF3}" type="datetimeFigureOut">
+              <a:rPr lang="es-CO" smtClean="0"/>
+              <a:t>22/12/2023</a:t>
+            </a:fld>
+            <a:endParaRPr lang="es-CO"/>
+          </a:p>
+        </p:txBody>
+      </p:sp>
+      <p:sp>
+        <p:nvSpPr>
+          <p:cNvPr id="4" name="Footer Placeholder 3"/>
+          <p:cNvSpPr>
+            <a:spLocks noGrp="1"/>
+          </p:cNvSpPr>
+          <p:nvPr>
+            <p:ph type="ftr" sz="quarter" idx="11"/>
+          </p:nvPr>
+        </p:nvSpPr>
+        <p:spPr/>
+        <p:txBody>
+          <a:bodyPr/>
+          <a:lstStyle/>
+          <a:p>
+            <a:endParaRPr lang="es-CO"/>
+          </a:p>
+        </p:txBody>
+      </p:sp>
+      <p:sp>
+        <p:nvSpPr>
+          <p:cNvPr id="5" name="Slide Number Placeholder 4"/>
+          <p:cNvSpPr>
+            <a:spLocks noGrp="1"/>
+          </p:cNvSpPr>
+          <p:nvPr>
+            <p:ph type="sldNum" sz="quarter" idx="12"/>
+          </p:nvPr>
+        </p:nvSpPr>
+        <p:spPr/>
+        <p:txBody>
+          <a:bodyPr/>
+          <a:lstStyle/>
+          <a:p>
+            <a:fld id="{D434776F-FCEA-416E-AB8E-13F73177017C}" type="slidenum">
+              <a:rPr lang="es-CO" smtClean="0"/>
+              <a:t>‹Nº›</a:t>
+            </a:fld>
+            <a:endParaRPr lang="es-CO"/>
+          </a:p>
+        </p:txBody>
+      </p:sp>
+    </p:spTree>
+    <p:extLst>
+      <p:ext uri="{BB962C8B-B14F-4D97-AF65-F5344CB8AC3E}">
+        <p14:creationId xmlns:p14="http://schemas.microsoft.com/office/powerpoint/2010/main" val="2489277960"/>
+      </p:ext>
+    </p:extLst>
+  </p:cSld>
+  <p:clrMapOvr>
+    <a:masterClrMapping/>
+  </p:clrMapOvr>
+</p:sldLayout>
+</file>
+
+<file path=ppt/slideLayouts/slideLayout16.xml><?xml version="1.0" encoding="utf-8"?>
 <p:sldLayout xmlns:a="http://schemas.openxmlformats.org/drawingml/2006/main" xmlns:r="http://schemas.openxmlformats.org/officeDocument/2006/relationships" xmlns:p="http://schemas.openxmlformats.org/presentationml/2006/main" type="vertTx" preserve="1">
   <p:cSld name="Título y texto vertical">
     <p:spTree>
@@ -351,13 +3209,7 @@
       </p:grpSpPr>
       <p:sp>
         <p:nvSpPr>
-          <p:cNvPr id="2" name="Título 1">
-            <a:extLst>
-              <a:ext uri="{FF2B5EF4-FFF2-40B4-BE49-F238E27FC236}">
-                <a16:creationId xmlns:a16="http://schemas.microsoft.com/office/drawing/2014/main" id="{609D67B0-8DB0-9468-2D86-EA36A2EE76A1}"/>
-              </a:ext>
-            </a:extLst>
-          </p:cNvPr>
+          <p:cNvPr id="2" name="Title 1"/>
           <p:cNvSpPr>
             <a:spLocks noGrp="1"/>
           </p:cNvSpPr>
@@ -368,35 +3220,38 @@
         <p:spPr/>
         <p:txBody>
           <a:bodyPr/>
-          <a:lstStyle/>
+          <a:lstStyle>
+            <a:lvl1pPr algn="r">
+              <a:defRPr/>
+            </a:lvl1pPr>
+          </a:lstStyle>
           <a:p>
             <a:r>
               <a:rPr lang="es-ES"/>
               <a:t>Haga clic para modificar el estilo de título del patrón</a:t>
             </a:r>
-            <a:endParaRPr lang="es-CO"/>
-          </a:p>
-        </p:txBody>
-      </p:sp>
-      <p:sp>
-        <p:nvSpPr>
-          <p:cNvPr id="3" name="Marcador de texto vertical 2">
-            <a:extLst>
-              <a:ext uri="{FF2B5EF4-FFF2-40B4-BE49-F238E27FC236}">
-                <a16:creationId xmlns:a16="http://schemas.microsoft.com/office/drawing/2014/main" id="{20835F07-D94C-DC29-0CF5-F7053826364C}"/>
-              </a:ext>
-            </a:extLst>
-          </p:cNvPr>
-          <p:cNvSpPr>
-            <a:spLocks noGrp="1"/>
-          </p:cNvSpPr>
-          <p:nvPr>
-            <p:ph type="body" orient="vert" idx="1"/>
-          </p:nvPr>
-        </p:nvSpPr>
-        <p:spPr/>
-        <p:txBody>
-          <a:bodyPr vert="eaVert"/>
+            <a:endParaRPr lang="en-US" dirty="0"/>
+          </a:p>
+        </p:txBody>
+      </p:sp>
+      <p:sp>
+        <p:nvSpPr>
+          <p:cNvPr id="11" name="Vertical Text Placeholder 2"/>
+          <p:cNvSpPr>
+            <a:spLocks noGrp="1"/>
+          </p:cNvSpPr>
+          <p:nvPr>
+            <p:ph type="body" orient="vert" sz="quarter" idx="13"/>
+          </p:nvPr>
+        </p:nvSpPr>
+        <p:spPr>
+          <a:xfrm>
+            <a:off x="685800" y="2063396"/>
+            <a:ext cx="10394707" cy="3311190"/>
+          </a:xfrm>
+        </p:spPr>
+        <p:txBody>
+          <a:bodyPr vert="eaVert" anchor="t"/>
           <a:lstStyle/>
           <a:p>
             <a:pPr lvl="0"/>
@@ -432,19 +3287,13 @@
               <a:rPr lang="es-ES"/>
               <a:t>Quinto nivel</a:t>
             </a:r>
-            <a:endParaRPr lang="es-CO"/>
-          </a:p>
-        </p:txBody>
-      </p:sp>
-      <p:sp>
-        <p:nvSpPr>
-          <p:cNvPr id="4" name="Marcador de fecha 3">
-            <a:extLst>
-              <a:ext uri="{FF2B5EF4-FFF2-40B4-BE49-F238E27FC236}">
-                <a16:creationId xmlns:a16="http://schemas.microsoft.com/office/drawing/2014/main" id="{7D40850D-F40C-60E0-B13F-48033C5DB0CE}"/>
-              </a:ext>
-            </a:extLst>
-          </p:cNvPr>
+            <a:endParaRPr lang="en-US" dirty="0"/>
+          </a:p>
+        </p:txBody>
+      </p:sp>
+      <p:sp>
+        <p:nvSpPr>
+          <p:cNvPr id="4" name="Date Placeholder 3"/>
           <p:cNvSpPr>
             <a:spLocks noGrp="1"/>
           </p:cNvSpPr>
@@ -467,13 +3316,7 @@
       </p:sp>
       <p:sp>
         <p:nvSpPr>
-          <p:cNvPr id="5" name="Marcador de pie de página 4">
-            <a:extLst>
-              <a:ext uri="{FF2B5EF4-FFF2-40B4-BE49-F238E27FC236}">
-                <a16:creationId xmlns:a16="http://schemas.microsoft.com/office/drawing/2014/main" id="{04940FDC-1A3F-F968-B565-DBA9AE8C6A7D}"/>
-              </a:ext>
-            </a:extLst>
-          </p:cNvPr>
+          <p:cNvPr id="5" name="Footer Placeholder 4"/>
           <p:cNvSpPr>
             <a:spLocks noGrp="1"/>
           </p:cNvSpPr>
@@ -492,13 +3335,7 @@
       </p:sp>
       <p:sp>
         <p:nvSpPr>
-          <p:cNvPr id="6" name="Marcador de número de diapositiva 5">
-            <a:extLst>
-              <a:ext uri="{FF2B5EF4-FFF2-40B4-BE49-F238E27FC236}">
-                <a16:creationId xmlns:a16="http://schemas.microsoft.com/office/drawing/2014/main" id="{9B760573-5BE8-2D26-46B4-F8E26B5D299D}"/>
-              </a:ext>
-            </a:extLst>
-          </p:cNvPr>
+          <p:cNvPr id="6" name="Slide Number Placeholder 5"/>
           <p:cNvSpPr>
             <a:spLocks noGrp="1"/>
           </p:cNvSpPr>
@@ -522,7 +3359,7 @@
     </p:spTree>
     <p:extLst>
       <p:ext uri="{BB962C8B-B14F-4D97-AF65-F5344CB8AC3E}">
-        <p14:creationId xmlns:p14="http://schemas.microsoft.com/office/powerpoint/2010/main" val="1897062582"/>
+        <p14:creationId xmlns:p14="http://schemas.microsoft.com/office/powerpoint/2010/main" val="1645198717"/>
       </p:ext>
     </p:extLst>
   </p:cSld>
@@ -532,7 +3369,7 @@
 </p:sldLayout>
 </file>
 
-<file path=ppt/slideLayouts/slideLayout11.xml><?xml version="1.0" encoding="utf-8"?>
+<file path=ppt/slideLayouts/slideLayout17.xml><?xml version="1.0" encoding="utf-8"?>
 <p:sldLayout xmlns:a="http://schemas.openxmlformats.org/drawingml/2006/main" xmlns:r="http://schemas.openxmlformats.org/officeDocument/2006/relationships" xmlns:p="http://schemas.openxmlformats.org/presentationml/2006/main" type="vertTitleAndTx" preserve="1">
   <p:cSld name="Título vertical y texto">
     <p:spTree>
@@ -551,13 +3388,7 @@
       </p:grpSpPr>
       <p:sp>
         <p:nvSpPr>
-          <p:cNvPr id="2" name="Título vertical 1">
-            <a:extLst>
-              <a:ext uri="{FF2B5EF4-FFF2-40B4-BE49-F238E27FC236}">
-                <a16:creationId xmlns:a16="http://schemas.microsoft.com/office/drawing/2014/main" id="{D6E447E1-5584-9EFA-5DB5-B1645812688D}"/>
-              </a:ext>
-            </a:extLst>
-          </p:cNvPr>
+          <p:cNvPr id="2" name="Vertical Title 1"/>
           <p:cNvSpPr>
             <a:spLocks noGrp="1"/>
           </p:cNvSpPr>
@@ -567,46 +3398,44 @@
         </p:nvSpPr>
         <p:spPr>
           <a:xfrm>
-            <a:off x="8724900" y="365125"/>
-            <a:ext cx="2628900" cy="5811838"/>
+            <a:off x="8815862" y="685800"/>
+            <a:ext cx="2264646" cy="4688785"/>
           </a:xfrm>
         </p:spPr>
         <p:txBody>
           <a:bodyPr vert="eaVert"/>
-          <a:lstStyle/>
+          <a:lstStyle>
+            <a:lvl1pPr algn="l">
+              <a:defRPr/>
+            </a:lvl1pPr>
+          </a:lstStyle>
           <a:p>
             <a:r>
               <a:rPr lang="es-ES"/>
               <a:t>Haga clic para modificar el estilo de título del patrón</a:t>
             </a:r>
-            <a:endParaRPr lang="es-CO"/>
-          </a:p>
-        </p:txBody>
-      </p:sp>
-      <p:sp>
-        <p:nvSpPr>
-          <p:cNvPr id="3" name="Marcador de texto vertical 2">
-            <a:extLst>
-              <a:ext uri="{FF2B5EF4-FFF2-40B4-BE49-F238E27FC236}">
-                <a16:creationId xmlns:a16="http://schemas.microsoft.com/office/drawing/2014/main" id="{E7AE70FA-B622-6161-D1F7-6DA291D0782B}"/>
-              </a:ext>
-            </a:extLst>
-          </p:cNvPr>
-          <p:cNvSpPr>
-            <a:spLocks noGrp="1"/>
-          </p:cNvSpPr>
-          <p:nvPr>
-            <p:ph type="body" orient="vert" idx="1"/>
+            <a:endParaRPr lang="en-US" dirty="0"/>
+          </a:p>
+        </p:txBody>
+      </p:sp>
+      <p:sp>
+        <p:nvSpPr>
+          <p:cNvPr id="8" name="Vertical Text Placeholder 2"/>
+          <p:cNvSpPr>
+            <a:spLocks noGrp="1"/>
+          </p:cNvSpPr>
+          <p:nvPr>
+            <p:ph type="body" orient="vert" sz="quarter" idx="13"/>
           </p:nvPr>
         </p:nvSpPr>
         <p:spPr>
           <a:xfrm>
-            <a:off x="838200" y="365125"/>
-            <a:ext cx="7734300" cy="5811838"/>
+            <a:off x="685800" y="685800"/>
+            <a:ext cx="7904431" cy="4688785"/>
           </a:xfrm>
         </p:spPr>
         <p:txBody>
-          <a:bodyPr vert="eaVert"/>
+          <a:bodyPr vert="eaVert" anchor="t"/>
           <a:lstStyle/>
           <a:p>
             <a:pPr lvl="0"/>
@@ -642,19 +3471,13 @@
               <a:rPr lang="es-ES"/>
               <a:t>Quinto nivel</a:t>
             </a:r>
-            <a:endParaRPr lang="es-CO"/>
-          </a:p>
-        </p:txBody>
-      </p:sp>
-      <p:sp>
-        <p:nvSpPr>
-          <p:cNvPr id="4" name="Marcador de fecha 3">
-            <a:extLst>
-              <a:ext uri="{FF2B5EF4-FFF2-40B4-BE49-F238E27FC236}">
-                <a16:creationId xmlns:a16="http://schemas.microsoft.com/office/drawing/2014/main" id="{2A13FB63-B352-E336-2C57-F8883757CDD6}"/>
-              </a:ext>
-            </a:extLst>
-          </p:cNvPr>
+            <a:endParaRPr lang="en-US" dirty="0"/>
+          </a:p>
+        </p:txBody>
+      </p:sp>
+      <p:sp>
+        <p:nvSpPr>
+          <p:cNvPr id="4" name="Date Placeholder 3"/>
           <p:cNvSpPr>
             <a:spLocks noGrp="1"/>
           </p:cNvSpPr>
@@ -677,13 +3500,7 @@
       </p:sp>
       <p:sp>
         <p:nvSpPr>
-          <p:cNvPr id="5" name="Marcador de pie de página 4">
-            <a:extLst>
-              <a:ext uri="{FF2B5EF4-FFF2-40B4-BE49-F238E27FC236}">
-                <a16:creationId xmlns:a16="http://schemas.microsoft.com/office/drawing/2014/main" id="{06FD48AF-8869-0BA3-7476-20744DC9767F}"/>
-              </a:ext>
-            </a:extLst>
-          </p:cNvPr>
+          <p:cNvPr id="5" name="Footer Placeholder 4"/>
           <p:cNvSpPr>
             <a:spLocks noGrp="1"/>
           </p:cNvSpPr>
@@ -702,13 +3519,7 @@
       </p:sp>
       <p:sp>
         <p:nvSpPr>
-          <p:cNvPr id="6" name="Marcador de número de diapositiva 5">
-            <a:extLst>
-              <a:ext uri="{FF2B5EF4-FFF2-40B4-BE49-F238E27FC236}">
-                <a16:creationId xmlns:a16="http://schemas.microsoft.com/office/drawing/2014/main" id="{47400BD3-843A-FCED-45F3-B161D8D624DE}"/>
-              </a:ext>
-            </a:extLst>
-          </p:cNvPr>
+          <p:cNvPr id="6" name="Slide Number Placeholder 5"/>
           <p:cNvSpPr>
             <a:spLocks noGrp="1"/>
           </p:cNvSpPr>
@@ -732,7 +3543,177 @@
     </p:spTree>
     <p:extLst>
       <p:ext uri="{BB962C8B-B14F-4D97-AF65-F5344CB8AC3E}">
-        <p14:creationId xmlns:p14="http://schemas.microsoft.com/office/powerpoint/2010/main" val="1587019784"/>
+        <p14:creationId xmlns:p14="http://schemas.microsoft.com/office/powerpoint/2010/main" val="2154564584"/>
+      </p:ext>
+    </p:extLst>
+  </p:cSld>
+  <p:clrMapOvr>
+    <a:masterClrMapping/>
+  </p:clrMapOvr>
+</p:sldLayout>
+</file>
+
+<file path=ppt/slideLayouts/slideLayout18.xml><?xml version="1.0" encoding="utf-8"?>
+<p:sldLayout xmlns:a="http://schemas.openxmlformats.org/drawingml/2006/main" xmlns:r="http://schemas.openxmlformats.org/officeDocument/2006/relationships" xmlns:p="http://schemas.openxmlformats.org/presentationml/2006/main" type="obj">
+  <p:cSld name="1_Título y objetos">
+    <p:spTree>
+      <p:nvGrpSpPr>
+        <p:cNvPr id="1" name=""/>
+        <p:cNvGrpSpPr/>
+        <p:nvPr/>
+      </p:nvGrpSpPr>
+      <p:grpSpPr>
+        <a:xfrm>
+          <a:off x="0" y="0"/>
+          <a:ext cx="0" cy="0"/>
+          <a:chOff x="0" y="0"/>
+          <a:chExt cx="0" cy="0"/>
+        </a:xfrm>
+      </p:grpSpPr>
+      <p:sp>
+        <p:nvSpPr>
+          <p:cNvPr id="2" name="Title 1"/>
+          <p:cNvSpPr>
+            <a:spLocks noGrp="1"/>
+          </p:cNvSpPr>
+          <p:nvPr>
+            <p:ph type="title"/>
+          </p:nvPr>
+        </p:nvSpPr>
+        <p:spPr/>
+        <p:txBody>
+          <a:bodyPr/>
+          <a:lstStyle/>
+          <a:p>
+            <a:r>
+              <a:rPr lang="es-ES"/>
+              <a:t>Haga clic para modificar el estilo de título del patrón</a:t>
+            </a:r>
+            <a:endParaRPr lang="en-US" dirty="0"/>
+          </a:p>
+        </p:txBody>
+      </p:sp>
+      <p:sp>
+        <p:nvSpPr>
+          <p:cNvPr id="3" name="Content Placeholder 2"/>
+          <p:cNvSpPr>
+            <a:spLocks noGrp="1"/>
+          </p:cNvSpPr>
+          <p:nvPr>
+            <p:ph idx="1"/>
+          </p:nvPr>
+        </p:nvSpPr>
+        <p:spPr/>
+        <p:txBody>
+          <a:bodyPr/>
+          <a:lstStyle/>
+          <a:p>
+            <a:pPr lvl="0"/>
+            <a:r>
+              <a:rPr lang="es-ES"/>
+              <a:t>Haga clic para modificar los estilos de texto del patrón</a:t>
+            </a:r>
+          </a:p>
+          <a:p>
+            <a:pPr lvl="1"/>
+            <a:r>
+              <a:rPr lang="es-ES"/>
+              <a:t>Segundo nivel</a:t>
+            </a:r>
+          </a:p>
+          <a:p>
+            <a:pPr lvl="2"/>
+            <a:r>
+              <a:rPr lang="es-ES"/>
+              <a:t>Tercer nivel</a:t>
+            </a:r>
+          </a:p>
+          <a:p>
+            <a:pPr lvl="3"/>
+            <a:r>
+              <a:rPr lang="es-ES"/>
+              <a:t>Cuarto nivel</a:t>
+            </a:r>
+          </a:p>
+          <a:p>
+            <a:pPr lvl="4"/>
+            <a:r>
+              <a:rPr lang="es-ES"/>
+              <a:t>Quinto nivel</a:t>
+            </a:r>
+            <a:endParaRPr lang="en-US" dirty="0"/>
+          </a:p>
+        </p:txBody>
+      </p:sp>
+      <p:sp>
+        <p:nvSpPr>
+          <p:cNvPr id="4" name="Date Placeholder 3"/>
+          <p:cNvSpPr>
+            <a:spLocks noGrp="1"/>
+          </p:cNvSpPr>
+          <p:nvPr>
+            <p:ph type="dt" sz="half" idx="10"/>
+          </p:nvPr>
+        </p:nvSpPr>
+        <p:spPr/>
+        <p:txBody>
+          <a:bodyPr/>
+          <a:lstStyle/>
+          <a:p>
+            <a:fld id="{0DC081DE-0243-4CBB-8430-D71D2E05EEF3}" type="datetimeFigureOut">
+              <a:rPr lang="es-CO" smtClean="0"/>
+              <a:t>22/12/2023</a:t>
+            </a:fld>
+            <a:endParaRPr lang="es-CO"/>
+          </a:p>
+        </p:txBody>
+      </p:sp>
+      <p:sp>
+        <p:nvSpPr>
+          <p:cNvPr id="5" name="Footer Placeholder 4"/>
+          <p:cNvSpPr>
+            <a:spLocks noGrp="1"/>
+          </p:cNvSpPr>
+          <p:nvPr>
+            <p:ph type="ftr" sz="quarter" idx="11"/>
+          </p:nvPr>
+        </p:nvSpPr>
+        <p:spPr/>
+        <p:txBody>
+          <a:bodyPr/>
+          <a:lstStyle/>
+          <a:p>
+            <a:endParaRPr lang="es-CO"/>
+          </a:p>
+        </p:txBody>
+      </p:sp>
+      <p:sp>
+        <p:nvSpPr>
+          <p:cNvPr id="6" name="Slide Number Placeholder 5"/>
+          <p:cNvSpPr>
+            <a:spLocks noGrp="1"/>
+          </p:cNvSpPr>
+          <p:nvPr>
+            <p:ph type="sldNum" sz="quarter" idx="12"/>
+          </p:nvPr>
+        </p:nvSpPr>
+        <p:spPr/>
+        <p:txBody>
+          <a:bodyPr/>
+          <a:lstStyle/>
+          <a:p>
+            <a:fld id="{D434776F-FCEA-416E-AB8E-13F73177017C}" type="slidenum">
+              <a:rPr lang="es-CO" smtClean="0"/>
+              <a:t>‹Nº›</a:t>
+            </a:fld>
+            <a:endParaRPr lang="es-CO"/>
+          </a:p>
+        </p:txBody>
+      </p:sp>
+    </p:spTree>
+    <p:extLst>
+      <p:ext uri="{BB962C8B-B14F-4D97-AF65-F5344CB8AC3E}">
+        <p14:creationId xmlns:p14="http://schemas.microsoft.com/office/powerpoint/2010/main" val="515363426"/>
       </p:ext>
     </p:extLst>
   </p:cSld>
@@ -761,13 +3742,7 @@
       </p:grpSpPr>
       <p:sp>
         <p:nvSpPr>
-          <p:cNvPr id="2" name="Título 1">
-            <a:extLst>
-              <a:ext uri="{FF2B5EF4-FFF2-40B4-BE49-F238E27FC236}">
-                <a16:creationId xmlns:a16="http://schemas.microsoft.com/office/drawing/2014/main" id="{A57463EF-77AA-E0BB-0BA5-BC332F4B6371}"/>
-              </a:ext>
-            </a:extLst>
-          </p:cNvPr>
+          <p:cNvPr id="2" name="Title 1"/>
           <p:cNvSpPr>
             <a:spLocks noGrp="1"/>
           </p:cNvSpPr>
@@ -784,27 +3759,26 @@
               <a:rPr lang="es-ES"/>
               <a:t>Haga clic para modificar el estilo de título del patrón</a:t>
             </a:r>
-            <a:endParaRPr lang="es-CO"/>
-          </a:p>
-        </p:txBody>
-      </p:sp>
-      <p:sp>
-        <p:nvSpPr>
-          <p:cNvPr id="3" name="Marcador de contenido 2">
-            <a:extLst>
-              <a:ext uri="{FF2B5EF4-FFF2-40B4-BE49-F238E27FC236}">
-                <a16:creationId xmlns:a16="http://schemas.microsoft.com/office/drawing/2014/main" id="{F11F786C-8CD6-86F9-0165-B131148113C0}"/>
-              </a:ext>
-            </a:extLst>
-          </p:cNvPr>
-          <p:cNvSpPr>
-            <a:spLocks noGrp="1"/>
-          </p:cNvSpPr>
-          <p:nvPr>
-            <p:ph idx="1"/>
-          </p:nvPr>
-        </p:nvSpPr>
-        <p:spPr/>
+            <a:endParaRPr lang="en-US" dirty="0"/>
+          </a:p>
+        </p:txBody>
+      </p:sp>
+      <p:sp>
+        <p:nvSpPr>
+          <p:cNvPr id="12" name="Content Placeholder 2"/>
+          <p:cNvSpPr>
+            <a:spLocks noGrp="1"/>
+          </p:cNvSpPr>
+          <p:nvPr>
+            <p:ph sz="quarter" idx="13"/>
+          </p:nvPr>
+        </p:nvSpPr>
+        <p:spPr>
+          <a:xfrm>
+            <a:off x="685800" y="2063396"/>
+            <a:ext cx="10394707" cy="3311189"/>
+          </a:xfrm>
+        </p:spPr>
         <p:txBody>
           <a:bodyPr/>
           <a:lstStyle/>
@@ -842,19 +3816,13 @@
               <a:rPr lang="es-ES"/>
               <a:t>Quinto nivel</a:t>
             </a:r>
-            <a:endParaRPr lang="es-CO"/>
-          </a:p>
-        </p:txBody>
-      </p:sp>
-      <p:sp>
-        <p:nvSpPr>
-          <p:cNvPr id="4" name="Marcador de fecha 3">
-            <a:extLst>
-              <a:ext uri="{FF2B5EF4-FFF2-40B4-BE49-F238E27FC236}">
-                <a16:creationId xmlns:a16="http://schemas.microsoft.com/office/drawing/2014/main" id="{70874CF5-CD7D-4269-CDB4-7D4EBE600235}"/>
-              </a:ext>
-            </a:extLst>
-          </p:cNvPr>
+            <a:endParaRPr lang="en-US" dirty="0"/>
+          </a:p>
+        </p:txBody>
+      </p:sp>
+      <p:sp>
+        <p:nvSpPr>
+          <p:cNvPr id="4" name="Date Placeholder 3"/>
           <p:cNvSpPr>
             <a:spLocks noGrp="1"/>
           </p:cNvSpPr>
@@ -877,13 +3845,7 @@
       </p:sp>
       <p:sp>
         <p:nvSpPr>
-          <p:cNvPr id="5" name="Marcador de pie de página 4">
-            <a:extLst>
-              <a:ext uri="{FF2B5EF4-FFF2-40B4-BE49-F238E27FC236}">
-                <a16:creationId xmlns:a16="http://schemas.microsoft.com/office/drawing/2014/main" id="{A3B58882-66C2-92BB-5DE2-7C6C209600F2}"/>
-              </a:ext>
-            </a:extLst>
-          </p:cNvPr>
+          <p:cNvPr id="5" name="Footer Placeholder 4"/>
           <p:cNvSpPr>
             <a:spLocks noGrp="1"/>
           </p:cNvSpPr>
@@ -902,13 +3864,7 @@
       </p:sp>
       <p:sp>
         <p:nvSpPr>
-          <p:cNvPr id="6" name="Marcador de número de diapositiva 5">
-            <a:extLst>
-              <a:ext uri="{FF2B5EF4-FFF2-40B4-BE49-F238E27FC236}">
-                <a16:creationId xmlns:a16="http://schemas.microsoft.com/office/drawing/2014/main" id="{D93E996B-8EFA-AD40-CF49-109AF68B5311}"/>
-              </a:ext>
-            </a:extLst>
-          </p:cNvPr>
+          <p:cNvPr id="6" name="Slide Number Placeholder 5"/>
           <p:cNvSpPr>
             <a:spLocks noGrp="1"/>
           </p:cNvSpPr>
@@ -932,7 +3888,7 @@
     </p:spTree>
     <p:extLst>
       <p:ext uri="{BB962C8B-B14F-4D97-AF65-F5344CB8AC3E}">
-        <p14:creationId xmlns:p14="http://schemas.microsoft.com/office/powerpoint/2010/main" val="1591725665"/>
+        <p14:creationId xmlns:p14="http://schemas.microsoft.com/office/powerpoint/2010/main" val="2663526235"/>
       </p:ext>
     </p:extLst>
   </p:cSld>
@@ -961,13 +3917,7 @@
       </p:grpSpPr>
       <p:sp>
         <p:nvSpPr>
-          <p:cNvPr id="2" name="Título 1">
-            <a:extLst>
-              <a:ext uri="{FF2B5EF4-FFF2-40B4-BE49-F238E27FC236}">
-                <a16:creationId xmlns:a16="http://schemas.microsoft.com/office/drawing/2014/main" id="{4E212FC6-2576-98FD-351C-B0841C7182B8}"/>
-              </a:ext>
-            </a:extLst>
-          </p:cNvPr>
+          <p:cNvPr id="2" name="Title 1"/>
           <p:cNvSpPr>
             <a:spLocks noGrp="1"/>
           </p:cNvSpPr>
@@ -977,15 +3927,17 @@
         </p:nvSpPr>
         <p:spPr>
           <a:xfrm>
-            <a:off x="831850" y="1709738"/>
-            <a:ext cx="10515600" cy="2852737"/>
+            <a:off x="685801" y="685800"/>
+            <a:ext cx="10394707" cy="3193487"/>
           </a:xfrm>
         </p:spPr>
         <p:txBody>
-          <a:bodyPr anchor="b"/>
+          <a:bodyPr anchor="b">
+            <a:normAutofit/>
+          </a:bodyPr>
           <a:lstStyle>
-            <a:lvl1pPr>
-              <a:defRPr sz="6000"/>
+            <a:lvl1pPr algn="l">
+              <a:defRPr sz="5400"/>
             </a:lvl1pPr>
           </a:lstStyle>
           <a:p>
@@ -993,19 +3945,13 @@
               <a:rPr lang="es-ES"/>
               <a:t>Haga clic para modificar el estilo de título del patrón</a:t>
             </a:r>
-            <a:endParaRPr lang="es-CO"/>
-          </a:p>
-        </p:txBody>
-      </p:sp>
-      <p:sp>
-        <p:nvSpPr>
-          <p:cNvPr id="3" name="Marcador de texto 2">
-            <a:extLst>
-              <a:ext uri="{FF2B5EF4-FFF2-40B4-BE49-F238E27FC236}">
-                <a16:creationId xmlns:a16="http://schemas.microsoft.com/office/drawing/2014/main" id="{74D47657-0AB8-879E-30EC-AC3924FC2F4E}"/>
-              </a:ext>
-            </a:extLst>
-          </p:cNvPr>
+            <a:endParaRPr lang="en-US" dirty="0"/>
+          </a:p>
+        </p:txBody>
+      </p:sp>
+      <p:sp>
+        <p:nvSpPr>
+          <p:cNvPr id="3" name="Text Placeholder 2"/>
           <p:cNvSpPr>
             <a:spLocks noGrp="1"/>
           </p:cNvSpPr>
@@ -1015,19 +3961,21 @@
         </p:nvSpPr>
         <p:spPr>
           <a:xfrm>
-            <a:off x="831850" y="4589463"/>
-            <a:ext cx="10515600" cy="1500187"/>
+            <a:off x="685801" y="3742267"/>
+            <a:ext cx="10394707" cy="1639614"/>
           </a:xfrm>
         </p:spPr>
         <p:txBody>
-          <a:bodyPr/>
+          <a:bodyPr anchor="t">
+            <a:normAutofit/>
+          </a:bodyPr>
           <a:lstStyle>
-            <a:lvl1pPr marL="0" indent="0">
-              <a:buNone/>
-              <a:defRPr sz="2400">
+            <a:lvl1pPr marL="0" indent="0" algn="l">
+              <a:buNone/>
+              <a:defRPr sz="2000">
                 <a:solidFill>
-                  <a:schemeClr val="tx1">
-                    <a:tint val="75000"/>
+                  <a:schemeClr val="bg1">
+                    <a:lumMod val="50000"/>
                   </a:schemeClr>
                 </a:solidFill>
               </a:defRPr>
@@ -1124,13 +4072,7 @@
       </p:sp>
       <p:sp>
         <p:nvSpPr>
-          <p:cNvPr id="4" name="Marcador de fecha 3">
-            <a:extLst>
-              <a:ext uri="{FF2B5EF4-FFF2-40B4-BE49-F238E27FC236}">
-                <a16:creationId xmlns:a16="http://schemas.microsoft.com/office/drawing/2014/main" id="{9CFF1F18-7784-A270-7781-CB70A6ABE1AB}"/>
-              </a:ext>
-            </a:extLst>
-          </p:cNvPr>
+          <p:cNvPr id="4" name="Date Placeholder 3"/>
           <p:cNvSpPr>
             <a:spLocks noGrp="1"/>
           </p:cNvSpPr>
@@ -1153,13 +4095,7 @@
       </p:sp>
       <p:sp>
         <p:nvSpPr>
-          <p:cNvPr id="5" name="Marcador de pie de página 4">
-            <a:extLst>
-              <a:ext uri="{FF2B5EF4-FFF2-40B4-BE49-F238E27FC236}">
-                <a16:creationId xmlns:a16="http://schemas.microsoft.com/office/drawing/2014/main" id="{72224416-2BD8-4C1D-31AB-AC32F14D197A}"/>
-              </a:ext>
-            </a:extLst>
-          </p:cNvPr>
+          <p:cNvPr id="5" name="Footer Placeholder 4"/>
           <p:cNvSpPr>
             <a:spLocks noGrp="1"/>
           </p:cNvSpPr>
@@ -1178,13 +4114,7 @@
       </p:sp>
       <p:sp>
         <p:nvSpPr>
-          <p:cNvPr id="6" name="Marcador de número de diapositiva 5">
-            <a:extLst>
-              <a:ext uri="{FF2B5EF4-FFF2-40B4-BE49-F238E27FC236}">
-                <a16:creationId xmlns:a16="http://schemas.microsoft.com/office/drawing/2014/main" id="{68567492-5F18-B115-7DBE-2E7A995E2EE6}"/>
-              </a:ext>
-            </a:extLst>
-          </p:cNvPr>
+          <p:cNvPr id="6" name="Slide Number Placeholder 5"/>
           <p:cNvSpPr>
             <a:spLocks noGrp="1"/>
           </p:cNvSpPr>
@@ -1208,7 +4138,7 @@
     </p:spTree>
     <p:extLst>
       <p:ext uri="{BB962C8B-B14F-4D97-AF65-F5344CB8AC3E}">
-        <p14:creationId xmlns:p14="http://schemas.microsoft.com/office/powerpoint/2010/main" val="1842562901"/>
+        <p14:creationId xmlns:p14="http://schemas.microsoft.com/office/powerpoint/2010/main" val="4288073764"/>
       </p:ext>
     </p:extLst>
   </p:cSld>
@@ -1237,120 +4167,50 @@
       </p:grpSpPr>
       <p:sp>
         <p:nvSpPr>
-          <p:cNvPr id="2" name="Título 1">
-            <a:extLst>
-              <a:ext uri="{FF2B5EF4-FFF2-40B4-BE49-F238E27FC236}">
-                <a16:creationId xmlns:a16="http://schemas.microsoft.com/office/drawing/2014/main" id="{45733CDE-2FDA-9347-7C3C-61450E0E99DB}"/>
-              </a:ext>
-            </a:extLst>
-          </p:cNvPr>
+          <p:cNvPr id="14" name="Title 1"/>
           <p:cNvSpPr>
             <a:spLocks noGrp="1"/>
           </p:cNvSpPr>
           <p:nvPr>
             <p:ph type="title"/>
-          </p:nvPr>
-        </p:nvSpPr>
-        <p:spPr/>
-        <p:txBody>
-          <a:bodyPr/>
-          <a:lstStyle/>
-          <a:p>
-            <a:r>
-              <a:rPr lang="es-ES"/>
-              <a:t>Haga clic para modificar el estilo de título del patrón</a:t>
-            </a:r>
-            <a:endParaRPr lang="es-CO"/>
-          </a:p>
-        </p:txBody>
-      </p:sp>
-      <p:sp>
-        <p:nvSpPr>
-          <p:cNvPr id="3" name="Marcador de contenido 2">
-            <a:extLst>
-              <a:ext uri="{FF2B5EF4-FFF2-40B4-BE49-F238E27FC236}">
-                <a16:creationId xmlns:a16="http://schemas.microsoft.com/office/drawing/2014/main" id="{96273670-4ABA-DE96-5DE8-78DB3926534E}"/>
-              </a:ext>
-            </a:extLst>
-          </p:cNvPr>
-          <p:cNvSpPr>
-            <a:spLocks noGrp="1"/>
-          </p:cNvSpPr>
-          <p:nvPr>
-            <p:ph sz="half" idx="1"/>
           </p:nvPr>
         </p:nvSpPr>
         <p:spPr>
           <a:xfrm>
-            <a:off x="838200" y="1825625"/>
-            <a:ext cx="5181600" cy="4351338"/>
+            <a:off x="685801" y="685800"/>
+            <a:ext cx="10396882" cy="1158140"/>
           </a:xfrm>
         </p:spPr>
         <p:txBody>
           <a:bodyPr/>
           <a:lstStyle/>
           <a:p>
-            <a:pPr lvl="0"/>
-            <a:r>
-              <a:rPr lang="es-ES"/>
-              <a:t>Haga clic para modificar los estilos de texto del patrón</a:t>
-            </a:r>
-          </a:p>
-          <a:p>
-            <a:pPr lvl="1"/>
-            <a:r>
-              <a:rPr lang="es-ES"/>
-              <a:t>Segundo nivel</a:t>
-            </a:r>
-          </a:p>
-          <a:p>
-            <a:pPr lvl="2"/>
-            <a:r>
-              <a:rPr lang="es-ES"/>
-              <a:t>Tercer nivel</a:t>
-            </a:r>
-          </a:p>
-          <a:p>
-            <a:pPr lvl="3"/>
-            <a:r>
-              <a:rPr lang="es-ES"/>
-              <a:t>Cuarto nivel</a:t>
-            </a:r>
-          </a:p>
-          <a:p>
-            <a:pPr lvl="4"/>
-            <a:r>
-              <a:rPr lang="es-ES"/>
-              <a:t>Quinto nivel</a:t>
-            </a:r>
-            <a:endParaRPr lang="es-CO"/>
-          </a:p>
-        </p:txBody>
-      </p:sp>
-      <p:sp>
-        <p:nvSpPr>
-          <p:cNvPr id="4" name="Marcador de contenido 3">
-            <a:extLst>
-              <a:ext uri="{FF2B5EF4-FFF2-40B4-BE49-F238E27FC236}">
-                <a16:creationId xmlns:a16="http://schemas.microsoft.com/office/drawing/2014/main" id="{280E3A8D-27E4-FE25-2320-83A086BD68B7}"/>
-              </a:ext>
-            </a:extLst>
-          </p:cNvPr>
-          <p:cNvSpPr>
-            <a:spLocks noGrp="1"/>
-          </p:cNvSpPr>
-          <p:nvPr>
-            <p:ph sz="half" idx="2"/>
+            <a:r>
+              <a:rPr lang="es-ES"/>
+              <a:t>Haga clic para modificar el estilo de título del patrón</a:t>
+            </a:r>
+            <a:endParaRPr lang="en-US" dirty="0"/>
+          </a:p>
+        </p:txBody>
+      </p:sp>
+      <p:sp>
+        <p:nvSpPr>
+          <p:cNvPr id="12" name="Content Placeholder 2"/>
+          <p:cNvSpPr>
+            <a:spLocks noGrp="1"/>
+          </p:cNvSpPr>
+          <p:nvPr>
+            <p:ph sz="quarter" idx="13"/>
           </p:nvPr>
         </p:nvSpPr>
         <p:spPr>
           <a:xfrm>
-            <a:off x="6172200" y="1825625"/>
-            <a:ext cx="5181600" cy="4351338"/>
+            <a:off x="685800" y="2063396"/>
+            <a:ext cx="5088714" cy="3311189"/>
           </a:xfrm>
         </p:spPr>
         <p:txBody>
-          <a:bodyPr/>
+          <a:bodyPr anchor="t"/>
           <a:lstStyle/>
           <a:p>
             <a:pPr lvl="0"/>
@@ -1386,19 +4246,70 @@
               <a:rPr lang="es-ES"/>
               <a:t>Quinto nivel</a:t>
             </a:r>
-            <a:endParaRPr lang="es-CO"/>
-          </a:p>
-        </p:txBody>
-      </p:sp>
-      <p:sp>
-        <p:nvSpPr>
-          <p:cNvPr id="5" name="Marcador de fecha 4">
-            <a:extLst>
-              <a:ext uri="{FF2B5EF4-FFF2-40B4-BE49-F238E27FC236}">
-                <a16:creationId xmlns:a16="http://schemas.microsoft.com/office/drawing/2014/main" id="{E369F0EE-6B66-FFAE-9C45-FEAFFD286100}"/>
-              </a:ext>
-            </a:extLst>
-          </p:cNvPr>
+            <a:endParaRPr lang="en-US" dirty="0"/>
+          </a:p>
+        </p:txBody>
+      </p:sp>
+      <p:sp>
+        <p:nvSpPr>
+          <p:cNvPr id="13" name="Content Placeholder 3"/>
+          <p:cNvSpPr>
+            <a:spLocks noGrp="1"/>
+          </p:cNvSpPr>
+          <p:nvPr>
+            <p:ph sz="quarter" idx="14"/>
+          </p:nvPr>
+        </p:nvSpPr>
+        <p:spPr>
+          <a:xfrm>
+            <a:off x="5993971" y="2063396"/>
+            <a:ext cx="5086538" cy="3311189"/>
+          </a:xfrm>
+        </p:spPr>
+        <p:txBody>
+          <a:bodyPr anchor="t"/>
+          <a:lstStyle/>
+          <a:p>
+            <a:pPr lvl="0"/>
+            <a:r>
+              <a:rPr lang="es-ES"/>
+              <a:t>Haga clic para modificar los estilos de texto del patrón</a:t>
+            </a:r>
+          </a:p>
+          <a:p>
+            <a:pPr lvl="1"/>
+            <a:r>
+              <a:rPr lang="es-ES"/>
+              <a:t>Segundo nivel</a:t>
+            </a:r>
+          </a:p>
+          <a:p>
+            <a:pPr lvl="2"/>
+            <a:r>
+              <a:rPr lang="es-ES"/>
+              <a:t>Tercer nivel</a:t>
+            </a:r>
+          </a:p>
+          <a:p>
+            <a:pPr lvl="3"/>
+            <a:r>
+              <a:rPr lang="es-ES"/>
+              <a:t>Cuarto nivel</a:t>
+            </a:r>
+          </a:p>
+          <a:p>
+            <a:pPr lvl="4"/>
+            <a:r>
+              <a:rPr lang="es-ES"/>
+              <a:t>Quinto nivel</a:t>
+            </a:r>
+            <a:endParaRPr lang="en-US" dirty="0"/>
+          </a:p>
+        </p:txBody>
+      </p:sp>
+      <p:sp>
+        <p:nvSpPr>
+          <p:cNvPr id="5" name="Date Placeholder 4"/>
           <p:cNvSpPr>
             <a:spLocks noGrp="1"/>
           </p:cNvSpPr>
@@ -1421,13 +4332,7 @@
       </p:sp>
       <p:sp>
         <p:nvSpPr>
-          <p:cNvPr id="6" name="Marcador de pie de página 5">
-            <a:extLst>
-              <a:ext uri="{FF2B5EF4-FFF2-40B4-BE49-F238E27FC236}">
-                <a16:creationId xmlns:a16="http://schemas.microsoft.com/office/drawing/2014/main" id="{D207206A-19A6-AD17-DF58-4975615FF5E2}"/>
-              </a:ext>
-            </a:extLst>
-          </p:cNvPr>
+          <p:cNvPr id="6" name="Footer Placeholder 5"/>
           <p:cNvSpPr>
             <a:spLocks noGrp="1"/>
           </p:cNvSpPr>
@@ -1446,13 +4351,7 @@
       </p:sp>
       <p:sp>
         <p:nvSpPr>
-          <p:cNvPr id="7" name="Marcador de número de diapositiva 6">
-            <a:extLst>
-              <a:ext uri="{FF2B5EF4-FFF2-40B4-BE49-F238E27FC236}">
-                <a16:creationId xmlns:a16="http://schemas.microsoft.com/office/drawing/2014/main" id="{F8606321-450A-F29E-AF34-36DA33A6156B}"/>
-              </a:ext>
-            </a:extLst>
-          </p:cNvPr>
+          <p:cNvPr id="7" name="Slide Number Placeholder 6"/>
           <p:cNvSpPr>
             <a:spLocks noGrp="1"/>
           </p:cNvSpPr>
@@ -1476,7 +4375,7 @@
     </p:spTree>
     <p:extLst>
       <p:ext uri="{BB962C8B-B14F-4D97-AF65-F5344CB8AC3E}">
-        <p14:creationId xmlns:p14="http://schemas.microsoft.com/office/powerpoint/2010/main" val="1437221303"/>
+        <p14:creationId xmlns:p14="http://schemas.microsoft.com/office/powerpoint/2010/main" val="2516041438"/>
       </p:ext>
     </p:extLst>
   </p:cSld>
@@ -1505,13 +4404,7 @@
       </p:grpSpPr>
       <p:sp>
         <p:nvSpPr>
-          <p:cNvPr id="2" name="Título 1">
-            <a:extLst>
-              <a:ext uri="{FF2B5EF4-FFF2-40B4-BE49-F238E27FC236}">
-                <a16:creationId xmlns:a16="http://schemas.microsoft.com/office/drawing/2014/main" id="{C6A31430-D3D2-A0AA-8FC6-7A8D471D1047}"/>
-              </a:ext>
-            </a:extLst>
-          </p:cNvPr>
+          <p:cNvPr id="14" name="Title 1"/>
           <p:cNvSpPr>
             <a:spLocks noGrp="1"/>
           </p:cNvSpPr>
@@ -1521,8 +4414,8 @@
         </p:nvSpPr>
         <p:spPr>
           <a:xfrm>
-            <a:off x="839788" y="365125"/>
-            <a:ext cx="10515600" cy="1325563"/>
+            <a:off x="685801" y="685800"/>
+            <a:ext cx="10394707" cy="1158140"/>
           </a:xfrm>
         </p:spPr>
         <p:txBody>
@@ -1533,19 +4426,13 @@
               <a:rPr lang="es-ES"/>
               <a:t>Haga clic para modificar el estilo de título del patrón</a:t>
             </a:r>
-            <a:endParaRPr lang="es-CO"/>
-          </a:p>
-        </p:txBody>
-      </p:sp>
-      <p:sp>
-        <p:nvSpPr>
-          <p:cNvPr id="3" name="Marcador de texto 2">
-            <a:extLst>
-              <a:ext uri="{FF2B5EF4-FFF2-40B4-BE49-F238E27FC236}">
-                <a16:creationId xmlns:a16="http://schemas.microsoft.com/office/drawing/2014/main" id="{151EBDED-F70A-63E5-A0C7-BBCDBD4CB897}"/>
-              </a:ext>
-            </a:extLst>
-          </p:cNvPr>
+            <a:endParaRPr lang="en-US" dirty="0"/>
+          </a:p>
+        </p:txBody>
+      </p:sp>
+      <p:sp>
+        <p:nvSpPr>
+          <p:cNvPr id="3" name="Text Placeholder 2"/>
           <p:cNvSpPr>
             <a:spLocks noGrp="1"/>
           </p:cNvSpPr>
@@ -1555,16 +4442,25 @@
         </p:nvSpPr>
         <p:spPr>
           <a:xfrm>
-            <a:off x="839788" y="1681163"/>
-            <a:ext cx="5157787" cy="823912"/>
+            <a:off x="918356" y="2063396"/>
+            <a:ext cx="4856158" cy="679994"/>
           </a:xfrm>
         </p:spPr>
         <p:txBody>
-          <a:bodyPr anchor="b"/>
+          <a:bodyPr anchor="b">
+            <a:noAutofit/>
+          </a:bodyPr>
           <a:lstStyle>
             <a:lvl1pPr marL="0" indent="0">
-              <a:buNone/>
-              <a:defRPr sz="2400" b="1"/>
+              <a:lnSpc>
+                <a:spcPct val="90000"/>
+              </a:lnSpc>
+              <a:buNone/>
+              <a:defRPr sz="2600" b="0">
+                <a:solidFill>
+                  <a:schemeClr val="accent1"/>
+                </a:solidFill>
+              </a:defRPr>
             </a:lvl1pPr>
             <a:lvl2pPr marL="457200" indent="0">
               <a:buNone/>
@@ -1610,28 +4506,22 @@
       </p:sp>
       <p:sp>
         <p:nvSpPr>
-          <p:cNvPr id="4" name="Marcador de contenido 3">
-            <a:extLst>
-              <a:ext uri="{FF2B5EF4-FFF2-40B4-BE49-F238E27FC236}">
-                <a16:creationId xmlns:a16="http://schemas.microsoft.com/office/drawing/2014/main" id="{E3E54B76-FA1A-6A8A-0420-4427A2D242C0}"/>
-              </a:ext>
-            </a:extLst>
-          </p:cNvPr>
-          <p:cNvSpPr>
-            <a:spLocks noGrp="1"/>
-          </p:cNvSpPr>
-          <p:nvPr>
-            <p:ph sz="half" idx="2"/>
+          <p:cNvPr id="12" name="Content Placeholder 3"/>
+          <p:cNvSpPr>
+            <a:spLocks noGrp="1"/>
+          </p:cNvSpPr>
+          <p:nvPr>
+            <p:ph sz="quarter" idx="13"/>
           </p:nvPr>
         </p:nvSpPr>
         <p:spPr>
           <a:xfrm>
-            <a:off x="839788" y="2505075"/>
-            <a:ext cx="5157787" cy="3684588"/>
+            <a:off x="685802" y="2861733"/>
+            <a:ext cx="5088712" cy="2512852"/>
           </a:xfrm>
         </p:spPr>
         <p:txBody>
-          <a:bodyPr/>
+          <a:bodyPr anchor="t"/>
           <a:lstStyle/>
           <a:p>
             <a:pPr lvl="0"/>
@@ -1667,19 +4557,13 @@
               <a:rPr lang="es-ES"/>
               <a:t>Quinto nivel</a:t>
             </a:r>
-            <a:endParaRPr lang="es-CO"/>
-          </a:p>
-        </p:txBody>
-      </p:sp>
-      <p:sp>
-        <p:nvSpPr>
-          <p:cNvPr id="5" name="Marcador de texto 4">
-            <a:extLst>
-              <a:ext uri="{FF2B5EF4-FFF2-40B4-BE49-F238E27FC236}">
-                <a16:creationId xmlns:a16="http://schemas.microsoft.com/office/drawing/2014/main" id="{06838ED4-186E-4F41-2362-F5F1A1B85362}"/>
-              </a:ext>
-            </a:extLst>
-          </p:cNvPr>
+            <a:endParaRPr lang="en-US" dirty="0"/>
+          </a:p>
+        </p:txBody>
+      </p:sp>
+      <p:sp>
+        <p:nvSpPr>
+          <p:cNvPr id="5" name="Text Placeholder 4"/>
           <p:cNvSpPr>
             <a:spLocks noGrp="1"/>
           </p:cNvSpPr>
@@ -1689,16 +4573,25 @@
         </p:nvSpPr>
         <p:spPr>
           <a:xfrm>
-            <a:off x="6172200" y="1681163"/>
-            <a:ext cx="5183188" cy="823912"/>
+            <a:off x="6218191" y="2063396"/>
+            <a:ext cx="4864491" cy="679994"/>
           </a:xfrm>
         </p:spPr>
         <p:txBody>
-          <a:bodyPr anchor="b"/>
+          <a:bodyPr anchor="b">
+            <a:noAutofit/>
+          </a:bodyPr>
           <a:lstStyle>
             <a:lvl1pPr marL="0" indent="0">
-              <a:buNone/>
-              <a:defRPr sz="2400" b="1"/>
+              <a:lnSpc>
+                <a:spcPct val="90000"/>
+              </a:lnSpc>
+              <a:buNone/>
+              <a:defRPr sz="2600" b="0">
+                <a:solidFill>
+                  <a:schemeClr val="accent1"/>
+                </a:solidFill>
+              </a:defRPr>
             </a:lvl1pPr>
             <a:lvl2pPr marL="457200" indent="0">
               <a:buNone/>
@@ -1744,28 +4637,22 @@
       </p:sp>
       <p:sp>
         <p:nvSpPr>
-          <p:cNvPr id="6" name="Marcador de contenido 5">
-            <a:extLst>
-              <a:ext uri="{FF2B5EF4-FFF2-40B4-BE49-F238E27FC236}">
-                <a16:creationId xmlns:a16="http://schemas.microsoft.com/office/drawing/2014/main" id="{E1E1579E-BD07-8B2C-D7EA-12636D4C0383}"/>
-              </a:ext>
-            </a:extLst>
-          </p:cNvPr>
-          <p:cNvSpPr>
-            <a:spLocks noGrp="1"/>
-          </p:cNvSpPr>
-          <p:nvPr>
-            <p:ph sz="quarter" idx="4"/>
+          <p:cNvPr id="13" name="Content Placeholder 5"/>
+          <p:cNvSpPr>
+            <a:spLocks noGrp="1"/>
+          </p:cNvSpPr>
+          <p:nvPr>
+            <p:ph sz="quarter" idx="14"/>
           </p:nvPr>
         </p:nvSpPr>
         <p:spPr>
           <a:xfrm>
-            <a:off x="6172200" y="2505075"/>
-            <a:ext cx="5183188" cy="3684588"/>
+            <a:off x="5993969" y="2861733"/>
+            <a:ext cx="5088713" cy="2512852"/>
           </a:xfrm>
         </p:spPr>
         <p:txBody>
-          <a:bodyPr/>
+          <a:bodyPr anchor="t"/>
           <a:lstStyle/>
           <a:p>
             <a:pPr lvl="0"/>
@@ -1801,19 +4688,13 @@
               <a:rPr lang="es-ES"/>
               <a:t>Quinto nivel</a:t>
             </a:r>
-            <a:endParaRPr lang="es-CO"/>
-          </a:p>
-        </p:txBody>
-      </p:sp>
-      <p:sp>
-        <p:nvSpPr>
-          <p:cNvPr id="7" name="Marcador de fecha 6">
-            <a:extLst>
-              <a:ext uri="{FF2B5EF4-FFF2-40B4-BE49-F238E27FC236}">
-                <a16:creationId xmlns:a16="http://schemas.microsoft.com/office/drawing/2014/main" id="{A9A2FE6B-59FE-49AA-9492-9583566040FD}"/>
-              </a:ext>
-            </a:extLst>
-          </p:cNvPr>
+            <a:endParaRPr lang="en-US" dirty="0"/>
+          </a:p>
+        </p:txBody>
+      </p:sp>
+      <p:sp>
+        <p:nvSpPr>
+          <p:cNvPr id="7" name="Date Placeholder 6"/>
           <p:cNvSpPr>
             <a:spLocks noGrp="1"/>
           </p:cNvSpPr>
@@ -1836,13 +4717,7 @@
       </p:sp>
       <p:sp>
         <p:nvSpPr>
-          <p:cNvPr id="8" name="Marcador de pie de página 7">
-            <a:extLst>
-              <a:ext uri="{FF2B5EF4-FFF2-40B4-BE49-F238E27FC236}">
-                <a16:creationId xmlns:a16="http://schemas.microsoft.com/office/drawing/2014/main" id="{1D471B02-33E6-4BF6-8F34-CA808FEEF9E3}"/>
-              </a:ext>
-            </a:extLst>
-          </p:cNvPr>
+          <p:cNvPr id="8" name="Footer Placeholder 7"/>
           <p:cNvSpPr>
             <a:spLocks noGrp="1"/>
           </p:cNvSpPr>
@@ -1861,13 +4736,7 @@
       </p:sp>
       <p:sp>
         <p:nvSpPr>
-          <p:cNvPr id="9" name="Marcador de número de diapositiva 8">
-            <a:extLst>
-              <a:ext uri="{FF2B5EF4-FFF2-40B4-BE49-F238E27FC236}">
-                <a16:creationId xmlns:a16="http://schemas.microsoft.com/office/drawing/2014/main" id="{37EE1674-150E-CCFE-E5F8-E8A81DF93538}"/>
-              </a:ext>
-            </a:extLst>
-          </p:cNvPr>
+          <p:cNvPr id="9" name="Slide Number Placeholder 8"/>
           <p:cNvSpPr>
             <a:spLocks noGrp="1"/>
           </p:cNvSpPr>
@@ -1891,7 +4760,7 @@
     </p:spTree>
     <p:extLst>
       <p:ext uri="{BB962C8B-B14F-4D97-AF65-F5344CB8AC3E}">
-        <p14:creationId xmlns:p14="http://schemas.microsoft.com/office/powerpoint/2010/main" val="1922423182"/>
+        <p14:creationId xmlns:p14="http://schemas.microsoft.com/office/powerpoint/2010/main" val="3571496295"/>
       </p:ext>
     </p:extLst>
   </p:cSld>
@@ -1920,13 +4789,7 @@
       </p:grpSpPr>
       <p:sp>
         <p:nvSpPr>
-          <p:cNvPr id="2" name="Título 1">
-            <a:extLst>
-              <a:ext uri="{FF2B5EF4-FFF2-40B4-BE49-F238E27FC236}">
-                <a16:creationId xmlns:a16="http://schemas.microsoft.com/office/drawing/2014/main" id="{B3DAFF7C-E9EB-8377-CEA0-C01567F8672C}"/>
-              </a:ext>
-            </a:extLst>
-          </p:cNvPr>
+          <p:cNvPr id="2" name="Title 1"/>
           <p:cNvSpPr>
             <a:spLocks noGrp="1"/>
           </p:cNvSpPr>
@@ -1943,19 +4806,13 @@
               <a:rPr lang="es-ES"/>
               <a:t>Haga clic para modificar el estilo de título del patrón</a:t>
             </a:r>
-            <a:endParaRPr lang="es-CO"/>
-          </a:p>
-        </p:txBody>
-      </p:sp>
-      <p:sp>
-        <p:nvSpPr>
-          <p:cNvPr id="3" name="Marcador de fecha 2">
-            <a:extLst>
-              <a:ext uri="{FF2B5EF4-FFF2-40B4-BE49-F238E27FC236}">
-                <a16:creationId xmlns:a16="http://schemas.microsoft.com/office/drawing/2014/main" id="{AB74C72E-AF53-613B-147A-DE018190ADDE}"/>
-              </a:ext>
-            </a:extLst>
-          </p:cNvPr>
+            <a:endParaRPr lang="en-US" dirty="0"/>
+          </a:p>
+        </p:txBody>
+      </p:sp>
+      <p:sp>
+        <p:nvSpPr>
+          <p:cNvPr id="3" name="Date Placeholder 2"/>
           <p:cNvSpPr>
             <a:spLocks noGrp="1"/>
           </p:cNvSpPr>
@@ -1978,13 +4835,7 @@
       </p:sp>
       <p:sp>
         <p:nvSpPr>
-          <p:cNvPr id="4" name="Marcador de pie de página 3">
-            <a:extLst>
-              <a:ext uri="{FF2B5EF4-FFF2-40B4-BE49-F238E27FC236}">
-                <a16:creationId xmlns:a16="http://schemas.microsoft.com/office/drawing/2014/main" id="{8C4C7214-606A-B227-A66A-B76ED923C491}"/>
-              </a:ext>
-            </a:extLst>
-          </p:cNvPr>
+          <p:cNvPr id="4" name="Footer Placeholder 3"/>
           <p:cNvSpPr>
             <a:spLocks noGrp="1"/>
           </p:cNvSpPr>
@@ -2003,13 +4854,7 @@
       </p:sp>
       <p:sp>
         <p:nvSpPr>
-          <p:cNvPr id="5" name="Marcador de número de diapositiva 4">
-            <a:extLst>
-              <a:ext uri="{FF2B5EF4-FFF2-40B4-BE49-F238E27FC236}">
-                <a16:creationId xmlns:a16="http://schemas.microsoft.com/office/drawing/2014/main" id="{CC77D60B-07DB-9944-37D1-11BEF7240148}"/>
-              </a:ext>
-            </a:extLst>
-          </p:cNvPr>
+          <p:cNvPr id="5" name="Slide Number Placeholder 4"/>
           <p:cNvSpPr>
             <a:spLocks noGrp="1"/>
           </p:cNvSpPr>
@@ -2033,7 +4878,7 @@
     </p:spTree>
     <p:extLst>
       <p:ext uri="{BB962C8B-B14F-4D97-AF65-F5344CB8AC3E}">
-        <p14:creationId xmlns:p14="http://schemas.microsoft.com/office/powerpoint/2010/main" val="3287936522"/>
+        <p14:creationId xmlns:p14="http://schemas.microsoft.com/office/powerpoint/2010/main" val="4006045376"/>
       </p:ext>
     </p:extLst>
   </p:cSld>
@@ -2062,13 +4907,7 @@
       </p:grpSpPr>
       <p:sp>
         <p:nvSpPr>
-          <p:cNvPr id="2" name="Marcador de fecha 1">
-            <a:extLst>
-              <a:ext uri="{FF2B5EF4-FFF2-40B4-BE49-F238E27FC236}">
-                <a16:creationId xmlns:a16="http://schemas.microsoft.com/office/drawing/2014/main" id="{6D8C277B-F288-CDB6-1180-9A513FF12871}"/>
-              </a:ext>
-            </a:extLst>
-          </p:cNvPr>
+          <p:cNvPr id="2" name="Date Placeholder 1"/>
           <p:cNvSpPr>
             <a:spLocks noGrp="1"/>
           </p:cNvSpPr>
@@ -2091,13 +4930,7 @@
       </p:sp>
       <p:sp>
         <p:nvSpPr>
-          <p:cNvPr id="3" name="Marcador de pie de página 2">
-            <a:extLst>
-              <a:ext uri="{FF2B5EF4-FFF2-40B4-BE49-F238E27FC236}">
-                <a16:creationId xmlns:a16="http://schemas.microsoft.com/office/drawing/2014/main" id="{F0728541-7EC8-3CDA-2DAA-1DA198716D4C}"/>
-              </a:ext>
-            </a:extLst>
-          </p:cNvPr>
+          <p:cNvPr id="3" name="Footer Placeholder 2"/>
           <p:cNvSpPr>
             <a:spLocks noGrp="1"/>
           </p:cNvSpPr>
@@ -2116,13 +4949,7 @@
       </p:sp>
       <p:sp>
         <p:nvSpPr>
-          <p:cNvPr id="4" name="Marcador de número de diapositiva 3">
-            <a:extLst>
-              <a:ext uri="{FF2B5EF4-FFF2-40B4-BE49-F238E27FC236}">
-                <a16:creationId xmlns:a16="http://schemas.microsoft.com/office/drawing/2014/main" id="{9B8D8F1D-7BC3-D44F-B359-9540EF792C07}"/>
-              </a:ext>
-            </a:extLst>
-          </p:cNvPr>
+          <p:cNvPr id="4" name="Slide Number Placeholder 3"/>
           <p:cNvSpPr>
             <a:spLocks noGrp="1"/>
           </p:cNvSpPr>
@@ -2146,7 +4973,7 @@
     </p:spTree>
     <p:extLst>
       <p:ext uri="{BB962C8B-B14F-4D97-AF65-F5344CB8AC3E}">
-        <p14:creationId xmlns:p14="http://schemas.microsoft.com/office/powerpoint/2010/main" val="2174586486"/>
+        <p14:creationId xmlns:p14="http://schemas.microsoft.com/office/powerpoint/2010/main" val="391561550"/>
       </p:ext>
     </p:extLst>
   </p:cSld>
@@ -2175,13 +5002,7 @@
       </p:grpSpPr>
       <p:sp>
         <p:nvSpPr>
-          <p:cNvPr id="2" name="Título 1">
-            <a:extLst>
-              <a:ext uri="{FF2B5EF4-FFF2-40B4-BE49-F238E27FC236}">
-                <a16:creationId xmlns:a16="http://schemas.microsoft.com/office/drawing/2014/main" id="{0889F334-0317-5E76-0541-1F25C2FAD00D}"/>
-              </a:ext>
-            </a:extLst>
-          </p:cNvPr>
+          <p:cNvPr id="2" name="Title 1"/>
           <p:cNvSpPr>
             <a:spLocks noGrp="1"/>
           </p:cNvSpPr>
@@ -2191,15 +5012,17 @@
         </p:nvSpPr>
         <p:spPr>
           <a:xfrm>
-            <a:off x="839788" y="457200"/>
-            <a:ext cx="3932237" cy="1600200"/>
+            <a:off x="693643" y="685800"/>
+            <a:ext cx="4126860" cy="2023252"/>
           </a:xfrm>
         </p:spPr>
         <p:txBody>
-          <a:bodyPr anchor="b"/>
+          <a:bodyPr anchor="b">
+            <a:normAutofit/>
+          </a:bodyPr>
           <a:lstStyle>
-            <a:lvl1pPr>
-              <a:defRPr sz="3200"/>
+            <a:lvl1pPr algn="ctr">
+              <a:defRPr sz="3600"/>
             </a:lvl1pPr>
           </a:lstStyle>
           <a:p>
@@ -2207,63 +5030,29 @@
               <a:rPr lang="es-ES"/>
               <a:t>Haga clic para modificar el estilo de título del patrón</a:t>
             </a:r>
-            <a:endParaRPr lang="es-CO"/>
-          </a:p>
-        </p:txBody>
-      </p:sp>
-      <p:sp>
-        <p:nvSpPr>
-          <p:cNvPr id="3" name="Marcador de contenido 2">
-            <a:extLst>
-              <a:ext uri="{FF2B5EF4-FFF2-40B4-BE49-F238E27FC236}">
-                <a16:creationId xmlns:a16="http://schemas.microsoft.com/office/drawing/2014/main" id="{290A7988-B3B1-261B-62FD-45F8F1FDDFDB}"/>
-              </a:ext>
-            </a:extLst>
-          </p:cNvPr>
-          <p:cNvSpPr>
-            <a:spLocks noGrp="1"/>
-          </p:cNvSpPr>
-          <p:nvPr>
-            <p:ph idx="1"/>
+            <a:endParaRPr lang="en-US" dirty="0"/>
+          </a:p>
+        </p:txBody>
+      </p:sp>
+      <p:sp>
+        <p:nvSpPr>
+          <p:cNvPr id="10" name="Content Placeholder 2"/>
+          <p:cNvSpPr>
+            <a:spLocks noGrp="1"/>
+          </p:cNvSpPr>
+          <p:nvPr>
+            <p:ph sz="quarter" idx="13"/>
           </p:nvPr>
         </p:nvSpPr>
         <p:spPr>
           <a:xfrm>
-            <a:off x="5183188" y="987425"/>
-            <a:ext cx="6172200" cy="4873625"/>
+            <a:off x="5046132" y="685800"/>
+            <a:ext cx="6034375" cy="4688785"/>
           </a:xfrm>
         </p:spPr>
         <p:txBody>
           <a:bodyPr/>
-          <a:lstStyle>
-            <a:lvl1pPr>
-              <a:defRPr sz="3200"/>
-            </a:lvl1pPr>
-            <a:lvl2pPr>
-              <a:defRPr sz="2800"/>
-            </a:lvl2pPr>
-            <a:lvl3pPr>
-              <a:defRPr sz="2400"/>
-            </a:lvl3pPr>
-            <a:lvl4pPr>
-              <a:defRPr sz="2000"/>
-            </a:lvl4pPr>
-            <a:lvl5pPr>
-              <a:defRPr sz="2000"/>
-            </a:lvl5pPr>
-            <a:lvl6pPr>
-              <a:defRPr sz="2000"/>
-            </a:lvl6pPr>
-            <a:lvl7pPr>
-              <a:defRPr sz="2000"/>
-            </a:lvl7pPr>
-            <a:lvl8pPr>
-              <a:defRPr sz="2000"/>
-            </a:lvl8pPr>
-            <a:lvl9pPr>
-              <a:defRPr sz="2000"/>
-            </a:lvl9pPr>
-          </a:lstStyle>
+          <a:lstStyle/>
           <a:p>
             <a:pPr lvl="0"/>
             <a:r>
@@ -2298,19 +5087,13 @@
               <a:rPr lang="es-ES"/>
               <a:t>Quinto nivel</a:t>
             </a:r>
-            <a:endParaRPr lang="es-CO"/>
-          </a:p>
-        </p:txBody>
-      </p:sp>
-      <p:sp>
-        <p:nvSpPr>
-          <p:cNvPr id="4" name="Marcador de texto 3">
-            <a:extLst>
-              <a:ext uri="{FF2B5EF4-FFF2-40B4-BE49-F238E27FC236}">
-                <a16:creationId xmlns:a16="http://schemas.microsoft.com/office/drawing/2014/main" id="{B2931E1D-A055-E76F-03DE-96648CD8118E}"/>
-              </a:ext>
-            </a:extLst>
-          </p:cNvPr>
+            <a:endParaRPr lang="en-US" dirty="0"/>
+          </a:p>
+        </p:txBody>
+      </p:sp>
+      <p:sp>
+        <p:nvSpPr>
+          <p:cNvPr id="4" name="Text Placeholder 3"/>
           <p:cNvSpPr>
             <a:spLocks noGrp="1"/>
           </p:cNvSpPr>
@@ -2320,16 +5103,18 @@
         </p:nvSpPr>
         <p:spPr>
           <a:xfrm>
-            <a:off x="839788" y="2057400"/>
-            <a:ext cx="3932237" cy="3811588"/>
+            <a:off x="693642" y="2709052"/>
+            <a:ext cx="4126861" cy="2665533"/>
           </a:xfrm>
         </p:spPr>
         <p:txBody>
-          <a:bodyPr/>
+          <a:bodyPr anchor="t">
+            <a:normAutofit/>
+          </a:bodyPr>
           <a:lstStyle>
-            <a:lvl1pPr marL="0" indent="0">
-              <a:buNone/>
-              <a:defRPr sz="1600"/>
+            <a:lvl1pPr marL="0" indent="0" algn="ctr">
+              <a:buNone/>
+              <a:defRPr sz="1800"/>
             </a:lvl1pPr>
             <a:lvl2pPr marL="457200" indent="0">
               <a:buNone/>
@@ -2375,13 +5160,7 @@
       </p:sp>
       <p:sp>
         <p:nvSpPr>
-          <p:cNvPr id="5" name="Marcador de fecha 4">
-            <a:extLst>
-              <a:ext uri="{FF2B5EF4-FFF2-40B4-BE49-F238E27FC236}">
-                <a16:creationId xmlns:a16="http://schemas.microsoft.com/office/drawing/2014/main" id="{CD6426A7-CB3A-0AD9-C4A4-00C7F2AF6236}"/>
-              </a:ext>
-            </a:extLst>
-          </p:cNvPr>
+          <p:cNvPr id="5" name="Date Placeholder 4"/>
           <p:cNvSpPr>
             <a:spLocks noGrp="1"/>
           </p:cNvSpPr>
@@ -2404,13 +5183,7 @@
       </p:sp>
       <p:sp>
         <p:nvSpPr>
-          <p:cNvPr id="6" name="Marcador de pie de página 5">
-            <a:extLst>
-              <a:ext uri="{FF2B5EF4-FFF2-40B4-BE49-F238E27FC236}">
-                <a16:creationId xmlns:a16="http://schemas.microsoft.com/office/drawing/2014/main" id="{445D4585-AB00-C0B1-E6A5-CFAF0D380F19}"/>
-              </a:ext>
-            </a:extLst>
-          </p:cNvPr>
+          <p:cNvPr id="6" name="Footer Placeholder 5"/>
           <p:cNvSpPr>
             <a:spLocks noGrp="1"/>
           </p:cNvSpPr>
@@ -2429,13 +5202,7 @@
       </p:sp>
       <p:sp>
         <p:nvSpPr>
-          <p:cNvPr id="7" name="Marcador de número de diapositiva 6">
-            <a:extLst>
-              <a:ext uri="{FF2B5EF4-FFF2-40B4-BE49-F238E27FC236}">
-                <a16:creationId xmlns:a16="http://schemas.microsoft.com/office/drawing/2014/main" id="{8D75BE5E-C958-7870-E91B-6B976A3C8DE5}"/>
-              </a:ext>
-            </a:extLst>
-          </p:cNvPr>
+          <p:cNvPr id="7" name="Slide Number Placeholder 6"/>
           <p:cNvSpPr>
             <a:spLocks noGrp="1"/>
           </p:cNvSpPr>
@@ -2459,7 +5226,7 @@
     </p:spTree>
     <p:extLst>
       <p:ext uri="{BB962C8B-B14F-4D97-AF65-F5344CB8AC3E}">
-        <p14:creationId xmlns:p14="http://schemas.microsoft.com/office/powerpoint/2010/main" val="3632241827"/>
+        <p14:creationId xmlns:p14="http://schemas.microsoft.com/office/powerpoint/2010/main" val="2153529329"/>
       </p:ext>
     </p:extLst>
   </p:cSld>
@@ -2488,13 +5255,7 @@
       </p:grpSpPr>
       <p:sp>
         <p:nvSpPr>
-          <p:cNvPr id="2" name="Título 1">
-            <a:extLst>
-              <a:ext uri="{FF2B5EF4-FFF2-40B4-BE49-F238E27FC236}">
-                <a16:creationId xmlns:a16="http://schemas.microsoft.com/office/drawing/2014/main" id="{D42C5E85-F99C-E612-5182-9E34C6C9D396}"/>
-              </a:ext>
-            </a:extLst>
-          </p:cNvPr>
+          <p:cNvPr id="2" name="Title 1"/>
           <p:cNvSpPr>
             <a:spLocks noGrp="1"/>
           </p:cNvSpPr>
@@ -2504,15 +5265,17 @@
         </p:nvSpPr>
         <p:spPr>
           <a:xfrm>
-            <a:off x="839788" y="457200"/>
-            <a:ext cx="3932237" cy="1600200"/>
+            <a:off x="685800" y="685800"/>
+            <a:ext cx="6345302" cy="2023252"/>
           </a:xfrm>
         </p:spPr>
         <p:txBody>
-          <a:bodyPr anchor="b"/>
+          <a:bodyPr anchor="b">
+            <a:normAutofit/>
+          </a:bodyPr>
           <a:lstStyle>
-            <a:lvl1pPr>
-              <a:defRPr sz="3200"/>
+            <a:lvl1pPr algn="ctr">
+              <a:defRPr sz="3600"/>
             </a:lvl1pPr>
           </a:lstStyle>
           <a:p>
@@ -2520,21 +5283,15 @@
               <a:rPr lang="es-ES"/>
               <a:t>Haga clic para modificar el estilo de título del patrón</a:t>
             </a:r>
-            <a:endParaRPr lang="es-CO"/>
-          </a:p>
-        </p:txBody>
-      </p:sp>
-      <p:sp>
-        <p:nvSpPr>
-          <p:cNvPr id="3" name="Marcador de posición de imagen 2">
-            <a:extLst>
-              <a:ext uri="{FF2B5EF4-FFF2-40B4-BE49-F238E27FC236}">
-                <a16:creationId xmlns:a16="http://schemas.microsoft.com/office/drawing/2014/main" id="{4F167CEE-A0D8-522A-6463-2C4C1737C3B9}"/>
-              </a:ext>
-            </a:extLst>
-          </p:cNvPr>
-          <p:cNvSpPr>
-            <a:spLocks noGrp="1"/>
+            <a:endParaRPr lang="en-US" dirty="0"/>
+          </a:p>
+        </p:txBody>
+      </p:sp>
+      <p:sp>
+        <p:nvSpPr>
+          <p:cNvPr id="3" name="Picture Placeholder 2"/>
+          <p:cNvSpPr>
+            <a:spLocks noGrp="1" noChangeAspect="1"/>
           </p:cNvSpPr>
           <p:nvPr>
             <p:ph type="pic" idx="1"/>
@@ -2542,14 +5299,22 @@
         </p:nvSpPr>
         <p:spPr>
           <a:xfrm>
-            <a:off x="5183188" y="987425"/>
-            <a:ext cx="6172200" cy="4873625"/>
-          </a:xfrm>
+            <a:off x="7482362" y="0"/>
+            <a:ext cx="3598146" cy="5071533"/>
+          </a:xfrm>
+          <a:ln w="57150" cmpd="thinThick">
+            <a:solidFill>
+              <a:schemeClr val="bg1">
+                <a:lumMod val="50000"/>
+              </a:schemeClr>
+            </a:solidFill>
+            <a:miter lim="800000"/>
+          </a:ln>
         </p:spPr>
         <p:txBody>
-          <a:bodyPr/>
+          <a:bodyPr anchor="t"/>
           <a:lstStyle>
-            <a:lvl1pPr marL="0" indent="0">
+            <a:lvl1pPr marL="0" indent="0" algn="ctr">
               <a:buNone/>
               <a:defRPr sz="3200"/>
             </a:lvl1pPr>
@@ -2587,19 +5352,17 @@
             </a:lvl9pPr>
           </a:lstStyle>
           <a:p>
-            <a:endParaRPr lang="es-CO"/>
-          </a:p>
-        </p:txBody>
-      </p:sp>
-      <p:sp>
-        <p:nvSpPr>
-          <p:cNvPr id="4" name="Marcador de texto 3">
-            <a:extLst>
-              <a:ext uri="{FF2B5EF4-FFF2-40B4-BE49-F238E27FC236}">
-                <a16:creationId xmlns:a16="http://schemas.microsoft.com/office/drawing/2014/main" id="{849ABEB5-ED8E-D00A-EE7F-2456401E6D2B}"/>
-              </a:ext>
-            </a:extLst>
-          </p:cNvPr>
+            <a:r>
+              <a:rPr lang="es-ES"/>
+              <a:t>Haga clic en el icono para agregar una imagen</a:t>
+            </a:r>
+            <a:endParaRPr lang="en-US" dirty="0"/>
+          </a:p>
+        </p:txBody>
+      </p:sp>
+      <p:sp>
+        <p:nvSpPr>
+          <p:cNvPr id="4" name="Text Placeholder 3"/>
           <p:cNvSpPr>
             <a:spLocks noGrp="1"/>
           </p:cNvSpPr>
@@ -2609,16 +5372,18 @@
         </p:nvSpPr>
         <p:spPr>
           <a:xfrm>
-            <a:off x="839788" y="2057400"/>
-            <a:ext cx="3932237" cy="3811588"/>
+            <a:off x="685801" y="2709052"/>
+            <a:ext cx="6345301" cy="2362481"/>
           </a:xfrm>
         </p:spPr>
         <p:txBody>
-          <a:bodyPr/>
+          <a:bodyPr anchor="t">
+            <a:normAutofit/>
+          </a:bodyPr>
           <a:lstStyle>
-            <a:lvl1pPr marL="0" indent="0">
-              <a:buNone/>
-              <a:defRPr sz="1600"/>
+            <a:lvl1pPr marL="0" indent="0" algn="ctr">
+              <a:buNone/>
+              <a:defRPr sz="1800"/>
             </a:lvl1pPr>
             <a:lvl2pPr marL="457200" indent="0">
               <a:buNone/>
@@ -2664,13 +5429,7 @@
       </p:sp>
       <p:sp>
         <p:nvSpPr>
-          <p:cNvPr id="5" name="Marcador de fecha 4">
-            <a:extLst>
-              <a:ext uri="{FF2B5EF4-FFF2-40B4-BE49-F238E27FC236}">
-                <a16:creationId xmlns:a16="http://schemas.microsoft.com/office/drawing/2014/main" id="{D8F068A7-0440-60CE-EF24-F49A72C45204}"/>
-              </a:ext>
-            </a:extLst>
-          </p:cNvPr>
+          <p:cNvPr id="5" name="Date Placeholder 4"/>
           <p:cNvSpPr>
             <a:spLocks noGrp="1"/>
           </p:cNvSpPr>
@@ -2693,13 +5452,7 @@
       </p:sp>
       <p:sp>
         <p:nvSpPr>
-          <p:cNvPr id="6" name="Marcador de pie de página 5">
-            <a:extLst>
-              <a:ext uri="{FF2B5EF4-FFF2-40B4-BE49-F238E27FC236}">
-                <a16:creationId xmlns:a16="http://schemas.microsoft.com/office/drawing/2014/main" id="{85686A72-C7AD-771F-A4D1-D5F4978B9498}"/>
-              </a:ext>
-            </a:extLst>
-          </p:cNvPr>
+          <p:cNvPr id="6" name="Footer Placeholder 5"/>
           <p:cNvSpPr>
             <a:spLocks noGrp="1"/>
           </p:cNvSpPr>
@@ -2718,13 +5471,7 @@
       </p:sp>
       <p:sp>
         <p:nvSpPr>
-          <p:cNvPr id="7" name="Marcador de número de diapositiva 6">
-            <a:extLst>
-              <a:ext uri="{FF2B5EF4-FFF2-40B4-BE49-F238E27FC236}">
-                <a16:creationId xmlns:a16="http://schemas.microsoft.com/office/drawing/2014/main" id="{CFD0F8A7-577D-8C86-B079-9D1008B8EDE2}"/>
-              </a:ext>
-            </a:extLst>
-          </p:cNvPr>
+          <p:cNvPr id="7" name="Slide Number Placeholder 6"/>
           <p:cNvSpPr>
             <a:spLocks noGrp="1"/>
           </p:cNvSpPr>
@@ -2748,7 +5495,7 @@
     </p:spTree>
     <p:extLst>
       <p:ext uri="{BB962C8B-B14F-4D97-AF65-F5344CB8AC3E}">
-        <p14:creationId xmlns:p14="http://schemas.microsoft.com/office/powerpoint/2010/main" val="3560652635"/>
+        <p14:creationId xmlns:p14="http://schemas.microsoft.com/office/powerpoint/2010/main" val="3327171243"/>
       </p:ext>
     </p:extLst>
   </p:cSld>
@@ -2762,7 +5509,7 @@
 <p:sldMaster xmlns:a="http://schemas.openxmlformats.org/drawingml/2006/main" xmlns:r="http://schemas.openxmlformats.org/officeDocument/2006/relationships" xmlns:p="http://schemas.openxmlformats.org/presentationml/2006/main">
   <p:cSld>
     <p:bg>
-      <p:bgRef idx="1001">
+      <p:bgRef idx="1003">
         <a:schemeClr val="bg1"/>
       </p:bgRef>
     </p:bg>
@@ -2780,146 +5527,318 @@
           <a:chExt cx="0" cy="0"/>
         </a:xfrm>
       </p:grpSpPr>
-      <p:sp>
-        <p:nvSpPr>
-          <p:cNvPr id="2" name="Marcador de título 1">
+      <p:pic>
+        <p:nvPicPr>
+          <p:cNvPr id="7" name="Picture 6" descr="Brickwork-HD-R1a.jpg"/>
+          <p:cNvPicPr>
+            <a:picLocks noChangeAspect="1"/>
+          </p:cNvPicPr>
+          <p:nvPr/>
+        </p:nvPicPr>
+        <p:blipFill>
+          <a:blip r:embed="rId20">
             <a:extLst>
-              <a:ext uri="{FF2B5EF4-FFF2-40B4-BE49-F238E27FC236}">
-                <a16:creationId xmlns:a16="http://schemas.microsoft.com/office/drawing/2014/main" id="{BA731437-7A76-DD9F-334A-2768A845C507}"/>
+              <a:ext uri="{28A0092B-C50C-407E-A947-70E740481C1C}">
+                <a14:useLocalDpi xmlns:a14="http://schemas.microsoft.com/office/drawing/2010/main" val="0"/>
               </a:ext>
             </a:extLst>
-          </p:cNvPr>
-          <p:cNvSpPr>
-            <a:spLocks noGrp="1"/>
-          </p:cNvSpPr>
-          <p:nvPr>
-            <p:ph type="title"/>
-          </p:nvPr>
-        </p:nvSpPr>
+          </a:blip>
+          <a:stretch>
+            <a:fillRect/>
+          </a:stretch>
+        </p:blipFill>
         <p:spPr>
           <a:xfrm>
-            <a:off x="838200" y="365125"/>
-            <a:ext cx="10515600" cy="1325563"/>
+            <a:off x="0" y="0"/>
+            <a:ext cx="12192000" cy="6858000"/>
           </a:xfrm>
           <a:prstGeom prst="rect">
             <a:avLst/>
           </a:prstGeom>
         </p:spPr>
-        <p:txBody>
-          <a:bodyPr vert="horz" lIns="91440" tIns="45720" rIns="91440" bIns="45720" rtlCol="0" anchor="ctr">
-            <a:normAutofit/>
-          </a:bodyPr>
-          <a:lstStyle/>
-          <a:p>
-            <a:r>
-              <a:rPr lang="es-ES"/>
-              <a:t>Haga clic para modificar el estilo de título del patrón</a:t>
-            </a:r>
-            <a:endParaRPr lang="es-CO"/>
-          </a:p>
-        </p:txBody>
-      </p:sp>
-      <p:sp>
-        <p:nvSpPr>
-          <p:cNvPr id="3" name="Marcador de texto 2">
-            <a:extLst>
-              <a:ext uri="{FF2B5EF4-FFF2-40B4-BE49-F238E27FC236}">
-                <a16:creationId xmlns:a16="http://schemas.microsoft.com/office/drawing/2014/main" id="{626B73A0-9A41-1FF4-942B-C4B1525F9EEB}"/>
-              </a:ext>
-            </a:extLst>
-          </p:cNvPr>
-          <p:cNvSpPr>
-            <a:spLocks noGrp="1"/>
-          </p:cNvSpPr>
-          <p:nvPr>
-            <p:ph type="body" idx="1"/>
+      </p:pic>
+      <p:grpSp>
+        <p:nvGrpSpPr>
+          <p:cNvPr id="10" name="Group 9"/>
+          <p:cNvGrpSpPr/>
+          <p:nvPr/>
+        </p:nvGrpSpPr>
+        <p:grpSpPr>
+          <a:xfrm>
+            <a:off x="-25397" y="0"/>
+            <a:ext cx="12005350" cy="6644081"/>
+            <a:chOff x="-25397" y="0"/>
+            <a:chExt cx="12005350" cy="6644081"/>
+          </a:xfrm>
+        </p:grpSpPr>
+        <p:sp useBgFill="1">
+          <p:nvSpPr>
+            <p:cNvPr id="11" name="Rectangle 10"/>
+            <p:cNvSpPr/>
+            <p:nvPr/>
+          </p:nvSpPr>
+          <p:spPr>
+            <a:xfrm>
+              <a:off x="1" y="0"/>
+              <a:ext cx="11979952" cy="6644081"/>
+            </a:xfrm>
+            <a:prstGeom prst="rect">
+              <a:avLst/>
+            </a:prstGeom>
+            <a:ln>
+              <a:noFill/>
+            </a:ln>
+            <a:effectLst>
+              <a:outerShdw blurRad="98425" dist="76200" dir="4380000" algn="tl" rotWithShape="0">
+                <a:srgbClr val="000000">
+                  <a:alpha val="68000"/>
+                </a:srgbClr>
+              </a:outerShdw>
+            </a:effectLst>
+          </p:spPr>
+          <p:style>
+            <a:lnRef idx="1">
+              <a:schemeClr val="accent1"/>
+            </a:lnRef>
+            <a:fillRef idx="3">
+              <a:schemeClr val="accent1"/>
+            </a:fillRef>
+            <a:effectRef idx="2">
+              <a:schemeClr val="accent1"/>
+            </a:effectRef>
+            <a:fontRef idx="minor">
+              <a:schemeClr val="lt1"/>
+            </a:fontRef>
+          </p:style>
+        </p:sp>
+        <p:sp>
+          <p:nvSpPr>
+            <p:cNvPr id="12" name="Freeform 11"/>
+            <p:cNvSpPr/>
+            <p:nvPr/>
+          </p:nvSpPr>
+          <p:spPr>
+            <a:xfrm>
+              <a:off x="-25397" y="0"/>
+              <a:ext cx="11773291" cy="6419514"/>
+            </a:xfrm>
+            <a:custGeom>
+              <a:avLst/>
+              <a:gdLst/>
+              <a:ahLst/>
+              <a:cxnLst/>
+              <a:rect l="l" t="t" r="r" b="b"/>
+              <a:pathLst>
+                <a:path w="11773291" h="6419514">
+                  <a:moveTo>
+                    <a:pt x="11750059" y="0"/>
+                  </a:moveTo>
+                  <a:lnTo>
+                    <a:pt x="11773291" y="6419514"/>
+                  </a:lnTo>
+                  <a:lnTo>
+                    <a:pt x="0" y="6411047"/>
+                  </a:lnTo>
+                </a:path>
+              </a:pathLst>
+            </a:custGeom>
+            <a:ln w="82550">
+              <a:solidFill>
+                <a:schemeClr val="tx1">
+                  <a:lumMod val="50000"/>
+                  <a:lumOff val="50000"/>
+                </a:schemeClr>
+              </a:solidFill>
+              <a:miter lim="800000"/>
+            </a:ln>
+          </p:spPr>
+          <p:style>
+            <a:lnRef idx="2">
+              <a:schemeClr val="accent1"/>
+            </a:lnRef>
+            <a:fillRef idx="0">
+              <a:schemeClr val="accent1"/>
+            </a:fillRef>
+            <a:effectRef idx="1">
+              <a:schemeClr val="accent1"/>
+            </a:effectRef>
+            <a:fontRef idx="minor">
+              <a:schemeClr val="tx1"/>
+            </a:fontRef>
+          </p:style>
+        </p:sp>
+        <p:sp>
+          <p:nvSpPr>
+            <p:cNvPr id="13" name="Rectangle 12"/>
+            <p:cNvSpPr/>
+            <p:nvPr/>
+          </p:nvSpPr>
+          <p:spPr>
+            <a:xfrm>
+              <a:off x="1" y="5600215"/>
+              <a:ext cx="11706512" cy="780581"/>
+            </a:xfrm>
+            <a:prstGeom prst="rect">
+              <a:avLst/>
+            </a:prstGeom>
+            <a:gradFill flip="none" rotWithShape="1">
+              <a:gsLst>
+                <a:gs pos="34000">
+                  <a:schemeClr val="accent1"/>
+                </a:gs>
+                <a:gs pos="100000">
+                  <a:schemeClr val="accent1">
+                    <a:lumMod val="50000"/>
+                  </a:schemeClr>
+                </a:gs>
+              </a:gsLst>
+              <a:path path="circle">
+                <a:fillToRect l="50000" t="50000" r="50000" b="50000"/>
+              </a:path>
+              <a:tileRect/>
+            </a:gradFill>
+            <a:ln>
+              <a:noFill/>
+            </a:ln>
+          </p:spPr>
+          <p:style>
+            <a:lnRef idx="1">
+              <a:schemeClr val="accent1"/>
+            </a:lnRef>
+            <a:fillRef idx="3">
+              <a:schemeClr val="accent1"/>
+            </a:fillRef>
+            <a:effectRef idx="2">
+              <a:schemeClr val="accent1"/>
+            </a:effectRef>
+            <a:fontRef idx="minor">
+              <a:schemeClr val="lt1"/>
+            </a:fontRef>
+          </p:style>
+        </p:sp>
+      </p:grpSp>
+      <p:sp>
+        <p:nvSpPr>
+          <p:cNvPr id="2" name="Title Placeholder 1"/>
+          <p:cNvSpPr>
+            <a:spLocks noGrp="1"/>
+          </p:cNvSpPr>
+          <p:nvPr>
+            <p:ph type="title"/>
           </p:nvPr>
         </p:nvSpPr>
         <p:spPr>
           <a:xfrm>
-            <a:off x="838200" y="1825625"/>
-            <a:ext cx="10515600" cy="4351338"/>
+            <a:off x="685801" y="685800"/>
+            <a:ext cx="10396882" cy="1151965"/>
           </a:xfrm>
           <a:prstGeom prst="rect">
             <a:avLst/>
           </a:prstGeom>
         </p:spPr>
         <p:txBody>
-          <a:bodyPr vert="horz" lIns="91440" tIns="45720" rIns="91440" bIns="45720" rtlCol="0">
+          <a:bodyPr vert="horz" lIns="91440" tIns="45720" rIns="91440" bIns="45720" rtlCol="0" anchor="ctr">
             <a:normAutofit/>
           </a:bodyPr>
           <a:lstStyle/>
           <a:p>
-            <a:pPr lvl="0"/>
-            <a:r>
-              <a:rPr lang="es-ES"/>
-              <a:t>Haga clic para modificar los estilos de texto del patrón</a:t>
-            </a:r>
-          </a:p>
-          <a:p>
-            <a:pPr lvl="1"/>
-            <a:r>
-              <a:rPr lang="es-ES"/>
-              <a:t>Segundo nivel</a:t>
-            </a:r>
-          </a:p>
-          <a:p>
-            <a:pPr lvl="2"/>
-            <a:r>
-              <a:rPr lang="es-ES"/>
-              <a:t>Tercer nivel</a:t>
-            </a:r>
-          </a:p>
-          <a:p>
-            <a:pPr lvl="3"/>
-            <a:r>
-              <a:rPr lang="es-ES"/>
-              <a:t>Cuarto nivel</a:t>
-            </a:r>
-          </a:p>
-          <a:p>
-            <a:pPr lvl="4"/>
-            <a:r>
-              <a:rPr lang="es-ES"/>
-              <a:t>Quinto nivel</a:t>
-            </a:r>
-            <a:endParaRPr lang="es-CO"/>
-          </a:p>
-        </p:txBody>
-      </p:sp>
-      <p:sp>
-        <p:nvSpPr>
-          <p:cNvPr id="4" name="Marcador de fecha 3">
-            <a:extLst>
-              <a:ext uri="{FF2B5EF4-FFF2-40B4-BE49-F238E27FC236}">
-                <a16:creationId xmlns:a16="http://schemas.microsoft.com/office/drawing/2014/main" id="{4069682F-A0F4-98EB-0AEA-52EBFCCE42A7}"/>
-              </a:ext>
-            </a:extLst>
-          </p:cNvPr>
-          <p:cNvSpPr>
-            <a:spLocks noGrp="1"/>
-          </p:cNvSpPr>
-          <p:nvPr>
-            <p:ph type="dt" sz="half" idx="2"/>
+            <a:r>
+              <a:rPr lang="es-ES"/>
+              <a:t>Haga clic para modificar el estilo de título del patrón</a:t>
+            </a:r>
+            <a:endParaRPr lang="en-US" dirty="0"/>
+          </a:p>
+        </p:txBody>
+      </p:sp>
+      <p:sp>
+        <p:nvSpPr>
+          <p:cNvPr id="3" name="Text Placeholder 2"/>
+          <p:cNvSpPr>
+            <a:spLocks noGrp="1"/>
+          </p:cNvSpPr>
+          <p:nvPr>
+            <p:ph type="body" idx="1"/>
           </p:nvPr>
         </p:nvSpPr>
         <p:spPr>
           <a:xfrm>
-            <a:off x="838200" y="6356350"/>
-            <a:ext cx="2743200" cy="365125"/>
+            <a:off x="685800" y="2063396"/>
+            <a:ext cx="10396883" cy="3311189"/>
           </a:xfrm>
           <a:prstGeom prst="rect">
             <a:avLst/>
           </a:prstGeom>
         </p:spPr>
         <p:txBody>
+          <a:bodyPr vert="horz" lIns="91440" tIns="45720" rIns="91440" bIns="45720" rtlCol="0" anchor="ctr">
+            <a:normAutofit/>
+          </a:bodyPr>
+          <a:lstStyle/>
+          <a:p>
+            <a:pPr lvl="0"/>
+            <a:r>
+              <a:rPr lang="es-ES"/>
+              <a:t>Haga clic para modificar los estilos de texto del patrón</a:t>
+            </a:r>
+          </a:p>
+          <a:p>
+            <a:pPr lvl="1"/>
+            <a:r>
+              <a:rPr lang="es-ES"/>
+              <a:t>Segundo nivel</a:t>
+            </a:r>
+          </a:p>
+          <a:p>
+            <a:pPr lvl="2"/>
+            <a:r>
+              <a:rPr lang="es-ES"/>
+              <a:t>Tercer nivel</a:t>
+            </a:r>
+          </a:p>
+          <a:p>
+            <a:pPr lvl="3"/>
+            <a:r>
+              <a:rPr lang="es-ES"/>
+              <a:t>Cuarto nivel</a:t>
+            </a:r>
+          </a:p>
+          <a:p>
+            <a:pPr lvl="4"/>
+            <a:r>
+              <a:rPr lang="es-ES"/>
+              <a:t>Quinto nivel</a:t>
+            </a:r>
+            <a:endParaRPr lang="en-US" dirty="0"/>
+          </a:p>
+        </p:txBody>
+      </p:sp>
+      <p:sp>
+        <p:nvSpPr>
+          <p:cNvPr id="4" name="Date Placeholder 3"/>
+          <p:cNvSpPr>
+            <a:spLocks noGrp="1"/>
+          </p:cNvSpPr>
+          <p:nvPr>
+            <p:ph type="dt" sz="half" idx="2"/>
+          </p:nvPr>
+        </p:nvSpPr>
+        <p:spPr>
+          <a:xfrm>
+            <a:off x="7298083" y="5757334"/>
+            <a:ext cx="3784600" cy="498470"/>
+          </a:xfrm>
+          <a:prstGeom prst="rect">
+            <a:avLst/>
+          </a:prstGeom>
+        </p:spPr>
+        <p:txBody>
           <a:bodyPr vert="horz" lIns="91440" tIns="45720" rIns="91440" bIns="45720" rtlCol="0" anchor="ctr"/>
           <a:lstStyle>
-            <a:lvl1pPr algn="l">
-              <a:defRPr sz="1200">
+            <a:lvl1pPr algn="r">
+              <a:defRPr sz="3200" cap="all" baseline="0">
                 <a:solidFill>
-                  <a:schemeClr val="tx1">
-                    <a:tint val="75000"/>
+                  <a:schemeClr val="accent1">
+                    <a:lumMod val="50000"/>
                   </a:schemeClr>
                 </a:solidFill>
               </a:defRPr>
@@ -2936,13 +5855,7 @@
       </p:sp>
       <p:sp>
         <p:nvSpPr>
-          <p:cNvPr id="5" name="Marcador de pie de página 4">
-            <a:extLst>
-              <a:ext uri="{FF2B5EF4-FFF2-40B4-BE49-F238E27FC236}">
-                <a16:creationId xmlns:a16="http://schemas.microsoft.com/office/drawing/2014/main" id="{D0671A42-1975-91F8-3E9D-FA0CB32AC654}"/>
-              </a:ext>
-            </a:extLst>
-          </p:cNvPr>
+          <p:cNvPr id="5" name="Footer Placeholder 4"/>
           <p:cNvSpPr>
             <a:spLocks noGrp="1"/>
           </p:cNvSpPr>
@@ -2952,8 +5865,8 @@
         </p:nvSpPr>
         <p:spPr>
           <a:xfrm>
-            <a:off x="4038600" y="6356350"/>
-            <a:ext cx="4114800" cy="365125"/>
+            <a:off x="685801" y="5757334"/>
+            <a:ext cx="5499719" cy="498470"/>
           </a:xfrm>
           <a:prstGeom prst="rect">
             <a:avLst/>
@@ -2962,11 +5875,11 @@
         <p:txBody>
           <a:bodyPr vert="horz" lIns="91440" tIns="45720" rIns="91440" bIns="45720" rtlCol="0" anchor="ctr"/>
           <a:lstStyle>
-            <a:lvl1pPr algn="ctr">
-              <a:defRPr sz="1200">
+            <a:lvl1pPr algn="l">
+              <a:defRPr sz="3200" cap="all" baseline="0">
                 <a:solidFill>
-                  <a:schemeClr val="tx1">
-                    <a:tint val="75000"/>
+                  <a:schemeClr val="accent1">
+                    <a:lumMod val="50000"/>
                   </a:schemeClr>
                 </a:solidFill>
               </a:defRPr>
@@ -2979,13 +5892,7 @@
       </p:sp>
       <p:sp>
         <p:nvSpPr>
-          <p:cNvPr id="6" name="Marcador de número de diapositiva 5">
-            <a:extLst>
-              <a:ext uri="{FF2B5EF4-FFF2-40B4-BE49-F238E27FC236}">
-                <a16:creationId xmlns:a16="http://schemas.microsoft.com/office/drawing/2014/main" id="{D02F7EF7-2A5F-709B-0D01-B62090833B09}"/>
-              </a:ext>
-            </a:extLst>
-          </p:cNvPr>
+          <p:cNvPr id="6" name="Slide Number Placeholder 5"/>
           <p:cNvSpPr>
             <a:spLocks noGrp="1"/>
           </p:cNvSpPr>
@@ -2995,8 +5902,8 @@
         </p:nvSpPr>
         <p:spPr>
           <a:xfrm>
-            <a:off x="8610600" y="6356350"/>
-            <a:ext cx="2743200" cy="365125"/>
+            <a:off x="6287121" y="5757334"/>
+            <a:ext cx="907186" cy="498470"/>
           </a:xfrm>
           <a:prstGeom prst="rect">
             <a:avLst/>
@@ -3005,11 +5912,11 @@
         <p:txBody>
           <a:bodyPr vert="horz" lIns="91440" tIns="45720" rIns="91440" bIns="45720" rtlCol="0" anchor="ctr"/>
           <a:lstStyle>
-            <a:lvl1pPr algn="r">
-              <a:defRPr sz="1200">
+            <a:lvl1pPr algn="ctr">
+              <a:defRPr sz="3200" cap="all" baseline="0">
                 <a:solidFill>
-                  <a:schemeClr val="tx1">
-                    <a:tint val="75000"/>
+                  <a:schemeClr val="accent1">
+                    <a:lumMod val="50000"/>
                   </a:schemeClr>
                 </a:solidFill>
               </a:defRPr>
@@ -3027,23 +5934,30 @@
     </p:spTree>
     <p:extLst>
       <p:ext uri="{BB962C8B-B14F-4D97-AF65-F5344CB8AC3E}">
-        <p14:creationId xmlns:p14="http://schemas.microsoft.com/office/powerpoint/2010/main" val="2602275323"/>
+        <p14:creationId xmlns:p14="http://schemas.microsoft.com/office/powerpoint/2010/main" val="206545836"/>
       </p:ext>
     </p:extLst>
   </p:cSld>
   <p:clrMap bg1="lt1" tx1="dk1" bg2="lt2" tx2="dk2" accent1="accent1" accent2="accent2" accent3="accent3" accent4="accent4" accent5="accent5" accent6="accent6" hlink="hlink" folHlink="folHlink"/>
   <p:sldLayoutIdLst>
-    <p:sldLayoutId id="2147483649" r:id="rId1"/>
-    <p:sldLayoutId id="2147483650" r:id="rId2"/>
-    <p:sldLayoutId id="2147483651" r:id="rId3"/>
-    <p:sldLayoutId id="2147483652" r:id="rId4"/>
-    <p:sldLayoutId id="2147483653" r:id="rId5"/>
-    <p:sldLayoutId id="2147483654" r:id="rId6"/>
-    <p:sldLayoutId id="2147483655" r:id="rId7"/>
-    <p:sldLayoutId id="2147483656" r:id="rId8"/>
-    <p:sldLayoutId id="2147483657" r:id="rId9"/>
-    <p:sldLayoutId id="2147483658" r:id="rId10"/>
-    <p:sldLayoutId id="2147483659" r:id="rId11"/>
+    <p:sldLayoutId id="2147483692" r:id="rId1"/>
+    <p:sldLayoutId id="2147483693" r:id="rId2"/>
+    <p:sldLayoutId id="2147483694" r:id="rId3"/>
+    <p:sldLayoutId id="2147483695" r:id="rId4"/>
+    <p:sldLayoutId id="2147483696" r:id="rId5"/>
+    <p:sldLayoutId id="2147483697" r:id="rId6"/>
+    <p:sldLayoutId id="2147483698" r:id="rId7"/>
+    <p:sldLayoutId id="2147483699" r:id="rId8"/>
+    <p:sldLayoutId id="2147483700" r:id="rId9"/>
+    <p:sldLayoutId id="2147483701" r:id="rId10"/>
+    <p:sldLayoutId id="2147483702" r:id="rId11"/>
+    <p:sldLayoutId id="2147483703" r:id="rId12"/>
+    <p:sldLayoutId id="2147483704" r:id="rId13"/>
+    <p:sldLayoutId id="2147483705" r:id="rId14"/>
+    <p:sldLayoutId id="2147483706" r:id="rId15"/>
+    <p:sldLayoutId id="2147483707" r:id="rId16"/>
+    <p:sldLayoutId id="2147483708" r:id="rId17"/>
+    <p:sldLayoutId id="2147483709" r:id="rId18"/>
   </p:sldLayoutIdLst>
   <p:txStyles>
     <p:titleStyle>
@@ -3055,10 +5969,11 @@
           <a:spcPct val="0"/>
         </a:spcBef>
         <a:buNone/>
-        <a:defRPr sz="4400" kern="1200">
+        <a:defRPr sz="5400" kern="1200" cap="all" baseline="0">
           <a:solidFill>
-            <a:schemeClr val="tx1"/>
+            <a:schemeClr val="accent1"/>
           </a:solidFill>
+          <a:effectLst/>
           <a:latin typeface="+mj-lt"/>
           <a:ea typeface="+mj-ea"/>
           <a:cs typeface="+mj-cs"/>
@@ -3068,17 +5983,22 @@
     <p:bodyStyle>
       <a:lvl1pPr marL="228600" indent="-228600" algn="l" defTabSz="914400" rtl="0" eaLnBrk="1" latinLnBrk="0" hangingPunct="1">
         <a:lnSpc>
-          <a:spcPct val="90000"/>
+          <a:spcPct val="120000"/>
         </a:lnSpc>
         <a:spcBef>
           <a:spcPts val="1000"/>
         </a:spcBef>
+        <a:buClr>
+          <a:schemeClr val="accent1"/>
+        </a:buClr>
+        <a:buSzPct val="160000"/>
         <a:buFont typeface="Arial" panose="020B0604020202020204" pitchFamily="34" charset="0"/>
         <a:buChar char="•"/>
-        <a:defRPr sz="2800" kern="1200">
+        <a:defRPr sz="2000" kern="1200" cap="all" baseline="0">
           <a:solidFill>
             <a:schemeClr val="tx1"/>
           </a:solidFill>
+          <a:effectLst/>
           <a:latin typeface="+mn-lt"/>
           <a:ea typeface="+mn-ea"/>
           <a:cs typeface="+mn-cs"/>
@@ -3086,17 +6006,22 @@
       </a:lvl1pPr>
       <a:lvl2pPr marL="685800" indent="-228600" algn="l" defTabSz="914400" rtl="0" eaLnBrk="1" latinLnBrk="0" hangingPunct="1">
         <a:lnSpc>
-          <a:spcPct val="90000"/>
+          <a:spcPct val="120000"/>
         </a:lnSpc>
         <a:spcBef>
           <a:spcPts val="500"/>
         </a:spcBef>
+        <a:buClr>
+          <a:schemeClr val="accent1"/>
+        </a:buClr>
+        <a:buSzPct val="160000"/>
         <a:buFont typeface="Arial" panose="020B0604020202020204" pitchFamily="34" charset="0"/>
         <a:buChar char="•"/>
-        <a:defRPr sz="2400" kern="1200">
+        <a:defRPr sz="1800" kern="1200" cap="all" baseline="0">
           <a:solidFill>
             <a:schemeClr val="tx1"/>
           </a:solidFill>
+          <a:effectLst/>
           <a:latin typeface="+mn-lt"/>
           <a:ea typeface="+mn-ea"/>
           <a:cs typeface="+mn-cs"/>
@@ -3104,17 +6029,22 @@
       </a:lvl2pPr>
       <a:lvl3pPr marL="1143000" indent="-228600" algn="l" defTabSz="914400" rtl="0" eaLnBrk="1" latinLnBrk="0" hangingPunct="1">
         <a:lnSpc>
-          <a:spcPct val="90000"/>
+          <a:spcPct val="120000"/>
         </a:lnSpc>
         <a:spcBef>
           <a:spcPts val="500"/>
         </a:spcBef>
+        <a:buClr>
+          <a:schemeClr val="accent1"/>
+        </a:buClr>
+        <a:buSzPct val="160000"/>
         <a:buFont typeface="Arial" panose="020B0604020202020204" pitchFamily="34" charset="0"/>
         <a:buChar char="•"/>
-        <a:defRPr sz="2000" kern="1200">
+        <a:defRPr sz="1600" kern="1200" cap="all" baseline="0">
           <a:solidFill>
             <a:schemeClr val="tx1"/>
           </a:solidFill>
+          <a:effectLst/>
           <a:latin typeface="+mn-lt"/>
           <a:ea typeface="+mn-ea"/>
           <a:cs typeface="+mn-cs"/>
@@ -3122,17 +6052,22 @@
       </a:lvl3pPr>
       <a:lvl4pPr marL="1600200" indent="-228600" algn="l" defTabSz="914400" rtl="0" eaLnBrk="1" latinLnBrk="0" hangingPunct="1">
         <a:lnSpc>
-          <a:spcPct val="90000"/>
+          <a:spcPct val="120000"/>
         </a:lnSpc>
         <a:spcBef>
           <a:spcPts val="500"/>
         </a:spcBef>
+        <a:buClr>
+          <a:schemeClr val="accent1"/>
+        </a:buClr>
+        <a:buSzPct val="160000"/>
         <a:buFont typeface="Arial" panose="020B0604020202020204" pitchFamily="34" charset="0"/>
         <a:buChar char="•"/>
-        <a:defRPr sz="1800" kern="1200">
+        <a:defRPr sz="1400" kern="1200" cap="all" baseline="0">
           <a:solidFill>
             <a:schemeClr val="tx1"/>
           </a:solidFill>
+          <a:effectLst/>
           <a:latin typeface="+mn-lt"/>
           <a:ea typeface="+mn-ea"/>
           <a:cs typeface="+mn-cs"/>
@@ -3140,17 +6075,22 @@
       </a:lvl4pPr>
       <a:lvl5pPr marL="2057400" indent="-228600" algn="l" defTabSz="914400" rtl="0" eaLnBrk="1" latinLnBrk="0" hangingPunct="1">
         <a:lnSpc>
-          <a:spcPct val="90000"/>
+          <a:spcPct val="120000"/>
         </a:lnSpc>
         <a:spcBef>
           <a:spcPts val="500"/>
         </a:spcBef>
+        <a:buClr>
+          <a:schemeClr val="accent1"/>
+        </a:buClr>
+        <a:buSzPct val="160000"/>
         <a:buFont typeface="Arial" panose="020B0604020202020204" pitchFamily="34" charset="0"/>
         <a:buChar char="•"/>
-        <a:defRPr sz="1800" kern="1200">
+        <a:defRPr sz="1400" kern="1200" cap="all" baseline="0">
           <a:solidFill>
             <a:schemeClr val="tx1"/>
           </a:solidFill>
+          <a:effectLst/>
           <a:latin typeface="+mn-lt"/>
           <a:ea typeface="+mn-ea"/>
           <a:cs typeface="+mn-cs"/>
@@ -3158,17 +6098,22 @@
       </a:lvl5pPr>
       <a:lvl6pPr marL="2514600" indent="-228600" algn="l" defTabSz="914400" rtl="0" eaLnBrk="1" latinLnBrk="0" hangingPunct="1">
         <a:lnSpc>
-          <a:spcPct val="90000"/>
+          <a:spcPct val="120000"/>
         </a:lnSpc>
         <a:spcBef>
           <a:spcPts val="500"/>
         </a:spcBef>
+        <a:buClr>
+          <a:schemeClr val="accent1"/>
+        </a:buClr>
+        <a:buSzPct val="160000"/>
         <a:buFont typeface="Arial" panose="020B0604020202020204" pitchFamily="34" charset="0"/>
         <a:buChar char="•"/>
-        <a:defRPr sz="1800" kern="1200">
+        <a:defRPr sz="1400" kern="1200" cap="all" baseline="0">
           <a:solidFill>
             <a:schemeClr val="tx1"/>
           </a:solidFill>
+          <a:effectLst/>
           <a:latin typeface="+mn-lt"/>
           <a:ea typeface="+mn-ea"/>
           <a:cs typeface="+mn-cs"/>
@@ -3176,17 +6121,22 @@
       </a:lvl6pPr>
       <a:lvl7pPr marL="2971800" indent="-228600" algn="l" defTabSz="914400" rtl="0" eaLnBrk="1" latinLnBrk="0" hangingPunct="1">
         <a:lnSpc>
-          <a:spcPct val="90000"/>
+          <a:spcPct val="120000"/>
         </a:lnSpc>
         <a:spcBef>
           <a:spcPts val="500"/>
         </a:spcBef>
+        <a:buClr>
+          <a:schemeClr val="accent1"/>
+        </a:buClr>
+        <a:buSzPct val="160000"/>
         <a:buFont typeface="Arial" panose="020B0604020202020204" pitchFamily="34" charset="0"/>
         <a:buChar char="•"/>
-        <a:defRPr sz="1800" kern="1200">
+        <a:defRPr sz="1400" kern="1200" cap="all" baseline="0">
           <a:solidFill>
             <a:schemeClr val="tx1"/>
           </a:solidFill>
+          <a:effectLst/>
           <a:latin typeface="+mn-lt"/>
           <a:ea typeface="+mn-ea"/>
           <a:cs typeface="+mn-cs"/>
@@ -3194,17 +6144,22 @@
       </a:lvl7pPr>
       <a:lvl8pPr marL="3429000" indent="-228600" algn="l" defTabSz="914400" rtl="0" eaLnBrk="1" latinLnBrk="0" hangingPunct="1">
         <a:lnSpc>
-          <a:spcPct val="90000"/>
+          <a:spcPct val="120000"/>
         </a:lnSpc>
         <a:spcBef>
           <a:spcPts val="500"/>
         </a:spcBef>
+        <a:buClr>
+          <a:schemeClr val="accent1"/>
+        </a:buClr>
+        <a:buSzPct val="160000"/>
         <a:buFont typeface="Arial" panose="020B0604020202020204" pitchFamily="34" charset="0"/>
         <a:buChar char="•"/>
-        <a:defRPr sz="1800" kern="1200">
+        <a:defRPr sz="1400" kern="1200" cap="all" baseline="0">
           <a:solidFill>
             <a:schemeClr val="tx1"/>
           </a:solidFill>
+          <a:effectLst/>
           <a:latin typeface="+mn-lt"/>
           <a:ea typeface="+mn-ea"/>
           <a:cs typeface="+mn-cs"/>
@@ -3212,17 +6167,22 @@
       </a:lvl8pPr>
       <a:lvl9pPr marL="3886200" indent="-228600" algn="l" defTabSz="914400" rtl="0" eaLnBrk="1" latinLnBrk="0" hangingPunct="1">
         <a:lnSpc>
-          <a:spcPct val="90000"/>
+          <a:spcPct val="120000"/>
         </a:lnSpc>
         <a:spcBef>
           <a:spcPts val="500"/>
         </a:spcBef>
+        <a:buClr>
+          <a:schemeClr val="accent1"/>
+        </a:buClr>
+        <a:buSzPct val="160000"/>
         <a:buFont typeface="Arial" panose="020B0604020202020204" pitchFamily="34" charset="0"/>
         <a:buChar char="•"/>
-        <a:defRPr sz="1800" kern="1200">
+        <a:defRPr sz="1400" kern="1200" cap="all" baseline="0">
           <a:solidFill>
             <a:schemeClr val="tx1"/>
           </a:solidFill>
+          <a:effectLst/>
           <a:latin typeface="+mn-lt"/>
           <a:ea typeface="+mn-ea"/>
           <a:cs typeface="+mn-cs"/>
@@ -3231,7 +6191,7 @@
     </p:bodyStyle>
     <p:otherStyle>
       <a:defPPr>
-        <a:defRPr lang="es-CO"/>
+        <a:defRPr lang="en-US"/>
       </a:defPPr>
       <a:lvl1pPr marL="0" algn="l" defTabSz="914400" rtl="0" eaLnBrk="1" latinLnBrk="0" hangingPunct="1">
         <a:defRPr sz="1800" kern="1200">
@@ -3489,8 +6449,8 @@
         </p:blipFill>
         <p:spPr>
           <a:xfrm>
-            <a:off x="2836883" y="1825625"/>
-            <a:ext cx="6518234" cy="4351338"/>
+            <a:off x="3403763" y="2063750"/>
+            <a:ext cx="4960611" cy="3311525"/>
           </a:xfrm>
         </p:spPr>
       </p:pic>
@@ -3576,8 +6536,8 @@
         </p:blipFill>
         <p:spPr>
           <a:xfrm>
-            <a:off x="2828925" y="1786932"/>
-            <a:ext cx="6534150" cy="4705943"/>
+            <a:off x="3585061" y="2063750"/>
+            <a:ext cx="4598016" cy="3311525"/>
           </a:xfrm>
         </p:spPr>
       </p:pic>
@@ -3723,9 +6683,9 @@
 </file>
 
 <file path=ppt/theme/theme1.xml><?xml version="1.0" encoding="utf-8"?>
-<a:theme xmlns:a="http://schemas.openxmlformats.org/drawingml/2006/main" name="Tema de Office">
+<a:theme xmlns:a="http://schemas.openxmlformats.org/drawingml/2006/main" name="Evento principal">
   <a:themeElements>
-    <a:clrScheme name="Office">
+    <a:clrScheme name="Evento principal">
       <a:dk1>
         <a:sysClr val="windowText" lastClr="000000"/>
       </a:dk1>
@@ -3733,44 +6693,44 @@
         <a:sysClr val="window" lastClr="FFFFFF"/>
       </a:lt1>
       <a:dk2>
-        <a:srgbClr val="44546A"/>
+        <a:srgbClr val="424242"/>
       </a:dk2>
       <a:lt2>
-        <a:srgbClr val="E7E6E6"/>
+        <a:srgbClr val="C8C8C8"/>
       </a:lt2>
       <a:accent1>
-        <a:srgbClr val="4472C4"/>
+        <a:srgbClr val="B80E0F"/>
       </a:accent1>
       <a:accent2>
-        <a:srgbClr val="ED7D31"/>
+        <a:srgbClr val="A6987D"/>
       </a:accent2>
       <a:accent3>
-        <a:srgbClr val="A5A5A5"/>
+        <a:srgbClr val="7F9A71"/>
       </a:accent3>
       <a:accent4>
-        <a:srgbClr val="FFC000"/>
+        <a:srgbClr val="64969F"/>
       </a:accent4>
       <a:accent5>
-        <a:srgbClr val="5B9BD5"/>
+        <a:srgbClr val="9B75B2"/>
       </a:accent5>
       <a:accent6>
-        <a:srgbClr val="70AD47"/>
+        <a:srgbClr val="80737A"/>
       </a:accent6>
       <a:hlink>
-        <a:srgbClr val="0563C1"/>
+        <a:srgbClr val="F21213"/>
       </a:hlink>
       <a:folHlink>
-        <a:srgbClr val="954F72"/>
+        <a:srgbClr val="B6A394"/>
       </a:folHlink>
     </a:clrScheme>
-    <a:fontScheme name="Office">
+    <a:fontScheme name="Evento principal">
       <a:majorFont>
-        <a:latin typeface="Calibri Light" panose="020F0302020204030204"/>
+        <a:latin typeface="Impact" panose="020B0806030902050204"/>
         <a:ea typeface=""/>
         <a:cs typeface=""/>
-        <a:font script="Jpan" typeface="游ゴシック Light"/>
+        <a:font script="Jpan" typeface="ＭＳ Ｐゴシック"/>
         <a:font script="Hang" typeface="맑은 고딕"/>
-        <a:font script="Hans" typeface="等线 Light"/>
+        <a:font script="Hans" typeface="宋体"/>
         <a:font script="Hant" typeface="新細明體"/>
         <a:font script="Arab" typeface="Times New Roman"/>
         <a:font script="Hebr" typeface="Times New Roman"/>
@@ -3798,31 +6758,14 @@
         <a:font script="Viet" typeface="Times New Roman"/>
         <a:font script="Uigh" typeface="Microsoft Uighur"/>
         <a:font script="Geor" typeface="Sylfaen"/>
-        <a:font script="Armn" typeface="Arial"/>
-        <a:font script="Bugi" typeface="Leelawadee UI"/>
-        <a:font script="Bopo" typeface="Microsoft JhengHei"/>
-        <a:font script="Java" typeface="Javanese Text"/>
-        <a:font script="Lisu" typeface="Segoe UI"/>
-        <a:font script="Mymr" typeface="Myanmar Text"/>
-        <a:font script="Nkoo" typeface="Ebrima"/>
-        <a:font script="Olck" typeface="Nirmala UI"/>
-        <a:font script="Osma" typeface="Ebrima"/>
-        <a:font script="Phag" typeface="Phagspa"/>
-        <a:font script="Syrn" typeface="Estrangelo Edessa"/>
-        <a:font script="Syrj" typeface="Estrangelo Edessa"/>
-        <a:font script="Syre" typeface="Estrangelo Edessa"/>
-        <a:font script="Sora" typeface="Nirmala UI"/>
-        <a:font script="Tale" typeface="Microsoft Tai Le"/>
-        <a:font script="Talu" typeface="Microsoft New Tai Lue"/>
-        <a:font script="Tfng" typeface="Ebrima"/>
       </a:majorFont>
       <a:minorFont>
-        <a:latin typeface="Calibri" panose="020F0502020204030204"/>
+        <a:latin typeface="Impact" panose="020B0806030902050204"/>
         <a:ea typeface=""/>
         <a:cs typeface=""/>
-        <a:font script="Jpan" typeface="游ゴシック"/>
+        <a:font script="Jpan" typeface="ＭＳ Ｐゴシック"/>
         <a:font script="Hang" typeface="맑은 고딕"/>
-        <a:font script="Hans" typeface="等线"/>
+        <a:font script="Hans" typeface="宋体"/>
         <a:font script="Hant" typeface="新細明體"/>
         <a:font script="Arab" typeface="Arial"/>
         <a:font script="Hebr" typeface="Arial"/>
@@ -3850,104 +6793,53 @@
         <a:font script="Viet" typeface="Arial"/>
         <a:font script="Uigh" typeface="Microsoft Uighur"/>
         <a:font script="Geor" typeface="Sylfaen"/>
-        <a:font script="Armn" typeface="Arial"/>
-        <a:font script="Bugi" typeface="Leelawadee UI"/>
-        <a:font script="Bopo" typeface="Microsoft JhengHei"/>
-        <a:font script="Java" typeface="Javanese Text"/>
-        <a:font script="Lisu" typeface="Segoe UI"/>
-        <a:font script="Mymr" typeface="Myanmar Text"/>
-        <a:font script="Nkoo" typeface="Ebrima"/>
-        <a:font script="Olck" typeface="Nirmala UI"/>
-        <a:font script="Osma" typeface="Ebrima"/>
-        <a:font script="Phag" typeface="Phagspa"/>
-        <a:font script="Syrn" typeface="Estrangelo Edessa"/>
-        <a:font script="Syrj" typeface="Estrangelo Edessa"/>
-        <a:font script="Syre" typeface="Estrangelo Edessa"/>
-        <a:font script="Sora" typeface="Nirmala UI"/>
-        <a:font script="Tale" typeface="Microsoft Tai Le"/>
-        <a:font script="Talu" typeface="Microsoft New Tai Lue"/>
-        <a:font script="Tfng" typeface="Ebrima"/>
       </a:minorFont>
     </a:fontScheme>
-    <a:fmtScheme name="Office">
+    <a:fmtScheme name="Evento principal">
       <a:fillStyleLst>
         <a:solidFill>
           <a:schemeClr val="phClr"/>
         </a:solidFill>
-        <a:gradFill rotWithShape="1">
-          <a:gsLst>
-            <a:gs pos="0">
+        <a:solidFill>
+          <a:schemeClr val="phClr">
+            <a:tint val="69000"/>
+            <a:satMod val="105000"/>
+            <a:lumMod val="110000"/>
+          </a:schemeClr>
+        </a:solidFill>
+        <a:blipFill>
+          <a:blip xmlns:r="http://schemas.openxmlformats.org/officeDocument/2006/relationships" r:embed="rId1">
+            <a:duotone>
               <a:schemeClr val="phClr">
-                <a:lumMod val="110000"/>
-                <a:satMod val="105000"/>
-                <a:tint val="67000"/>
+                <a:shade val="88000"/>
+                <a:lumMod val="88000"/>
               </a:schemeClr>
-            </a:gs>
-            <a:gs pos="50000">
-              <a:schemeClr val="phClr">
-                <a:lumMod val="105000"/>
-                <a:satMod val="103000"/>
-                <a:tint val="73000"/>
-              </a:schemeClr>
-            </a:gs>
-            <a:gs pos="100000">
-              <a:schemeClr val="phClr">
-                <a:lumMod val="105000"/>
-                <a:satMod val="109000"/>
-                <a:tint val="81000"/>
-              </a:schemeClr>
-            </a:gs>
-          </a:gsLst>
-          <a:lin ang="5400000" scaled="0"/>
-        </a:gradFill>
-        <a:gradFill rotWithShape="1">
-          <a:gsLst>
-            <a:gs pos="0">
-              <a:schemeClr val="phClr">
-                <a:satMod val="103000"/>
-                <a:lumMod val="102000"/>
-                <a:tint val="94000"/>
-              </a:schemeClr>
-            </a:gs>
-            <a:gs pos="50000">
-              <a:schemeClr val="phClr">
-                <a:satMod val="110000"/>
-                <a:lumMod val="100000"/>
-                <a:shade val="100000"/>
-              </a:schemeClr>
-            </a:gs>
-            <a:gs pos="100000">
-              <a:schemeClr val="phClr">
-                <a:lumMod val="99000"/>
-                <a:satMod val="120000"/>
-                <a:shade val="78000"/>
-              </a:schemeClr>
-            </a:gs>
-          </a:gsLst>
-          <a:lin ang="5400000" scaled="0"/>
-        </a:gradFill>
+              <a:schemeClr val="phClr"/>
+            </a:duotone>
+          </a:blip>
+          <a:tile tx="0" ty="0" sx="100000" sy="100000" flip="none" algn="tl"/>
+        </a:blipFill>
       </a:fillStyleLst>
       <a:lnStyleLst>
-        <a:ln w="6350" cap="flat" cmpd="sng" algn="ctr">
+        <a:ln w="9525" cap="flat" cmpd="sng" algn="ctr">
           <a:solidFill>
-            <a:schemeClr val="phClr"/>
+            <a:schemeClr val="phClr">
+              <a:shade val="60000"/>
+            </a:schemeClr>
           </a:solidFill>
           <a:prstDash val="solid"/>
-          <a:miter lim="800000"/>
-        </a:ln>
-        <a:ln w="12700" cap="flat" cmpd="sng" algn="ctr">
-          <a:solidFill>
-            <a:schemeClr val="phClr"/>
-          </a:solidFill>
-          <a:prstDash val="solid"/>
-          <a:miter lim="800000"/>
         </a:ln>
         <a:ln w="19050" cap="flat" cmpd="sng" algn="ctr">
           <a:solidFill>
             <a:schemeClr val="phClr"/>
           </a:solidFill>
           <a:prstDash val="solid"/>
-          <a:miter lim="800000"/>
+        </a:ln>
+        <a:ln w="25400" cap="flat" cmpd="sng" algn="ctr">
+          <a:solidFill>
+            <a:schemeClr val="phClr"/>
+          </a:solidFill>
+          <a:prstDash val="solid"/>
         </a:ln>
       </a:lnStyleLst>
       <a:effectStyleLst>
@@ -3959,9 +6851,9 @@
         </a:effectStyle>
         <a:effectStyle>
           <a:effectLst>
-            <a:outerShdw blurRad="57150" dist="19050" dir="5400000" algn="ctr" rotWithShape="0">
+            <a:outerShdw blurRad="25400" dist="12700" dir="5400000" rotWithShape="0">
               <a:srgbClr val="000000">
-                <a:alpha val="63000"/>
+                <a:alpha val="60000"/>
               </a:srgbClr>
             </a:outerShdw>
           </a:effectLst>
@@ -3971,39 +6863,39 @@
         <a:solidFill>
           <a:schemeClr val="phClr"/>
         </a:solidFill>
-        <a:solidFill>
-          <a:schemeClr val="phClr">
-            <a:tint val="95000"/>
-            <a:satMod val="170000"/>
-          </a:schemeClr>
-        </a:solidFill>
         <a:gradFill rotWithShape="1">
           <a:gsLst>
             <a:gs pos="0">
               <a:schemeClr val="phClr">
-                <a:tint val="93000"/>
-                <a:satMod val="150000"/>
-                <a:shade val="98000"/>
-                <a:lumMod val="102000"/>
-              </a:schemeClr>
-            </a:gs>
-            <a:gs pos="50000">
-              <a:schemeClr val="phClr">
-                <a:tint val="98000"/>
-                <a:satMod val="130000"/>
-                <a:shade val="90000"/>
-                <a:lumMod val="103000"/>
+                <a:tint val="90000"/>
+                <a:lumMod val="110000"/>
               </a:schemeClr>
             </a:gs>
             <a:gs pos="100000">
               <a:schemeClr val="phClr">
-                <a:shade val="63000"/>
-                <a:satMod val="120000"/>
+                <a:shade val="88000"/>
+                <a:lumMod val="88000"/>
               </a:schemeClr>
             </a:gs>
           </a:gsLst>
           <a:lin ang="5400000" scaled="0"/>
         </a:gradFill>
+        <a:blipFill>
+          <a:blip xmlns:r="http://schemas.openxmlformats.org/officeDocument/2006/relationships" r:embed="rId2">
+            <a:duotone>
+              <a:schemeClr val="phClr">
+                <a:shade val="48000"/>
+                <a:satMod val="110000"/>
+                <a:lumMod val="40000"/>
+              </a:schemeClr>
+              <a:schemeClr val="phClr">
+                <a:tint val="90000"/>
+                <a:lumMod val="106000"/>
+              </a:schemeClr>
+            </a:duotone>
+          </a:blip>
+          <a:stretch/>
+        </a:blipFill>
       </a:bgFillStyleLst>
     </a:fmtScheme>
   </a:themeElements>
@@ -4011,7 +6903,7 @@
   <a:extraClrSchemeLst/>
   <a:extLst>
     <a:ext uri="{05A4C25C-085E-4340-85A3-A5531E510DB2}">
-      <thm15:themeFamily xmlns:thm15="http://schemas.microsoft.com/office/thememl/2012/main" name="Office Theme" id="{62F939B6-93AF-4DB8-9C6B-D6C7DFDC589F}" vid="{4A3C46E8-61CC-4603-A589-7422A47A8E4A}"/>
+      <thm15:themeFamily xmlns:thm15="http://schemas.microsoft.com/office/thememl/2012/main" name="Main Event" id="{AC372BB4-D83D-411E-B849-B641926BA760}" vid="{F1EFBDE3-1A95-4E3D-81AD-1F53D65BEA01}"/>
     </a:ext>
   </a:extLst>
 </a:theme>
